--- a/Things.pptx
+++ b/Things.pptx
@@ -6,7 +6,12 @@
   </p:sldMasterIdLst>
   <p:sldIdLst>
     <p:sldId id="258" r:id="rId2"/>
-    <p:sldId id="256" r:id="rId3"/>
+    <p:sldId id="259" r:id="rId3"/>
+    <p:sldId id="256" r:id="rId4"/>
+    <p:sldId id="260" r:id="rId5"/>
+    <p:sldId id="261" r:id="rId6"/>
+    <p:sldId id="262" r:id="rId7"/>
+    <p:sldId id="263" r:id="rId8"/>
   </p:sldIdLst>
   <p:sldSz cx="9906000" cy="6858000" type="A4"/>
   <p:notesSz cx="6858000" cy="9144000"/>
@@ -162,7 +167,7 @@
           <a:lstStyle/>
           <a:p>
             <a:r>
-              <a:rPr lang="en-US" smtClean="0"/>
+              <a:rPr lang="en-US"/>
               <a:t>Click to edit Master title style</a:t>
             </a:r>
             <a:endParaRPr lang="en-AU"/>
@@ -281,7 +286,7 @@
           </a:lstStyle>
           <a:p>
             <a:r>
-              <a:rPr lang="en-US" smtClean="0"/>
+              <a:rPr lang="en-US"/>
               <a:t>Click to edit Master subtitle style</a:t>
             </a:r>
             <a:endParaRPr lang="en-AU"/>
@@ -306,7 +311,7 @@
             <a:fld id="{1585DAA5-6BE2-467A-90B2-00E985D86198}" type="datetimeFigureOut">
               <a:rPr lang="en-AU" smtClean="0"/>
               <a:pPr/>
-              <a:t>8/03/2017</a:t>
+              <a:t>9/03/2017</a:t>
             </a:fld>
             <a:endParaRPr lang="en-AU"/>
           </a:p>
@@ -396,7 +401,7 @@
           <a:lstStyle/>
           <a:p>
             <a:r>
-              <a:rPr lang="en-US" smtClean="0"/>
+              <a:rPr lang="en-US"/>
               <a:t>Click to edit Master title style</a:t>
             </a:r>
             <a:endParaRPr lang="en-AU"/>
@@ -420,35 +425,35 @@
           <a:p>
             <a:pPr lvl="0"/>
             <a:r>
-              <a:rPr lang="en-US" smtClean="0"/>
+              <a:rPr lang="en-US"/>
               <a:t>Click to edit Master text styles</a:t>
             </a:r>
           </a:p>
           <a:p>
             <a:pPr lvl="1"/>
             <a:r>
-              <a:rPr lang="en-US" smtClean="0"/>
+              <a:rPr lang="en-US"/>
               <a:t>Second level</a:t>
             </a:r>
           </a:p>
           <a:p>
             <a:pPr lvl="2"/>
             <a:r>
-              <a:rPr lang="en-US" smtClean="0"/>
+              <a:rPr lang="en-US"/>
               <a:t>Third level</a:t>
             </a:r>
           </a:p>
           <a:p>
             <a:pPr lvl="3"/>
             <a:r>
-              <a:rPr lang="en-US" smtClean="0"/>
+              <a:rPr lang="en-US"/>
               <a:t>Fourth level</a:t>
             </a:r>
           </a:p>
           <a:p>
             <a:pPr lvl="4"/>
             <a:r>
-              <a:rPr lang="en-US" smtClean="0"/>
+              <a:rPr lang="en-US"/>
               <a:t>Fifth level</a:t>
             </a:r>
             <a:endParaRPr lang="en-AU"/>
@@ -473,7 +478,7 @@
             <a:fld id="{1585DAA5-6BE2-467A-90B2-00E985D86198}" type="datetimeFigureOut">
               <a:rPr lang="en-AU" smtClean="0"/>
               <a:pPr/>
-              <a:t>8/03/2017</a:t>
+              <a:t>9/03/2017</a:t>
             </a:fld>
             <a:endParaRPr lang="en-AU"/>
           </a:p>
@@ -568,7 +573,7 @@
           <a:lstStyle/>
           <a:p>
             <a:r>
-              <a:rPr lang="en-US" smtClean="0"/>
+              <a:rPr lang="en-US"/>
               <a:t>Click to edit Master title style</a:t>
             </a:r>
             <a:endParaRPr lang="en-AU"/>
@@ -597,35 +602,35 @@
           <a:p>
             <a:pPr lvl="0"/>
             <a:r>
-              <a:rPr lang="en-US" smtClean="0"/>
+              <a:rPr lang="en-US"/>
               <a:t>Click to edit Master text styles</a:t>
             </a:r>
           </a:p>
           <a:p>
             <a:pPr lvl="1"/>
             <a:r>
-              <a:rPr lang="en-US" smtClean="0"/>
+              <a:rPr lang="en-US"/>
               <a:t>Second level</a:t>
             </a:r>
           </a:p>
           <a:p>
             <a:pPr lvl="2"/>
             <a:r>
-              <a:rPr lang="en-US" smtClean="0"/>
+              <a:rPr lang="en-US"/>
               <a:t>Third level</a:t>
             </a:r>
           </a:p>
           <a:p>
             <a:pPr lvl="3"/>
             <a:r>
-              <a:rPr lang="en-US" smtClean="0"/>
+              <a:rPr lang="en-US"/>
               <a:t>Fourth level</a:t>
             </a:r>
           </a:p>
           <a:p>
             <a:pPr lvl="4"/>
             <a:r>
-              <a:rPr lang="en-US" smtClean="0"/>
+              <a:rPr lang="en-US"/>
               <a:t>Fifth level</a:t>
             </a:r>
             <a:endParaRPr lang="en-AU"/>
@@ -650,7 +655,7 @@
             <a:fld id="{1585DAA5-6BE2-467A-90B2-00E985D86198}" type="datetimeFigureOut">
               <a:rPr lang="en-AU" smtClean="0"/>
               <a:pPr/>
-              <a:t>8/03/2017</a:t>
+              <a:t>9/03/2017</a:t>
             </a:fld>
             <a:endParaRPr lang="en-AU"/>
           </a:p>
@@ -740,7 +745,7 @@
           <a:lstStyle/>
           <a:p>
             <a:r>
-              <a:rPr lang="en-US" smtClean="0"/>
+              <a:rPr lang="en-US"/>
               <a:t>Click to edit Master title style</a:t>
             </a:r>
             <a:endParaRPr lang="en-AU"/>
@@ -764,35 +769,35 @@
           <a:p>
             <a:pPr lvl="0"/>
             <a:r>
-              <a:rPr lang="en-US" smtClean="0"/>
+              <a:rPr lang="en-US"/>
               <a:t>Click to edit Master text styles</a:t>
             </a:r>
           </a:p>
           <a:p>
             <a:pPr lvl="1"/>
             <a:r>
-              <a:rPr lang="en-US" smtClean="0"/>
+              <a:rPr lang="en-US"/>
               <a:t>Second level</a:t>
             </a:r>
           </a:p>
           <a:p>
             <a:pPr lvl="2"/>
             <a:r>
-              <a:rPr lang="en-US" smtClean="0"/>
+              <a:rPr lang="en-US"/>
               <a:t>Third level</a:t>
             </a:r>
           </a:p>
           <a:p>
             <a:pPr lvl="3"/>
             <a:r>
-              <a:rPr lang="en-US" smtClean="0"/>
+              <a:rPr lang="en-US"/>
               <a:t>Fourth level</a:t>
             </a:r>
           </a:p>
           <a:p>
             <a:pPr lvl="4"/>
             <a:r>
-              <a:rPr lang="en-US" smtClean="0"/>
+              <a:rPr lang="en-US"/>
               <a:t>Fifth level</a:t>
             </a:r>
             <a:endParaRPr lang="en-AU"/>
@@ -817,7 +822,7 @@
             <a:fld id="{1585DAA5-6BE2-467A-90B2-00E985D86198}" type="datetimeFigureOut">
               <a:rPr lang="en-AU" smtClean="0"/>
               <a:pPr/>
-              <a:t>8/03/2017</a:t>
+              <a:t>9/03/2017</a:t>
             </a:fld>
             <a:endParaRPr lang="en-AU"/>
           </a:p>
@@ -916,7 +921,7 @@
           </a:lstStyle>
           <a:p>
             <a:r>
-              <a:rPr lang="en-US" smtClean="0"/>
+              <a:rPr lang="en-US"/>
               <a:t>Click to edit Master title style</a:t>
             </a:r>
             <a:endParaRPr lang="en-AU"/>
@@ -1036,7 +1041,7 @@
           <a:p>
             <a:pPr lvl="0"/>
             <a:r>
-              <a:rPr lang="en-US" smtClean="0"/>
+              <a:rPr lang="en-US"/>
               <a:t>Click to edit Master text styles</a:t>
             </a:r>
           </a:p>
@@ -1060,7 +1065,7 @@
             <a:fld id="{1585DAA5-6BE2-467A-90B2-00E985D86198}" type="datetimeFigureOut">
               <a:rPr lang="en-AU" smtClean="0"/>
               <a:pPr/>
-              <a:t>8/03/2017</a:t>
+              <a:t>9/03/2017</a:t>
             </a:fld>
             <a:endParaRPr lang="en-AU"/>
           </a:p>
@@ -1150,7 +1155,7 @@
           <a:lstStyle/>
           <a:p>
             <a:r>
-              <a:rPr lang="en-US" smtClean="0"/>
+              <a:rPr lang="en-US"/>
               <a:t>Click to edit Master title style</a:t>
             </a:r>
             <a:endParaRPr lang="en-AU"/>
@@ -1207,35 +1212,35 @@
           <a:p>
             <a:pPr lvl="0"/>
             <a:r>
-              <a:rPr lang="en-US" smtClean="0"/>
+              <a:rPr lang="en-US"/>
               <a:t>Click to edit Master text styles</a:t>
             </a:r>
           </a:p>
           <a:p>
             <a:pPr lvl="1"/>
             <a:r>
-              <a:rPr lang="en-US" smtClean="0"/>
+              <a:rPr lang="en-US"/>
               <a:t>Second level</a:t>
             </a:r>
           </a:p>
           <a:p>
             <a:pPr lvl="2"/>
             <a:r>
-              <a:rPr lang="en-US" smtClean="0"/>
+              <a:rPr lang="en-US"/>
               <a:t>Third level</a:t>
             </a:r>
           </a:p>
           <a:p>
             <a:pPr lvl="3"/>
             <a:r>
-              <a:rPr lang="en-US" smtClean="0"/>
+              <a:rPr lang="en-US"/>
               <a:t>Fourth level</a:t>
             </a:r>
           </a:p>
           <a:p>
             <a:pPr lvl="4"/>
             <a:r>
-              <a:rPr lang="en-US" smtClean="0"/>
+              <a:rPr lang="en-US"/>
               <a:t>Fifth level</a:t>
             </a:r>
             <a:endParaRPr lang="en-AU"/>
@@ -1292,35 +1297,35 @@
           <a:p>
             <a:pPr lvl="0"/>
             <a:r>
-              <a:rPr lang="en-US" smtClean="0"/>
+              <a:rPr lang="en-US"/>
               <a:t>Click to edit Master text styles</a:t>
             </a:r>
           </a:p>
           <a:p>
             <a:pPr lvl="1"/>
             <a:r>
-              <a:rPr lang="en-US" smtClean="0"/>
+              <a:rPr lang="en-US"/>
               <a:t>Second level</a:t>
             </a:r>
           </a:p>
           <a:p>
             <a:pPr lvl="2"/>
             <a:r>
-              <a:rPr lang="en-US" smtClean="0"/>
+              <a:rPr lang="en-US"/>
               <a:t>Third level</a:t>
             </a:r>
           </a:p>
           <a:p>
             <a:pPr lvl="3"/>
             <a:r>
-              <a:rPr lang="en-US" smtClean="0"/>
+              <a:rPr lang="en-US"/>
               <a:t>Fourth level</a:t>
             </a:r>
           </a:p>
           <a:p>
             <a:pPr lvl="4"/>
             <a:r>
-              <a:rPr lang="en-US" smtClean="0"/>
+              <a:rPr lang="en-US"/>
               <a:t>Fifth level</a:t>
             </a:r>
             <a:endParaRPr lang="en-AU"/>
@@ -1345,7 +1350,7 @@
             <a:fld id="{1585DAA5-6BE2-467A-90B2-00E985D86198}" type="datetimeFigureOut">
               <a:rPr lang="en-AU" smtClean="0"/>
               <a:pPr/>
-              <a:t>8/03/2017</a:t>
+              <a:t>9/03/2017</a:t>
             </a:fld>
             <a:endParaRPr lang="en-AU"/>
           </a:p>
@@ -1439,7 +1444,7 @@
           </a:lstStyle>
           <a:p>
             <a:r>
-              <a:rPr lang="en-US" smtClean="0"/>
+              <a:rPr lang="en-US"/>
               <a:t>Click to edit Master title style</a:t>
             </a:r>
             <a:endParaRPr lang="en-AU"/>
@@ -1505,7 +1510,7 @@
           <a:p>
             <a:pPr lvl="0"/>
             <a:r>
-              <a:rPr lang="en-US" smtClean="0"/>
+              <a:rPr lang="en-US"/>
               <a:t>Click to edit Master text styles</a:t>
             </a:r>
           </a:p>
@@ -1561,35 +1566,35 @@
           <a:p>
             <a:pPr lvl="0"/>
             <a:r>
-              <a:rPr lang="en-US" smtClean="0"/>
+              <a:rPr lang="en-US"/>
               <a:t>Click to edit Master text styles</a:t>
             </a:r>
           </a:p>
           <a:p>
             <a:pPr lvl="1"/>
             <a:r>
-              <a:rPr lang="en-US" smtClean="0"/>
+              <a:rPr lang="en-US"/>
               <a:t>Second level</a:t>
             </a:r>
           </a:p>
           <a:p>
             <a:pPr lvl="2"/>
             <a:r>
-              <a:rPr lang="en-US" smtClean="0"/>
+              <a:rPr lang="en-US"/>
               <a:t>Third level</a:t>
             </a:r>
           </a:p>
           <a:p>
             <a:pPr lvl="3"/>
             <a:r>
-              <a:rPr lang="en-US" smtClean="0"/>
+              <a:rPr lang="en-US"/>
               <a:t>Fourth level</a:t>
             </a:r>
           </a:p>
           <a:p>
             <a:pPr lvl="4"/>
             <a:r>
-              <a:rPr lang="en-US" smtClean="0"/>
+              <a:rPr lang="en-US"/>
               <a:t>Fifth level</a:t>
             </a:r>
             <a:endParaRPr lang="en-AU"/>
@@ -1655,7 +1660,7 @@
           <a:p>
             <a:pPr lvl="0"/>
             <a:r>
-              <a:rPr lang="en-US" smtClean="0"/>
+              <a:rPr lang="en-US"/>
               <a:t>Click to edit Master text styles</a:t>
             </a:r>
           </a:p>
@@ -1711,35 +1716,35 @@
           <a:p>
             <a:pPr lvl="0"/>
             <a:r>
-              <a:rPr lang="en-US" smtClean="0"/>
+              <a:rPr lang="en-US"/>
               <a:t>Click to edit Master text styles</a:t>
             </a:r>
           </a:p>
           <a:p>
             <a:pPr lvl="1"/>
             <a:r>
-              <a:rPr lang="en-US" smtClean="0"/>
+              <a:rPr lang="en-US"/>
               <a:t>Second level</a:t>
             </a:r>
           </a:p>
           <a:p>
             <a:pPr lvl="2"/>
             <a:r>
-              <a:rPr lang="en-US" smtClean="0"/>
+              <a:rPr lang="en-US"/>
               <a:t>Third level</a:t>
             </a:r>
           </a:p>
           <a:p>
             <a:pPr lvl="3"/>
             <a:r>
-              <a:rPr lang="en-US" smtClean="0"/>
+              <a:rPr lang="en-US"/>
               <a:t>Fourth level</a:t>
             </a:r>
           </a:p>
           <a:p>
             <a:pPr lvl="4"/>
             <a:r>
-              <a:rPr lang="en-US" smtClean="0"/>
+              <a:rPr lang="en-US"/>
               <a:t>Fifth level</a:t>
             </a:r>
             <a:endParaRPr lang="en-AU"/>
@@ -1764,7 +1769,7 @@
             <a:fld id="{1585DAA5-6BE2-467A-90B2-00E985D86198}" type="datetimeFigureOut">
               <a:rPr lang="en-AU" smtClean="0"/>
               <a:pPr/>
-              <a:t>8/03/2017</a:t>
+              <a:t>9/03/2017</a:t>
             </a:fld>
             <a:endParaRPr lang="en-AU"/>
           </a:p>
@@ -1854,7 +1859,7 @@
           <a:lstStyle/>
           <a:p>
             <a:r>
-              <a:rPr lang="en-US" smtClean="0"/>
+              <a:rPr lang="en-US"/>
               <a:t>Click to edit Master title style</a:t>
             </a:r>
             <a:endParaRPr lang="en-AU"/>
@@ -1879,7 +1884,7 @@
             <a:fld id="{1585DAA5-6BE2-467A-90B2-00E985D86198}" type="datetimeFigureOut">
               <a:rPr lang="en-AU" smtClean="0"/>
               <a:pPr/>
-              <a:t>8/03/2017</a:t>
+              <a:t>9/03/2017</a:t>
             </a:fld>
             <a:endParaRPr lang="en-AU"/>
           </a:p>
@@ -1971,7 +1976,7 @@
             <a:fld id="{1585DAA5-6BE2-467A-90B2-00E985D86198}" type="datetimeFigureOut">
               <a:rPr lang="en-AU" smtClean="0"/>
               <a:pPr/>
-              <a:t>8/03/2017</a:t>
+              <a:t>9/03/2017</a:t>
             </a:fld>
             <a:endParaRPr lang="en-AU"/>
           </a:p>
@@ -2070,7 +2075,7 @@
           </a:lstStyle>
           <a:p>
             <a:r>
-              <a:rPr lang="en-US" smtClean="0"/>
+              <a:rPr lang="en-US"/>
               <a:t>Click to edit Master title style</a:t>
             </a:r>
             <a:endParaRPr lang="en-AU"/>
@@ -2127,35 +2132,35 @@
           <a:p>
             <a:pPr lvl="0"/>
             <a:r>
-              <a:rPr lang="en-US" smtClean="0"/>
+              <a:rPr lang="en-US"/>
               <a:t>Click to edit Master text styles</a:t>
             </a:r>
           </a:p>
           <a:p>
             <a:pPr lvl="1"/>
             <a:r>
-              <a:rPr lang="en-US" smtClean="0"/>
+              <a:rPr lang="en-US"/>
               <a:t>Second level</a:t>
             </a:r>
           </a:p>
           <a:p>
             <a:pPr lvl="2"/>
             <a:r>
-              <a:rPr lang="en-US" smtClean="0"/>
+              <a:rPr lang="en-US"/>
               <a:t>Third level</a:t>
             </a:r>
           </a:p>
           <a:p>
             <a:pPr lvl="3"/>
             <a:r>
-              <a:rPr lang="en-US" smtClean="0"/>
+              <a:rPr lang="en-US"/>
               <a:t>Fourth level</a:t>
             </a:r>
           </a:p>
           <a:p>
             <a:pPr lvl="4"/>
             <a:r>
-              <a:rPr lang="en-US" smtClean="0"/>
+              <a:rPr lang="en-US"/>
               <a:t>Fifth level</a:t>
             </a:r>
             <a:endParaRPr lang="en-AU"/>
@@ -2221,7 +2226,7 @@
           <a:p>
             <a:pPr lvl="0"/>
             <a:r>
-              <a:rPr lang="en-US" smtClean="0"/>
+              <a:rPr lang="en-US"/>
               <a:t>Click to edit Master text styles</a:t>
             </a:r>
           </a:p>
@@ -2245,7 +2250,7 @@
             <a:fld id="{1585DAA5-6BE2-467A-90B2-00E985D86198}" type="datetimeFigureOut">
               <a:rPr lang="en-AU" smtClean="0"/>
               <a:pPr/>
-              <a:t>8/03/2017</a:t>
+              <a:t>9/03/2017</a:t>
             </a:fld>
             <a:endParaRPr lang="en-AU"/>
           </a:p>
@@ -2344,7 +2349,7 @@
           </a:lstStyle>
           <a:p>
             <a:r>
-              <a:rPr lang="en-US" smtClean="0"/>
+              <a:rPr lang="en-US"/>
               <a:t>Click to edit Master title style</a:t>
             </a:r>
             <a:endParaRPr lang="en-AU"/>
@@ -2471,7 +2476,7 @@
           <a:p>
             <a:pPr lvl="0"/>
             <a:r>
-              <a:rPr lang="en-US" smtClean="0"/>
+              <a:rPr lang="en-US"/>
               <a:t>Click to edit Master text styles</a:t>
             </a:r>
           </a:p>
@@ -2495,7 +2500,7 @@
             <a:fld id="{1585DAA5-6BE2-467A-90B2-00E985D86198}" type="datetimeFigureOut">
               <a:rPr lang="en-AU" smtClean="0"/>
               <a:pPr/>
-              <a:t>8/03/2017</a:t>
+              <a:t>9/03/2017</a:t>
             </a:fld>
             <a:endParaRPr lang="en-AU"/>
           </a:p>
@@ -2600,7 +2605,7 @@
           <a:lstStyle/>
           <a:p>
             <a:r>
-              <a:rPr lang="en-US" smtClean="0"/>
+              <a:rPr lang="en-US"/>
               <a:t>Click to edit Master title style</a:t>
             </a:r>
             <a:endParaRPr lang="en-AU"/>
@@ -2634,35 +2639,35 @@
           <a:p>
             <a:pPr lvl="0"/>
             <a:r>
-              <a:rPr lang="en-US" smtClean="0"/>
+              <a:rPr lang="en-US"/>
               <a:t>Click to edit Master text styles</a:t>
             </a:r>
           </a:p>
           <a:p>
             <a:pPr lvl="1"/>
             <a:r>
-              <a:rPr lang="en-US" smtClean="0"/>
+              <a:rPr lang="en-US"/>
               <a:t>Second level</a:t>
             </a:r>
           </a:p>
           <a:p>
             <a:pPr lvl="2"/>
             <a:r>
-              <a:rPr lang="en-US" smtClean="0"/>
+              <a:rPr lang="en-US"/>
               <a:t>Third level</a:t>
             </a:r>
           </a:p>
           <a:p>
             <a:pPr lvl="3"/>
             <a:r>
-              <a:rPr lang="en-US" smtClean="0"/>
+              <a:rPr lang="en-US"/>
               <a:t>Fourth level</a:t>
             </a:r>
           </a:p>
           <a:p>
             <a:pPr lvl="4"/>
             <a:r>
-              <a:rPr lang="en-US" smtClean="0"/>
+              <a:rPr lang="en-US"/>
               <a:t>Fifth level</a:t>
             </a:r>
             <a:endParaRPr lang="en-AU"/>
@@ -2705,7 +2710,7 @@
             <a:fld id="{1585DAA5-6BE2-467A-90B2-00E985D86198}" type="datetimeFigureOut">
               <a:rPr lang="en-AU" smtClean="0"/>
               <a:pPr/>
-              <a:t>8/03/2017</a:t>
+              <a:t>9/03/2017</a:t>
             </a:fld>
             <a:endParaRPr lang="en-AU"/>
           </a:p>
@@ -3105,11 +3110,11 @@
               <a:buNone/>
             </a:pPr>
             <a:r>
-              <a:rPr lang="en-AU" sz="2000" u="sng" dirty="0" smtClean="0"/>
+              <a:rPr lang="en-AU" sz="2000" u="sng" dirty="0"/>
               <a:t>Role 1</a:t>
             </a:r>
             <a:r>
-              <a:rPr lang="en-AU" sz="2000" dirty="0" smtClean="0"/>
+              <a:rPr lang="en-AU" sz="2000" dirty="0"/>
               <a:t> – Brief description</a:t>
             </a:r>
           </a:p>
@@ -3121,14 +3126,13 @@
               <a:buNone/>
             </a:pPr>
             <a:r>
-              <a:rPr lang="en-AU" sz="2000" u="sng" dirty="0" smtClean="0"/>
+              <a:rPr lang="en-AU" sz="2000" u="sng" dirty="0"/>
               <a:t>Role 2</a:t>
             </a:r>
             <a:r>
-              <a:rPr lang="en-AU" sz="2000" dirty="0" smtClean="0"/>
+              <a:rPr lang="en-AU" sz="2000" dirty="0"/>
               <a:t> – Brief description</a:t>
             </a:r>
-            <a:endParaRPr lang="en-AU" sz="2000" dirty="0"/>
           </a:p>
         </p:txBody>
       </p:sp>
@@ -3176,10 +3180,9 @@
           <a:p>
             <a:pPr algn="ctr"/>
             <a:r>
-              <a:rPr lang="en-AU" sz="2800" dirty="0" smtClean="0"/>
+              <a:rPr lang="en-AU" sz="2800" dirty="0"/>
               <a:t>System Roles</a:t>
             </a:r>
-            <a:endParaRPr lang="en-AU" sz="2800" dirty="0"/>
           </a:p>
         </p:txBody>
       </p:sp>
@@ -3263,7 +3266,7 @@
                   <a:schemeClr val="tx1"/>
                 </a:solidFill>
               </a:rPr>
-              <a:t>2</a:t>
+              <a:t>1</a:t>
             </a:r>
             <a:endParaRPr lang="en-AU" sz="2000" dirty="0">
               <a:solidFill>
@@ -3317,10 +3320,9 @@
           <a:p>
             <a:pPr algn="ctr"/>
             <a:r>
-              <a:rPr lang="en-AU" sz="2800" dirty="0" smtClean="0"/>
+              <a:rPr lang="en-AU" sz="2800" dirty="0"/>
               <a:t>Story Title</a:t>
             </a:r>
-            <a:endParaRPr lang="en-AU" sz="2800" dirty="0"/>
           </a:p>
         </p:txBody>
       </p:sp>
@@ -3373,74 +3375,13 @@
           <a:lstStyle/>
           <a:p>
             <a:r>
-              <a:rPr lang="en-AU" sz="2400" dirty="0" smtClean="0">
-                <a:solidFill>
-                  <a:schemeClr val="tx1"/>
-                </a:solidFill>
-              </a:rPr>
-              <a:t>As a </a:t>
-            </a:r>
-            <a:r>
-              <a:rPr lang="en-AU" sz="2400" b="1" dirty="0" smtClean="0">
-                <a:solidFill>
-                  <a:schemeClr val="tx1"/>
-                </a:solidFill>
-              </a:rPr>
-              <a:t>David</a:t>
-            </a:r>
-            <a:r>
-              <a:rPr lang="en-AU" sz="2400" dirty="0" smtClean="0">
-                <a:solidFill>
-                  <a:schemeClr val="tx1"/>
-                </a:solidFill>
-              </a:rPr>
-              <a:t>,</a:t>
-            </a:r>
-            <a:r>
-              <a:rPr lang="en-AU" sz="2400" dirty="0" smtClean="0">
-                <a:solidFill>
-                  <a:schemeClr val="tx1"/>
-                </a:solidFill>
-              </a:rPr>
-              <a:t> </a:t>
-            </a:r>
-            <a:r>
-              <a:rPr lang="en-AU" sz="2400" dirty="0" smtClean="0">
-                <a:solidFill>
-                  <a:schemeClr val="tx1"/>
-                </a:solidFill>
-              </a:rPr>
-              <a:t>I want </a:t>
-            </a:r>
-            <a:r>
-              <a:rPr lang="en-AU" sz="2400" b="1" dirty="0" smtClean="0">
-                <a:solidFill>
-                  <a:schemeClr val="tx1"/>
-                </a:solidFill>
-              </a:rPr>
-              <a:t>to be able to login, create, update and delete the properties, </a:t>
-            </a:r>
-            <a:r>
-              <a:rPr lang="en-AU" sz="2400" dirty="0" smtClean="0">
-                <a:solidFill>
-                  <a:schemeClr val="tx1"/>
-                </a:solidFill>
-              </a:rPr>
-              <a:t>so that </a:t>
-            </a:r>
-            <a:r>
-              <a:rPr lang="en-AU" sz="2400" b="1" dirty="0" smtClean="0">
-                <a:solidFill>
-                  <a:schemeClr val="tx1"/>
-                </a:solidFill>
-              </a:rPr>
-              <a:t>I can keep all of my information up to date.</a:t>
-            </a:r>
-            <a:endParaRPr lang="en-AU" sz="2400" dirty="0" smtClean="0">
-              <a:solidFill>
-                <a:schemeClr val="tx1"/>
-              </a:solidFill>
-            </a:endParaRPr>
+              <a:rPr lang="en-AU" sz="2400" dirty="0">
+                <a:solidFill>
+                  <a:schemeClr val="tx1"/>
+                </a:solidFill>
+              </a:rPr>
+              <a:t>As a Tenant , I want to be able to log into the website, so that I can check the details of the properties</a:t>
+            </a:r>
           </a:p>
         </p:txBody>
       </p:sp>
@@ -3493,7 +3434,7 @@
           <a:lstStyle/>
           <a:p>
             <a:r>
-              <a:rPr lang="en-AU" sz="2000" dirty="0" smtClean="0">
+              <a:rPr lang="en-AU" sz="2000" dirty="0">
                 <a:solidFill>
                   <a:schemeClr val="tx1"/>
                 </a:solidFill>
@@ -3507,20 +3448,12 @@
               <a:buChar char="•"/>
             </a:pPr>
             <a:r>
-              <a:rPr lang="en-AU" sz="2000" dirty="0" smtClean="0">
-                <a:solidFill>
-                  <a:schemeClr val="tx1"/>
-                </a:solidFill>
-              </a:rPr>
-              <a:t> </a:t>
-            </a:r>
-            <a:r>
-              <a:rPr lang="en-AU" sz="2000" dirty="0" smtClean="0">
-                <a:solidFill>
-                  <a:schemeClr val="tx1"/>
-                </a:solidFill>
-              </a:rPr>
-              <a:t>Can David press login?</a:t>
+              <a:rPr lang="en-AU" sz="2000" dirty="0">
+                <a:solidFill>
+                  <a:schemeClr val="tx1"/>
+                </a:solidFill>
+              </a:rPr>
+              <a:t> can the tenant log in easily to the website </a:t>
             </a:r>
           </a:p>
           <a:p>
@@ -3529,28 +3462,12 @@
               <a:buChar char="•"/>
             </a:pPr>
             <a:r>
-              <a:rPr lang="en-US" sz="2000" dirty="0" smtClean="0">
-                <a:solidFill>
-                  <a:schemeClr val="tx1"/>
-                </a:solidFill>
-              </a:rPr>
-              <a:t>Can David easily access these controls (Creat</a:t>
-            </a:r>
-            <a:r>
-              <a:rPr lang="en-US" sz="2000" dirty="0" smtClean="0">
-                <a:solidFill>
-                  <a:schemeClr val="tx1"/>
-                </a:solidFill>
-              </a:rPr>
-              <a:t>e, Update, Delete)</a:t>
-            </a:r>
-            <a:r>
-              <a:rPr lang="en-US" sz="2000" dirty="0" smtClean="0">
-                <a:solidFill>
-                  <a:schemeClr val="tx1"/>
-                </a:solidFill>
-              </a:rPr>
-              <a:t>?</a:t>
+              <a:rPr lang="en-US" sz="2000" dirty="0">
+                <a:solidFill>
+                  <a:schemeClr val="tx1"/>
+                </a:solidFill>
+              </a:rPr>
+              <a:t>Can the tenant see the details of the properties easily.?</a:t>
             </a:r>
           </a:p>
           <a:p>
@@ -3559,14 +3476,14 @@
               <a:buChar char="•"/>
             </a:pPr>
             <a:r>
-              <a:rPr lang="en-US" sz="2000" dirty="0" smtClean="0">
-                <a:solidFill>
-                  <a:schemeClr val="tx1"/>
-                </a:solidFill>
-              </a:rPr>
-              <a:t>Is the User Interface friendly enough for David?</a:t>
-            </a:r>
-            <a:endParaRPr lang="en-AU" sz="2000" dirty="0" smtClean="0">
+              <a:rPr lang="en-US" sz="2000" dirty="0">
+                <a:solidFill>
+                  <a:schemeClr val="tx1"/>
+                </a:solidFill>
+              </a:rPr>
+              <a:t>Is the website easy enough for the prospective tenant to log into.</a:t>
+            </a:r>
+            <a:endParaRPr lang="en-AU" sz="2000" dirty="0">
               <a:solidFill>
                 <a:schemeClr val="tx1"/>
               </a:solidFill>
@@ -3623,18 +3540,13 @@
           <a:p>
             <a:pPr algn="ctr"/>
             <a:r>
-              <a:rPr lang="en-AU" sz="2000" dirty="0" smtClean="0">
+              <a:rPr lang="en-AU" sz="2000" dirty="0">
                 <a:solidFill>
                   <a:schemeClr val="tx1"/>
                 </a:solidFill>
               </a:rPr>
               <a:t>Story Points</a:t>
             </a:r>
-            <a:endParaRPr lang="en-AU" sz="2000" dirty="0">
-              <a:solidFill>
-                <a:schemeClr val="tx1"/>
-              </a:solidFill>
-            </a:endParaRPr>
           </a:p>
         </p:txBody>
       </p:sp>
@@ -3688,18 +3600,13 @@
           <a:p>
             <a:pPr algn="ctr"/>
             <a:r>
-              <a:rPr lang="en-AU" sz="2000" dirty="0" smtClean="0">
+              <a:rPr lang="en-AU" sz="2000" dirty="0">
                 <a:solidFill>
                   <a:schemeClr val="tx1"/>
                 </a:solidFill>
               </a:rPr>
               <a:t>HIGH</a:t>
             </a:r>
-            <a:endParaRPr lang="en-AU" sz="2000" dirty="0">
-              <a:solidFill>
-                <a:schemeClr val="tx1"/>
-              </a:solidFill>
-            </a:endParaRPr>
           </a:p>
         </p:txBody>
       </p:sp>
@@ -3749,7 +3656,7 @@
           <a:lstStyle/>
           <a:p>
             <a:r>
-              <a:rPr lang="en-AU" sz="2000" dirty="0" smtClean="0">
+              <a:rPr lang="en-AU" sz="2000" dirty="0">
                 <a:solidFill>
                   <a:schemeClr val="tx1"/>
                 </a:solidFill>
@@ -3758,25 +3665,119 @@
             </a:r>
           </a:p>
           <a:p>
-            <a:pPr marL="179388" indent="-179388">
-              <a:buFont typeface="Arial" pitchFamily="34" charset="0"/>
-              <a:buChar char="•"/>
-            </a:pPr>
-            <a:r>
-              <a:rPr lang="en-AU" sz="2000" dirty="0" smtClean="0">
-                <a:solidFill>
-                  <a:schemeClr val="tx1"/>
-                </a:solidFill>
-              </a:rPr>
-              <a:t> </a:t>
-            </a:r>
-            <a:r>
-              <a:rPr lang="en-AU" sz="2000" dirty="0" smtClean="0">
-                <a:solidFill>
-                  <a:schemeClr val="tx1"/>
-                </a:solidFill>
-              </a:rPr>
-              <a:t>Nah. </a:t>
+            <a:r>
+              <a:rPr lang="en-AU" sz="2000" dirty="0">
+                <a:solidFill>
+                  <a:schemeClr val="tx1"/>
+                </a:solidFill>
+              </a:rPr>
+              <a:t>This section is very important because with out it </a:t>
+            </a:r>
+            <a:r>
+              <a:rPr lang="en-AU" sz="2000" dirty="0" err="1">
+                <a:solidFill>
+                  <a:schemeClr val="tx1"/>
+                </a:solidFill>
+              </a:rPr>
+              <a:t>david</a:t>
+            </a:r>
+            <a:r>
+              <a:rPr lang="en-AU" sz="2000" dirty="0">
+                <a:solidFill>
+                  <a:schemeClr val="tx1"/>
+                </a:solidFill>
+              </a:rPr>
+              <a:t> won’t be able to attract prospective clients into renting available properties.</a:t>
+            </a:r>
+          </a:p>
+        </p:txBody>
+      </p:sp>
+    </p:spTree>
+    <p:extLst>
+      <p:ext uri="{BB962C8B-B14F-4D97-AF65-F5344CB8AC3E}">
+        <p14:creationId xmlns:p14="http://schemas.microsoft.com/office/powerpoint/2010/main" val="95295928"/>
+      </p:ext>
+    </p:extLst>
+  </p:cSld>
+  <p:clrMapOvr>
+    <a:masterClrMapping/>
+  </p:clrMapOvr>
+</p:sld>
+</file>
+
+<file path=ppt/slides/slide3.xml><?xml version="1.0" encoding="utf-8"?>
+<p:sld xmlns:a="http://schemas.openxmlformats.org/drawingml/2006/main" xmlns:r="http://schemas.openxmlformats.org/officeDocument/2006/relationships" xmlns:p="http://schemas.openxmlformats.org/presentationml/2006/main">
+  <p:cSld>
+    <p:spTree>
+      <p:nvGrpSpPr>
+        <p:cNvPr id="1" name=""/>
+        <p:cNvGrpSpPr/>
+        <p:nvPr/>
+      </p:nvGrpSpPr>
+      <p:grpSpPr>
+        <a:xfrm>
+          <a:off x="0" y="0"/>
+          <a:ext cx="0" cy="0"/>
+          <a:chOff x="0" y="0"/>
+          <a:chExt cx="0" cy="0"/>
+        </a:xfrm>
+      </p:grpSpPr>
+      <p:sp>
+        <p:nvSpPr>
+          <p:cNvPr id="4" name="Rectangle 3"/>
+          <p:cNvSpPr/>
+          <p:nvPr/>
+        </p:nvSpPr>
+        <p:spPr>
+          <a:xfrm>
+            <a:off x="39153" y="109410"/>
+            <a:ext cx="720000" cy="540000"/>
+          </a:xfrm>
+          <a:prstGeom prst="rect">
+            <a:avLst/>
+          </a:prstGeom>
+          <a:solidFill>
+            <a:schemeClr val="accent1">
+              <a:lumMod val="40000"/>
+              <a:lumOff val="60000"/>
+            </a:schemeClr>
+          </a:solidFill>
+          <a:ln>
+            <a:solidFill>
+              <a:schemeClr val="accent1">
+                <a:lumMod val="50000"/>
+              </a:schemeClr>
+            </a:solidFill>
+          </a:ln>
+        </p:spPr>
+        <p:style>
+          <a:lnRef idx="2">
+            <a:schemeClr val="accent1">
+              <a:shade val="50000"/>
+            </a:schemeClr>
+          </a:lnRef>
+          <a:fillRef idx="1">
+            <a:schemeClr val="accent1"/>
+          </a:fillRef>
+          <a:effectRef idx="0">
+            <a:schemeClr val="accent1"/>
+          </a:effectRef>
+          <a:fontRef idx="minor">
+            <a:schemeClr val="lt1"/>
+          </a:fontRef>
+        </p:style>
+        <p:txBody>
+          <a:bodyPr wrap="square" lIns="0" rIns="0" rtlCol="0" anchor="ctr"/>
+          <a:lstStyle/>
+          <a:p>
+            <a:pPr algn="ctr"/>
+            <a:r>
+              <a:rPr lang="en-US" sz="2000" dirty="0">
+                <a:solidFill>
+                  <a:schemeClr val="tx1"/>
+                </a:solidFill>
+              </a:rPr>
+              <a:t>2</a:t>
             </a:r>
             <a:endParaRPr lang="en-AU" sz="2000" dirty="0">
               <a:solidFill>
@@ -3786,7 +3787,2529 @@
           </a:p>
         </p:txBody>
       </p:sp>
+      <p:sp>
+        <p:nvSpPr>
+          <p:cNvPr id="6" name="Rectangle 5"/>
+          <p:cNvSpPr/>
+          <p:nvPr/>
+        </p:nvSpPr>
+        <p:spPr>
+          <a:xfrm>
+            <a:off x="831153" y="109410"/>
+            <a:ext cx="7380000" cy="540000"/>
+          </a:xfrm>
+          <a:prstGeom prst="rect">
+            <a:avLst/>
+          </a:prstGeom>
+          <a:ln>
+            <a:solidFill>
+              <a:schemeClr val="accent1">
+                <a:lumMod val="50000"/>
+              </a:schemeClr>
+            </a:solidFill>
+          </a:ln>
+        </p:spPr>
+        <p:style>
+          <a:lnRef idx="2">
+            <a:schemeClr val="accent1">
+              <a:shade val="50000"/>
+            </a:schemeClr>
+          </a:lnRef>
+          <a:fillRef idx="1">
+            <a:schemeClr val="accent1"/>
+          </a:fillRef>
+          <a:effectRef idx="0">
+            <a:schemeClr val="accent1"/>
+          </a:effectRef>
+          <a:fontRef idx="minor">
+            <a:schemeClr val="lt1"/>
+          </a:fontRef>
+        </p:style>
+        <p:txBody>
+          <a:bodyPr rtlCol="0" anchor="ctr"/>
+          <a:lstStyle/>
+          <a:p>
+            <a:pPr algn="ctr"/>
+            <a:r>
+              <a:rPr lang="en-AU" sz="2800" dirty="0"/>
+              <a:t>Story Title</a:t>
+            </a:r>
+          </a:p>
+        </p:txBody>
+      </p:sp>
+      <p:sp>
+        <p:nvSpPr>
+          <p:cNvPr id="7" name="Rectangle 6"/>
+          <p:cNvSpPr/>
+          <p:nvPr/>
+        </p:nvSpPr>
+        <p:spPr>
+          <a:xfrm>
+            <a:off x="39153" y="822470"/>
+            <a:ext cx="9828000" cy="2340000"/>
+          </a:xfrm>
+          <a:prstGeom prst="rect">
+            <a:avLst/>
+          </a:prstGeom>
+          <a:solidFill>
+            <a:schemeClr val="tx2">
+              <a:lumMod val="20000"/>
+              <a:lumOff val="80000"/>
+            </a:schemeClr>
+          </a:solidFill>
+          <a:ln>
+            <a:solidFill>
+              <a:schemeClr val="accent1">
+                <a:lumMod val="50000"/>
+              </a:schemeClr>
+            </a:solidFill>
+          </a:ln>
+        </p:spPr>
+        <p:style>
+          <a:lnRef idx="2">
+            <a:schemeClr val="accent1">
+              <a:shade val="50000"/>
+            </a:schemeClr>
+          </a:lnRef>
+          <a:fillRef idx="1">
+            <a:schemeClr val="accent1"/>
+          </a:fillRef>
+          <a:effectRef idx="0">
+            <a:schemeClr val="accent1"/>
+          </a:effectRef>
+          <a:fontRef idx="minor">
+            <a:schemeClr val="lt1"/>
+          </a:fontRef>
+        </p:style>
+        <p:txBody>
+          <a:bodyPr rtlCol="0" anchor="t" anchorCtr="0"/>
+          <a:lstStyle/>
+          <a:p>
+            <a:r>
+              <a:rPr lang="en-AU" sz="2400" dirty="0">
+                <a:solidFill>
+                  <a:schemeClr val="tx1"/>
+                </a:solidFill>
+              </a:rPr>
+              <a:t>As a </a:t>
+            </a:r>
+            <a:r>
+              <a:rPr lang="en-AU" sz="2400" b="1" dirty="0">
+                <a:solidFill>
+                  <a:schemeClr val="tx1"/>
+                </a:solidFill>
+              </a:rPr>
+              <a:t>David</a:t>
+            </a:r>
+            <a:r>
+              <a:rPr lang="en-AU" sz="2400" dirty="0">
+                <a:solidFill>
+                  <a:schemeClr val="tx1"/>
+                </a:solidFill>
+              </a:rPr>
+              <a:t>, I want </a:t>
+            </a:r>
+            <a:r>
+              <a:rPr lang="en-AU" sz="2400" b="1" dirty="0">
+                <a:solidFill>
+                  <a:schemeClr val="tx1"/>
+                </a:solidFill>
+              </a:rPr>
+              <a:t>to be able to login, create, update and delete the properties, </a:t>
+            </a:r>
+            <a:r>
+              <a:rPr lang="en-AU" sz="2400" dirty="0">
+                <a:solidFill>
+                  <a:schemeClr val="tx1"/>
+                </a:solidFill>
+              </a:rPr>
+              <a:t>so that </a:t>
+            </a:r>
+            <a:r>
+              <a:rPr lang="en-AU" sz="2400" b="1" dirty="0">
+                <a:solidFill>
+                  <a:schemeClr val="tx1"/>
+                </a:solidFill>
+              </a:rPr>
+              <a:t>I can keep all of my information up to date.</a:t>
+            </a:r>
+            <a:endParaRPr lang="en-AU" sz="2400" dirty="0">
+              <a:solidFill>
+                <a:schemeClr val="tx1"/>
+              </a:solidFill>
+            </a:endParaRPr>
+          </a:p>
+        </p:txBody>
+      </p:sp>
+      <p:sp>
+        <p:nvSpPr>
+          <p:cNvPr id="8" name="Rectangle 7"/>
+          <p:cNvSpPr/>
+          <p:nvPr/>
+        </p:nvSpPr>
+        <p:spPr>
+          <a:xfrm>
+            <a:off x="39153" y="3335530"/>
+            <a:ext cx="9828000" cy="1620000"/>
+          </a:xfrm>
+          <a:prstGeom prst="rect">
+            <a:avLst/>
+          </a:prstGeom>
+          <a:solidFill>
+            <a:schemeClr val="accent1">
+              <a:lumMod val="20000"/>
+              <a:lumOff val="80000"/>
+            </a:schemeClr>
+          </a:solidFill>
+          <a:ln>
+            <a:solidFill>
+              <a:schemeClr val="accent1">
+                <a:lumMod val="50000"/>
+              </a:schemeClr>
+            </a:solidFill>
+          </a:ln>
+        </p:spPr>
+        <p:style>
+          <a:lnRef idx="2">
+            <a:schemeClr val="accent1">
+              <a:shade val="50000"/>
+            </a:schemeClr>
+          </a:lnRef>
+          <a:fillRef idx="1">
+            <a:schemeClr val="accent1"/>
+          </a:fillRef>
+          <a:effectRef idx="0">
+            <a:schemeClr val="accent1"/>
+          </a:effectRef>
+          <a:fontRef idx="minor">
+            <a:schemeClr val="lt1"/>
+          </a:fontRef>
+        </p:style>
+        <p:txBody>
+          <a:bodyPr tIns="36000" rtlCol="0" anchor="t" anchorCtr="0"/>
+          <a:lstStyle/>
+          <a:p>
+            <a:r>
+              <a:rPr lang="en-AU" sz="2000" dirty="0">
+                <a:solidFill>
+                  <a:schemeClr val="tx1"/>
+                </a:solidFill>
+              </a:rPr>
+              <a:t>Acceptance Criteria</a:t>
+            </a:r>
+          </a:p>
+          <a:p>
+            <a:pPr marL="179388" indent="-179388">
+              <a:buFont typeface="Arial" pitchFamily="34" charset="0"/>
+              <a:buChar char="•"/>
+            </a:pPr>
+            <a:r>
+              <a:rPr lang="en-AU" sz="2000" dirty="0">
+                <a:solidFill>
+                  <a:schemeClr val="tx1"/>
+                </a:solidFill>
+              </a:rPr>
+              <a:t> Can David press login?</a:t>
+            </a:r>
+          </a:p>
+          <a:p>
+            <a:pPr marL="179388" indent="-179388">
+              <a:buFont typeface="Arial" pitchFamily="34" charset="0"/>
+              <a:buChar char="•"/>
+            </a:pPr>
+            <a:r>
+              <a:rPr lang="en-US" sz="2000" dirty="0">
+                <a:solidFill>
+                  <a:schemeClr val="tx1"/>
+                </a:solidFill>
+              </a:rPr>
+              <a:t>Can David easily access these controls (Create, Update, Delete)?</a:t>
+            </a:r>
+          </a:p>
+          <a:p>
+            <a:pPr marL="179388" indent="-179388">
+              <a:buFont typeface="Arial" pitchFamily="34" charset="0"/>
+              <a:buChar char="•"/>
+            </a:pPr>
+            <a:r>
+              <a:rPr lang="en-US" sz="2000" dirty="0">
+                <a:solidFill>
+                  <a:schemeClr val="tx1"/>
+                </a:solidFill>
+              </a:rPr>
+              <a:t>Is the User Interface friendly enough for David?</a:t>
+            </a:r>
+            <a:endParaRPr lang="en-AU" sz="2000" dirty="0">
+              <a:solidFill>
+                <a:schemeClr val="tx1"/>
+              </a:solidFill>
+            </a:endParaRPr>
+          </a:p>
+        </p:txBody>
+      </p:sp>
+      <p:sp>
+        <p:nvSpPr>
+          <p:cNvPr id="11" name="Rectangle 10"/>
+          <p:cNvSpPr/>
+          <p:nvPr/>
+        </p:nvSpPr>
+        <p:spPr>
+          <a:xfrm>
+            <a:off x="9147153" y="109410"/>
+            <a:ext cx="720000" cy="540000"/>
+          </a:xfrm>
+          <a:prstGeom prst="rect">
+            <a:avLst/>
+          </a:prstGeom>
+          <a:solidFill>
+            <a:srgbClr val="CCF0CD">
+              <a:alpha val="20000"/>
+            </a:srgbClr>
+          </a:solidFill>
+          <a:ln>
+            <a:solidFill>
+              <a:schemeClr val="accent1">
+                <a:lumMod val="50000"/>
+              </a:schemeClr>
+            </a:solidFill>
+          </a:ln>
+        </p:spPr>
+        <p:style>
+          <a:lnRef idx="2">
+            <a:schemeClr val="accent1">
+              <a:shade val="50000"/>
+            </a:schemeClr>
+          </a:lnRef>
+          <a:fillRef idx="1">
+            <a:schemeClr val="accent1"/>
+          </a:fillRef>
+          <a:effectRef idx="0">
+            <a:schemeClr val="accent1"/>
+          </a:effectRef>
+          <a:fontRef idx="minor">
+            <a:schemeClr val="lt1"/>
+          </a:fontRef>
+        </p:style>
+        <p:txBody>
+          <a:bodyPr wrap="square" lIns="0" rIns="0" rtlCol="0" anchor="ctr"/>
+          <a:lstStyle/>
+          <a:p>
+            <a:pPr algn="ctr"/>
+            <a:r>
+              <a:rPr lang="en-AU" sz="2000" dirty="0">
+                <a:solidFill>
+                  <a:schemeClr val="tx1"/>
+                </a:solidFill>
+              </a:rPr>
+              <a:t>Story Points</a:t>
+            </a:r>
+          </a:p>
+        </p:txBody>
+      </p:sp>
+      <p:sp>
+        <p:nvSpPr>
+          <p:cNvPr id="12" name="Rectangle 11"/>
+          <p:cNvSpPr/>
+          <p:nvPr/>
+        </p:nvSpPr>
+        <p:spPr>
+          <a:xfrm>
+            <a:off x="8283153" y="109410"/>
+            <a:ext cx="792000" cy="540000"/>
+          </a:xfrm>
+          <a:prstGeom prst="rect">
+            <a:avLst/>
+          </a:prstGeom>
+          <a:solidFill>
+            <a:schemeClr val="accent4">
+              <a:lumMod val="20000"/>
+              <a:lumOff val="80000"/>
+            </a:schemeClr>
+          </a:solidFill>
+          <a:ln>
+            <a:solidFill>
+              <a:schemeClr val="accent1">
+                <a:lumMod val="50000"/>
+              </a:schemeClr>
+            </a:solidFill>
+          </a:ln>
+        </p:spPr>
+        <p:style>
+          <a:lnRef idx="2">
+            <a:schemeClr val="accent1">
+              <a:shade val="50000"/>
+            </a:schemeClr>
+          </a:lnRef>
+          <a:fillRef idx="1">
+            <a:schemeClr val="accent1"/>
+          </a:fillRef>
+          <a:effectRef idx="0">
+            <a:schemeClr val="accent1"/>
+          </a:effectRef>
+          <a:fontRef idx="minor">
+            <a:schemeClr val="lt1"/>
+          </a:fontRef>
+        </p:style>
+        <p:txBody>
+          <a:bodyPr wrap="none" lIns="0" rIns="0" rtlCol="0" anchor="ctr"/>
+          <a:lstStyle/>
+          <a:p>
+            <a:pPr algn="ctr"/>
+            <a:r>
+              <a:rPr lang="en-AU" sz="2000" dirty="0">
+                <a:solidFill>
+                  <a:schemeClr val="tx1"/>
+                </a:solidFill>
+              </a:rPr>
+              <a:t>HIGH</a:t>
+            </a:r>
+          </a:p>
+        </p:txBody>
+      </p:sp>
+      <p:sp>
+        <p:nvSpPr>
+          <p:cNvPr id="13" name="Rectangle 12"/>
+          <p:cNvSpPr/>
+          <p:nvPr/>
+        </p:nvSpPr>
+        <p:spPr>
+          <a:xfrm>
+            <a:off x="39153" y="5128590"/>
+            <a:ext cx="9828000" cy="1620000"/>
+          </a:xfrm>
+          <a:prstGeom prst="rect">
+            <a:avLst/>
+          </a:prstGeom>
+          <a:solidFill>
+            <a:schemeClr val="bg1"/>
+          </a:solidFill>
+          <a:ln>
+            <a:solidFill>
+              <a:schemeClr val="accent1">
+                <a:lumMod val="50000"/>
+              </a:schemeClr>
+            </a:solidFill>
+          </a:ln>
+        </p:spPr>
+        <p:style>
+          <a:lnRef idx="2">
+            <a:schemeClr val="accent1">
+              <a:shade val="50000"/>
+            </a:schemeClr>
+          </a:lnRef>
+          <a:fillRef idx="1">
+            <a:schemeClr val="accent1"/>
+          </a:fillRef>
+          <a:effectRef idx="0">
+            <a:schemeClr val="accent1"/>
+          </a:effectRef>
+          <a:fontRef idx="minor">
+            <a:schemeClr val="lt1"/>
+          </a:fontRef>
+        </p:style>
+        <p:txBody>
+          <a:bodyPr tIns="36000" rtlCol="0" anchor="t" anchorCtr="0"/>
+          <a:lstStyle/>
+          <a:p>
+            <a:r>
+              <a:rPr lang="en-AU" sz="2000" dirty="0">
+                <a:solidFill>
+                  <a:schemeClr val="tx1"/>
+                </a:solidFill>
+              </a:rPr>
+              <a:t>Notes</a:t>
+            </a:r>
+          </a:p>
+          <a:p>
+            <a:pPr marL="179388" indent="-179388">
+              <a:buFont typeface="Arial" pitchFamily="34" charset="0"/>
+              <a:buChar char="•"/>
+            </a:pPr>
+            <a:r>
+              <a:rPr lang="en-AU" sz="2000" dirty="0">
+                <a:solidFill>
+                  <a:schemeClr val="tx1"/>
+                </a:solidFill>
+              </a:rPr>
+              <a:t> Nah. </a:t>
+            </a:r>
+          </a:p>
+        </p:txBody>
+      </p:sp>
     </p:spTree>
+  </p:cSld>
+  <p:clrMapOvr>
+    <a:masterClrMapping/>
+  </p:clrMapOvr>
+</p:sld>
+</file>
+
+<file path=ppt/slides/slide4.xml><?xml version="1.0" encoding="utf-8"?>
+<p:sld xmlns:a="http://schemas.openxmlformats.org/drawingml/2006/main" xmlns:r="http://schemas.openxmlformats.org/officeDocument/2006/relationships" xmlns:p="http://schemas.openxmlformats.org/presentationml/2006/main">
+  <p:cSld>
+    <p:spTree>
+      <p:nvGrpSpPr>
+        <p:cNvPr id="1" name=""/>
+        <p:cNvGrpSpPr/>
+        <p:nvPr/>
+      </p:nvGrpSpPr>
+      <p:grpSpPr>
+        <a:xfrm>
+          <a:off x="0" y="0"/>
+          <a:ext cx="0" cy="0"/>
+          <a:chOff x="0" y="0"/>
+          <a:chExt cx="0" cy="0"/>
+        </a:xfrm>
+      </p:grpSpPr>
+      <p:sp>
+        <p:nvSpPr>
+          <p:cNvPr id="4" name="Rectangle 3"/>
+          <p:cNvSpPr/>
+          <p:nvPr/>
+        </p:nvSpPr>
+        <p:spPr>
+          <a:xfrm>
+            <a:off x="39153" y="109410"/>
+            <a:ext cx="720000" cy="540000"/>
+          </a:xfrm>
+          <a:prstGeom prst="rect">
+            <a:avLst/>
+          </a:prstGeom>
+          <a:solidFill>
+            <a:schemeClr val="accent1">
+              <a:lumMod val="40000"/>
+              <a:lumOff val="60000"/>
+            </a:schemeClr>
+          </a:solidFill>
+          <a:ln>
+            <a:solidFill>
+              <a:schemeClr val="accent1">
+                <a:lumMod val="50000"/>
+              </a:schemeClr>
+            </a:solidFill>
+          </a:ln>
+        </p:spPr>
+        <p:style>
+          <a:lnRef idx="2">
+            <a:schemeClr val="accent1">
+              <a:shade val="50000"/>
+            </a:schemeClr>
+          </a:lnRef>
+          <a:fillRef idx="1">
+            <a:schemeClr val="accent1"/>
+          </a:fillRef>
+          <a:effectRef idx="0">
+            <a:schemeClr val="accent1"/>
+          </a:effectRef>
+          <a:fontRef idx="minor">
+            <a:schemeClr val="lt1"/>
+          </a:fontRef>
+        </p:style>
+        <p:txBody>
+          <a:bodyPr wrap="square" lIns="0" rIns="0" rtlCol="0" anchor="ctr"/>
+          <a:lstStyle/>
+          <a:p>
+            <a:pPr algn="ctr"/>
+            <a:r>
+              <a:rPr lang="en-US" sz="2000" dirty="0">
+                <a:solidFill>
+                  <a:schemeClr val="tx1"/>
+                </a:solidFill>
+              </a:rPr>
+              <a:t>3</a:t>
+            </a:r>
+            <a:endParaRPr lang="en-AU" sz="2000" dirty="0">
+              <a:solidFill>
+                <a:schemeClr val="tx1"/>
+              </a:solidFill>
+            </a:endParaRPr>
+          </a:p>
+        </p:txBody>
+      </p:sp>
+      <p:sp>
+        <p:nvSpPr>
+          <p:cNvPr id="6" name="Rectangle 5"/>
+          <p:cNvSpPr/>
+          <p:nvPr/>
+        </p:nvSpPr>
+        <p:spPr>
+          <a:xfrm>
+            <a:off x="831153" y="109410"/>
+            <a:ext cx="7380000" cy="540000"/>
+          </a:xfrm>
+          <a:prstGeom prst="rect">
+            <a:avLst/>
+          </a:prstGeom>
+          <a:ln>
+            <a:solidFill>
+              <a:schemeClr val="accent1">
+                <a:lumMod val="50000"/>
+              </a:schemeClr>
+            </a:solidFill>
+          </a:ln>
+        </p:spPr>
+        <p:style>
+          <a:lnRef idx="2">
+            <a:schemeClr val="accent1">
+              <a:shade val="50000"/>
+            </a:schemeClr>
+          </a:lnRef>
+          <a:fillRef idx="1">
+            <a:schemeClr val="accent1"/>
+          </a:fillRef>
+          <a:effectRef idx="0">
+            <a:schemeClr val="accent1"/>
+          </a:effectRef>
+          <a:fontRef idx="minor">
+            <a:schemeClr val="lt1"/>
+          </a:fontRef>
+        </p:style>
+        <p:txBody>
+          <a:bodyPr rtlCol="0" anchor="ctr"/>
+          <a:lstStyle/>
+          <a:p>
+            <a:pPr algn="ctr"/>
+            <a:r>
+              <a:rPr lang="en-AU" sz="2800" dirty="0"/>
+              <a:t>Story Title</a:t>
+            </a:r>
+          </a:p>
+        </p:txBody>
+      </p:sp>
+      <p:sp>
+        <p:nvSpPr>
+          <p:cNvPr id="7" name="Rectangle 6"/>
+          <p:cNvSpPr/>
+          <p:nvPr/>
+        </p:nvSpPr>
+        <p:spPr>
+          <a:xfrm>
+            <a:off x="39153" y="822470"/>
+            <a:ext cx="9828000" cy="2340000"/>
+          </a:xfrm>
+          <a:prstGeom prst="rect">
+            <a:avLst/>
+          </a:prstGeom>
+          <a:solidFill>
+            <a:schemeClr val="tx2">
+              <a:lumMod val="20000"/>
+              <a:lumOff val="80000"/>
+            </a:schemeClr>
+          </a:solidFill>
+          <a:ln>
+            <a:solidFill>
+              <a:schemeClr val="accent1">
+                <a:lumMod val="50000"/>
+              </a:schemeClr>
+            </a:solidFill>
+          </a:ln>
+        </p:spPr>
+        <p:style>
+          <a:lnRef idx="2">
+            <a:schemeClr val="accent1">
+              <a:shade val="50000"/>
+            </a:schemeClr>
+          </a:lnRef>
+          <a:fillRef idx="1">
+            <a:schemeClr val="accent1"/>
+          </a:fillRef>
+          <a:effectRef idx="0">
+            <a:schemeClr val="accent1"/>
+          </a:effectRef>
+          <a:fontRef idx="minor">
+            <a:schemeClr val="lt1"/>
+          </a:fontRef>
+        </p:style>
+        <p:txBody>
+          <a:bodyPr rtlCol="0" anchor="t" anchorCtr="0"/>
+          <a:lstStyle/>
+          <a:p>
+            <a:r>
+              <a:rPr lang="en-AU" sz="2400" dirty="0">
+                <a:solidFill>
+                  <a:schemeClr val="tx1"/>
+                </a:solidFill>
+              </a:rPr>
+              <a:t>As a staff member , I want to be able to login to the website , so that I can view what properties I have been assigned to. </a:t>
+            </a:r>
+          </a:p>
+        </p:txBody>
+      </p:sp>
+      <p:sp>
+        <p:nvSpPr>
+          <p:cNvPr id="8" name="Rectangle 7"/>
+          <p:cNvSpPr/>
+          <p:nvPr/>
+        </p:nvSpPr>
+        <p:spPr>
+          <a:xfrm>
+            <a:off x="39153" y="3335530"/>
+            <a:ext cx="9828000" cy="1620000"/>
+          </a:xfrm>
+          <a:prstGeom prst="rect">
+            <a:avLst/>
+          </a:prstGeom>
+          <a:solidFill>
+            <a:schemeClr val="accent1">
+              <a:lumMod val="20000"/>
+              <a:lumOff val="80000"/>
+            </a:schemeClr>
+          </a:solidFill>
+          <a:ln>
+            <a:solidFill>
+              <a:schemeClr val="accent1">
+                <a:lumMod val="50000"/>
+              </a:schemeClr>
+            </a:solidFill>
+          </a:ln>
+        </p:spPr>
+        <p:style>
+          <a:lnRef idx="2">
+            <a:schemeClr val="accent1">
+              <a:shade val="50000"/>
+            </a:schemeClr>
+          </a:lnRef>
+          <a:fillRef idx="1">
+            <a:schemeClr val="accent1"/>
+          </a:fillRef>
+          <a:effectRef idx="0">
+            <a:schemeClr val="accent1"/>
+          </a:effectRef>
+          <a:fontRef idx="minor">
+            <a:schemeClr val="lt1"/>
+          </a:fontRef>
+        </p:style>
+        <p:txBody>
+          <a:bodyPr tIns="36000" rtlCol="0" anchor="t" anchorCtr="0"/>
+          <a:lstStyle/>
+          <a:p>
+            <a:r>
+              <a:rPr lang="en-AU" sz="2000" dirty="0">
+                <a:solidFill>
+                  <a:schemeClr val="tx1"/>
+                </a:solidFill>
+              </a:rPr>
+              <a:t>Acceptance Criteria</a:t>
+            </a:r>
+          </a:p>
+          <a:p>
+            <a:pPr marL="179388" indent="-179388">
+              <a:buFont typeface="Arial" pitchFamily="34" charset="0"/>
+              <a:buChar char="•"/>
+            </a:pPr>
+            <a:r>
+              <a:rPr lang="en-AU" sz="2000" dirty="0">
+                <a:solidFill>
+                  <a:schemeClr val="tx1"/>
+                </a:solidFill>
+              </a:rPr>
+              <a:t> Can the staff member login easily?</a:t>
+            </a:r>
+          </a:p>
+          <a:p>
+            <a:pPr marL="179388" indent="-179388">
+              <a:buFont typeface="Arial" pitchFamily="34" charset="0"/>
+              <a:buChar char="•"/>
+            </a:pPr>
+            <a:r>
+              <a:rPr lang="en-US" sz="2000" dirty="0">
+                <a:solidFill>
+                  <a:schemeClr val="tx1"/>
+                </a:solidFill>
+              </a:rPr>
+              <a:t>Can the staff member easily see what properties he/she has been assigned to?</a:t>
+            </a:r>
+          </a:p>
+          <a:p>
+            <a:pPr marL="179388" indent="-179388">
+              <a:buFont typeface="Arial" pitchFamily="34" charset="0"/>
+              <a:buChar char="•"/>
+            </a:pPr>
+            <a:r>
+              <a:rPr lang="en-US" sz="2000" dirty="0">
+                <a:solidFill>
+                  <a:schemeClr val="tx1"/>
+                </a:solidFill>
+              </a:rPr>
+              <a:t>Is the User Interface friendly enough for staff member?</a:t>
+            </a:r>
+            <a:endParaRPr lang="en-AU" sz="2000" dirty="0">
+              <a:solidFill>
+                <a:schemeClr val="tx1"/>
+              </a:solidFill>
+            </a:endParaRPr>
+          </a:p>
+        </p:txBody>
+      </p:sp>
+      <p:sp>
+        <p:nvSpPr>
+          <p:cNvPr id="11" name="Rectangle 10"/>
+          <p:cNvSpPr/>
+          <p:nvPr/>
+        </p:nvSpPr>
+        <p:spPr>
+          <a:xfrm>
+            <a:off x="9147153" y="109410"/>
+            <a:ext cx="720000" cy="540000"/>
+          </a:xfrm>
+          <a:prstGeom prst="rect">
+            <a:avLst/>
+          </a:prstGeom>
+          <a:solidFill>
+            <a:srgbClr val="CCF0CD">
+              <a:alpha val="20000"/>
+            </a:srgbClr>
+          </a:solidFill>
+          <a:ln>
+            <a:solidFill>
+              <a:schemeClr val="accent1">
+                <a:lumMod val="50000"/>
+              </a:schemeClr>
+            </a:solidFill>
+          </a:ln>
+        </p:spPr>
+        <p:style>
+          <a:lnRef idx="2">
+            <a:schemeClr val="accent1">
+              <a:shade val="50000"/>
+            </a:schemeClr>
+          </a:lnRef>
+          <a:fillRef idx="1">
+            <a:schemeClr val="accent1"/>
+          </a:fillRef>
+          <a:effectRef idx="0">
+            <a:schemeClr val="accent1"/>
+          </a:effectRef>
+          <a:fontRef idx="minor">
+            <a:schemeClr val="lt1"/>
+          </a:fontRef>
+        </p:style>
+        <p:txBody>
+          <a:bodyPr wrap="square" lIns="0" rIns="0" rtlCol="0" anchor="ctr"/>
+          <a:lstStyle/>
+          <a:p>
+            <a:pPr algn="ctr"/>
+            <a:r>
+              <a:rPr lang="en-AU" sz="2000" dirty="0">
+                <a:solidFill>
+                  <a:schemeClr val="tx1"/>
+                </a:solidFill>
+              </a:rPr>
+              <a:t>Story Points</a:t>
+            </a:r>
+          </a:p>
+        </p:txBody>
+      </p:sp>
+      <p:sp>
+        <p:nvSpPr>
+          <p:cNvPr id="12" name="Rectangle 11"/>
+          <p:cNvSpPr/>
+          <p:nvPr/>
+        </p:nvSpPr>
+        <p:spPr>
+          <a:xfrm>
+            <a:off x="8283153" y="109410"/>
+            <a:ext cx="792000" cy="540000"/>
+          </a:xfrm>
+          <a:prstGeom prst="rect">
+            <a:avLst/>
+          </a:prstGeom>
+          <a:solidFill>
+            <a:schemeClr val="accent4">
+              <a:lumMod val="20000"/>
+              <a:lumOff val="80000"/>
+            </a:schemeClr>
+          </a:solidFill>
+          <a:ln>
+            <a:solidFill>
+              <a:schemeClr val="accent1">
+                <a:lumMod val="50000"/>
+              </a:schemeClr>
+            </a:solidFill>
+          </a:ln>
+        </p:spPr>
+        <p:style>
+          <a:lnRef idx="2">
+            <a:schemeClr val="accent1">
+              <a:shade val="50000"/>
+            </a:schemeClr>
+          </a:lnRef>
+          <a:fillRef idx="1">
+            <a:schemeClr val="accent1"/>
+          </a:fillRef>
+          <a:effectRef idx="0">
+            <a:schemeClr val="accent1"/>
+          </a:effectRef>
+          <a:fontRef idx="minor">
+            <a:schemeClr val="lt1"/>
+          </a:fontRef>
+        </p:style>
+        <p:txBody>
+          <a:bodyPr wrap="none" lIns="0" rIns="0" rtlCol="0" anchor="ctr"/>
+          <a:lstStyle/>
+          <a:p>
+            <a:pPr algn="ctr"/>
+            <a:r>
+              <a:rPr lang="en-AU" sz="2000" dirty="0">
+                <a:solidFill>
+                  <a:schemeClr val="tx1"/>
+                </a:solidFill>
+              </a:rPr>
+              <a:t>HIGH</a:t>
+            </a:r>
+          </a:p>
+        </p:txBody>
+      </p:sp>
+      <p:sp>
+        <p:nvSpPr>
+          <p:cNvPr id="13" name="Rectangle 12"/>
+          <p:cNvSpPr/>
+          <p:nvPr/>
+        </p:nvSpPr>
+        <p:spPr>
+          <a:xfrm>
+            <a:off x="39153" y="5128590"/>
+            <a:ext cx="9828000" cy="1620000"/>
+          </a:xfrm>
+          <a:prstGeom prst="rect">
+            <a:avLst/>
+          </a:prstGeom>
+          <a:solidFill>
+            <a:schemeClr val="bg1"/>
+          </a:solidFill>
+          <a:ln>
+            <a:solidFill>
+              <a:schemeClr val="accent1">
+                <a:lumMod val="50000"/>
+              </a:schemeClr>
+            </a:solidFill>
+          </a:ln>
+        </p:spPr>
+        <p:style>
+          <a:lnRef idx="2">
+            <a:schemeClr val="accent1">
+              <a:shade val="50000"/>
+            </a:schemeClr>
+          </a:lnRef>
+          <a:fillRef idx="1">
+            <a:schemeClr val="accent1"/>
+          </a:fillRef>
+          <a:effectRef idx="0">
+            <a:schemeClr val="accent1"/>
+          </a:effectRef>
+          <a:fontRef idx="minor">
+            <a:schemeClr val="lt1"/>
+          </a:fontRef>
+        </p:style>
+        <p:txBody>
+          <a:bodyPr tIns="36000" rtlCol="0" anchor="t" anchorCtr="0"/>
+          <a:lstStyle/>
+          <a:p>
+            <a:r>
+              <a:rPr lang="en-AU" sz="2000" dirty="0">
+                <a:solidFill>
+                  <a:schemeClr val="tx1"/>
+                </a:solidFill>
+              </a:rPr>
+              <a:t>Notes</a:t>
+            </a:r>
+          </a:p>
+          <a:p>
+            <a:pPr marL="179388" indent="-179388">
+              <a:buFont typeface="Arial" pitchFamily="34" charset="0"/>
+              <a:buChar char="•"/>
+            </a:pPr>
+            <a:r>
+              <a:rPr lang="en-AU" sz="2000" dirty="0">
+                <a:solidFill>
+                  <a:schemeClr val="tx1"/>
+                </a:solidFill>
+              </a:rPr>
+              <a:t> this allows the staff member to keep up to date with the properties he/she is dealing with and is easily contactable by prospective tenants.</a:t>
+            </a:r>
+          </a:p>
+        </p:txBody>
+      </p:sp>
+    </p:spTree>
+    <p:extLst>
+      <p:ext uri="{BB962C8B-B14F-4D97-AF65-F5344CB8AC3E}">
+        <p14:creationId xmlns:p14="http://schemas.microsoft.com/office/powerpoint/2010/main" val="825567846"/>
+      </p:ext>
+    </p:extLst>
+  </p:cSld>
+  <p:clrMapOvr>
+    <a:masterClrMapping/>
+  </p:clrMapOvr>
+</p:sld>
+</file>
+
+<file path=ppt/slides/slide5.xml><?xml version="1.0" encoding="utf-8"?>
+<p:sld xmlns:a="http://schemas.openxmlformats.org/drawingml/2006/main" xmlns:r="http://schemas.openxmlformats.org/officeDocument/2006/relationships" xmlns:p="http://schemas.openxmlformats.org/presentationml/2006/main">
+  <p:cSld>
+    <p:spTree>
+      <p:nvGrpSpPr>
+        <p:cNvPr id="1" name=""/>
+        <p:cNvGrpSpPr/>
+        <p:nvPr/>
+      </p:nvGrpSpPr>
+      <p:grpSpPr>
+        <a:xfrm>
+          <a:off x="0" y="0"/>
+          <a:ext cx="0" cy="0"/>
+          <a:chOff x="0" y="0"/>
+          <a:chExt cx="0" cy="0"/>
+        </a:xfrm>
+      </p:grpSpPr>
+      <p:sp>
+        <p:nvSpPr>
+          <p:cNvPr id="4" name="Rectangle 3"/>
+          <p:cNvSpPr/>
+          <p:nvPr/>
+        </p:nvSpPr>
+        <p:spPr>
+          <a:xfrm>
+            <a:off x="39153" y="109410"/>
+            <a:ext cx="720000" cy="540000"/>
+          </a:xfrm>
+          <a:prstGeom prst="rect">
+            <a:avLst/>
+          </a:prstGeom>
+          <a:solidFill>
+            <a:schemeClr val="accent1">
+              <a:lumMod val="40000"/>
+              <a:lumOff val="60000"/>
+            </a:schemeClr>
+          </a:solidFill>
+          <a:ln>
+            <a:solidFill>
+              <a:schemeClr val="accent1">
+                <a:lumMod val="50000"/>
+              </a:schemeClr>
+            </a:solidFill>
+          </a:ln>
+        </p:spPr>
+        <p:style>
+          <a:lnRef idx="2">
+            <a:schemeClr val="accent1">
+              <a:shade val="50000"/>
+            </a:schemeClr>
+          </a:lnRef>
+          <a:fillRef idx="1">
+            <a:schemeClr val="accent1"/>
+          </a:fillRef>
+          <a:effectRef idx="0">
+            <a:schemeClr val="accent1"/>
+          </a:effectRef>
+          <a:fontRef idx="minor">
+            <a:schemeClr val="lt1"/>
+          </a:fontRef>
+        </p:style>
+        <p:txBody>
+          <a:bodyPr wrap="square" lIns="0" rIns="0" rtlCol="0" anchor="ctr"/>
+          <a:lstStyle/>
+          <a:p>
+            <a:pPr algn="ctr"/>
+            <a:r>
+              <a:rPr lang="en-US" sz="2000" dirty="0">
+                <a:solidFill>
+                  <a:schemeClr val="tx1"/>
+                </a:solidFill>
+              </a:rPr>
+              <a:t>3b</a:t>
+            </a:r>
+            <a:endParaRPr lang="en-AU" sz="2000" dirty="0">
+              <a:solidFill>
+                <a:schemeClr val="tx1"/>
+              </a:solidFill>
+            </a:endParaRPr>
+          </a:p>
+        </p:txBody>
+      </p:sp>
+      <p:sp>
+        <p:nvSpPr>
+          <p:cNvPr id="6" name="Rectangle 5"/>
+          <p:cNvSpPr/>
+          <p:nvPr/>
+        </p:nvSpPr>
+        <p:spPr>
+          <a:xfrm>
+            <a:off x="831153" y="109410"/>
+            <a:ext cx="7380000" cy="540000"/>
+          </a:xfrm>
+          <a:prstGeom prst="rect">
+            <a:avLst/>
+          </a:prstGeom>
+          <a:ln>
+            <a:solidFill>
+              <a:schemeClr val="accent1">
+                <a:lumMod val="50000"/>
+              </a:schemeClr>
+            </a:solidFill>
+          </a:ln>
+        </p:spPr>
+        <p:style>
+          <a:lnRef idx="2">
+            <a:schemeClr val="accent1">
+              <a:shade val="50000"/>
+            </a:schemeClr>
+          </a:lnRef>
+          <a:fillRef idx="1">
+            <a:schemeClr val="accent1"/>
+          </a:fillRef>
+          <a:effectRef idx="0">
+            <a:schemeClr val="accent1"/>
+          </a:effectRef>
+          <a:fontRef idx="minor">
+            <a:schemeClr val="lt1"/>
+          </a:fontRef>
+        </p:style>
+        <p:txBody>
+          <a:bodyPr rtlCol="0" anchor="ctr"/>
+          <a:lstStyle/>
+          <a:p>
+            <a:pPr algn="ctr"/>
+            <a:r>
+              <a:rPr lang="en-AU" sz="2800" dirty="0"/>
+              <a:t>Story Title</a:t>
+            </a:r>
+          </a:p>
+        </p:txBody>
+      </p:sp>
+      <p:sp>
+        <p:nvSpPr>
+          <p:cNvPr id="7" name="Rectangle 6"/>
+          <p:cNvSpPr/>
+          <p:nvPr/>
+        </p:nvSpPr>
+        <p:spPr>
+          <a:xfrm>
+            <a:off x="39153" y="822470"/>
+            <a:ext cx="9828000" cy="2340000"/>
+          </a:xfrm>
+          <a:prstGeom prst="rect">
+            <a:avLst/>
+          </a:prstGeom>
+          <a:solidFill>
+            <a:schemeClr val="tx2">
+              <a:lumMod val="20000"/>
+              <a:lumOff val="80000"/>
+            </a:schemeClr>
+          </a:solidFill>
+          <a:ln>
+            <a:solidFill>
+              <a:schemeClr val="accent1">
+                <a:lumMod val="50000"/>
+              </a:schemeClr>
+            </a:solidFill>
+          </a:ln>
+        </p:spPr>
+        <p:style>
+          <a:lnRef idx="2">
+            <a:schemeClr val="accent1">
+              <a:shade val="50000"/>
+            </a:schemeClr>
+          </a:lnRef>
+          <a:fillRef idx="1">
+            <a:schemeClr val="accent1"/>
+          </a:fillRef>
+          <a:effectRef idx="0">
+            <a:schemeClr val="accent1"/>
+          </a:effectRef>
+          <a:fontRef idx="minor">
+            <a:schemeClr val="lt1"/>
+          </a:fontRef>
+        </p:style>
+        <p:txBody>
+          <a:bodyPr rtlCol="0" anchor="t" anchorCtr="0"/>
+          <a:lstStyle/>
+          <a:p>
+            <a:r>
+              <a:rPr lang="en-AU" sz="2400" dirty="0">
+                <a:solidFill>
+                  <a:schemeClr val="tx1"/>
+                </a:solidFill>
+              </a:rPr>
+              <a:t>As a property owner , I want to be able to login to the website , so that I can easily edit the details of my properties.</a:t>
+            </a:r>
+          </a:p>
+        </p:txBody>
+      </p:sp>
+      <p:sp>
+        <p:nvSpPr>
+          <p:cNvPr id="8" name="Rectangle 7"/>
+          <p:cNvSpPr/>
+          <p:nvPr/>
+        </p:nvSpPr>
+        <p:spPr>
+          <a:xfrm>
+            <a:off x="39153" y="3335530"/>
+            <a:ext cx="9828000" cy="1620000"/>
+          </a:xfrm>
+          <a:prstGeom prst="rect">
+            <a:avLst/>
+          </a:prstGeom>
+          <a:solidFill>
+            <a:schemeClr val="accent1">
+              <a:lumMod val="20000"/>
+              <a:lumOff val="80000"/>
+            </a:schemeClr>
+          </a:solidFill>
+          <a:ln>
+            <a:solidFill>
+              <a:schemeClr val="accent1">
+                <a:lumMod val="50000"/>
+              </a:schemeClr>
+            </a:solidFill>
+          </a:ln>
+        </p:spPr>
+        <p:style>
+          <a:lnRef idx="2">
+            <a:schemeClr val="accent1">
+              <a:shade val="50000"/>
+            </a:schemeClr>
+          </a:lnRef>
+          <a:fillRef idx="1">
+            <a:schemeClr val="accent1"/>
+          </a:fillRef>
+          <a:effectRef idx="0">
+            <a:schemeClr val="accent1"/>
+          </a:effectRef>
+          <a:fontRef idx="minor">
+            <a:schemeClr val="lt1"/>
+          </a:fontRef>
+        </p:style>
+        <p:txBody>
+          <a:bodyPr tIns="36000" rtlCol="0" anchor="t" anchorCtr="0"/>
+          <a:lstStyle/>
+          <a:p>
+            <a:r>
+              <a:rPr lang="en-AU" sz="2000" dirty="0">
+                <a:solidFill>
+                  <a:schemeClr val="tx1"/>
+                </a:solidFill>
+              </a:rPr>
+              <a:t>Acceptance Criteria</a:t>
+            </a:r>
+          </a:p>
+          <a:p>
+            <a:pPr marL="179388" indent="-179388">
+              <a:buFont typeface="Arial" pitchFamily="34" charset="0"/>
+              <a:buChar char="•"/>
+            </a:pPr>
+            <a:r>
+              <a:rPr lang="en-AU" sz="2000" dirty="0">
+                <a:solidFill>
+                  <a:schemeClr val="tx1"/>
+                </a:solidFill>
+              </a:rPr>
+              <a:t> Can property owner login easily?</a:t>
+            </a:r>
+          </a:p>
+          <a:p>
+            <a:pPr marL="179388" indent="-179388">
+              <a:buFont typeface="Arial" pitchFamily="34" charset="0"/>
+              <a:buChar char="•"/>
+            </a:pPr>
+            <a:r>
+              <a:rPr lang="en-US" sz="2000" dirty="0">
+                <a:solidFill>
+                  <a:schemeClr val="tx1"/>
+                </a:solidFill>
+              </a:rPr>
+              <a:t>Can property owner easily access these controls for his/hers own properties (Create, Update, Delete)?</a:t>
+            </a:r>
+          </a:p>
+          <a:p>
+            <a:pPr marL="179388" indent="-179388">
+              <a:buFont typeface="Arial" pitchFamily="34" charset="0"/>
+              <a:buChar char="•"/>
+            </a:pPr>
+            <a:r>
+              <a:rPr lang="en-US" sz="2000" dirty="0">
+                <a:solidFill>
+                  <a:schemeClr val="tx1"/>
+                </a:solidFill>
+              </a:rPr>
+              <a:t>Is the User Interface friendly enough for the property owners?</a:t>
+            </a:r>
+            <a:endParaRPr lang="en-AU" sz="2000" dirty="0">
+              <a:solidFill>
+                <a:schemeClr val="tx1"/>
+              </a:solidFill>
+            </a:endParaRPr>
+          </a:p>
+        </p:txBody>
+      </p:sp>
+      <p:sp>
+        <p:nvSpPr>
+          <p:cNvPr id="11" name="Rectangle 10"/>
+          <p:cNvSpPr/>
+          <p:nvPr/>
+        </p:nvSpPr>
+        <p:spPr>
+          <a:xfrm>
+            <a:off x="9147153" y="109410"/>
+            <a:ext cx="720000" cy="540000"/>
+          </a:xfrm>
+          <a:prstGeom prst="rect">
+            <a:avLst/>
+          </a:prstGeom>
+          <a:solidFill>
+            <a:srgbClr val="CCF0CD">
+              <a:alpha val="20000"/>
+            </a:srgbClr>
+          </a:solidFill>
+          <a:ln>
+            <a:solidFill>
+              <a:schemeClr val="accent1">
+                <a:lumMod val="50000"/>
+              </a:schemeClr>
+            </a:solidFill>
+          </a:ln>
+        </p:spPr>
+        <p:style>
+          <a:lnRef idx="2">
+            <a:schemeClr val="accent1">
+              <a:shade val="50000"/>
+            </a:schemeClr>
+          </a:lnRef>
+          <a:fillRef idx="1">
+            <a:schemeClr val="accent1"/>
+          </a:fillRef>
+          <a:effectRef idx="0">
+            <a:schemeClr val="accent1"/>
+          </a:effectRef>
+          <a:fontRef idx="minor">
+            <a:schemeClr val="lt1"/>
+          </a:fontRef>
+        </p:style>
+        <p:txBody>
+          <a:bodyPr wrap="square" lIns="0" rIns="0" rtlCol="0" anchor="ctr"/>
+          <a:lstStyle/>
+          <a:p>
+            <a:pPr algn="ctr"/>
+            <a:r>
+              <a:rPr lang="en-AU" sz="2000" dirty="0">
+                <a:solidFill>
+                  <a:schemeClr val="tx1"/>
+                </a:solidFill>
+              </a:rPr>
+              <a:t>Story Points</a:t>
+            </a:r>
+          </a:p>
+        </p:txBody>
+      </p:sp>
+      <p:sp>
+        <p:nvSpPr>
+          <p:cNvPr id="12" name="Rectangle 11"/>
+          <p:cNvSpPr/>
+          <p:nvPr/>
+        </p:nvSpPr>
+        <p:spPr>
+          <a:xfrm>
+            <a:off x="8283153" y="109410"/>
+            <a:ext cx="792000" cy="540000"/>
+          </a:xfrm>
+          <a:prstGeom prst="rect">
+            <a:avLst/>
+          </a:prstGeom>
+          <a:solidFill>
+            <a:schemeClr val="accent4">
+              <a:lumMod val="20000"/>
+              <a:lumOff val="80000"/>
+            </a:schemeClr>
+          </a:solidFill>
+          <a:ln>
+            <a:solidFill>
+              <a:schemeClr val="accent1">
+                <a:lumMod val="50000"/>
+              </a:schemeClr>
+            </a:solidFill>
+          </a:ln>
+        </p:spPr>
+        <p:style>
+          <a:lnRef idx="2">
+            <a:schemeClr val="accent1">
+              <a:shade val="50000"/>
+            </a:schemeClr>
+          </a:lnRef>
+          <a:fillRef idx="1">
+            <a:schemeClr val="accent1"/>
+          </a:fillRef>
+          <a:effectRef idx="0">
+            <a:schemeClr val="accent1"/>
+          </a:effectRef>
+          <a:fontRef idx="minor">
+            <a:schemeClr val="lt1"/>
+          </a:fontRef>
+        </p:style>
+        <p:txBody>
+          <a:bodyPr wrap="none" lIns="0" rIns="0" rtlCol="0" anchor="ctr"/>
+          <a:lstStyle/>
+          <a:p>
+            <a:pPr algn="ctr"/>
+            <a:r>
+              <a:rPr lang="en-AU" sz="2000" dirty="0">
+                <a:solidFill>
+                  <a:schemeClr val="tx1"/>
+                </a:solidFill>
+              </a:rPr>
+              <a:t>HIGH</a:t>
+            </a:r>
+          </a:p>
+        </p:txBody>
+      </p:sp>
+      <p:sp>
+        <p:nvSpPr>
+          <p:cNvPr id="13" name="Rectangle 12"/>
+          <p:cNvSpPr/>
+          <p:nvPr/>
+        </p:nvSpPr>
+        <p:spPr>
+          <a:xfrm>
+            <a:off x="39153" y="5128590"/>
+            <a:ext cx="9828000" cy="1620000"/>
+          </a:xfrm>
+          <a:prstGeom prst="rect">
+            <a:avLst/>
+          </a:prstGeom>
+          <a:solidFill>
+            <a:schemeClr val="bg1"/>
+          </a:solidFill>
+          <a:ln>
+            <a:solidFill>
+              <a:schemeClr val="accent1">
+                <a:lumMod val="50000"/>
+              </a:schemeClr>
+            </a:solidFill>
+          </a:ln>
+        </p:spPr>
+        <p:style>
+          <a:lnRef idx="2">
+            <a:schemeClr val="accent1">
+              <a:shade val="50000"/>
+            </a:schemeClr>
+          </a:lnRef>
+          <a:fillRef idx="1">
+            <a:schemeClr val="accent1"/>
+          </a:fillRef>
+          <a:effectRef idx="0">
+            <a:schemeClr val="accent1"/>
+          </a:effectRef>
+          <a:fontRef idx="minor">
+            <a:schemeClr val="lt1"/>
+          </a:fontRef>
+        </p:style>
+        <p:txBody>
+          <a:bodyPr tIns="36000" rtlCol="0" anchor="t" anchorCtr="0"/>
+          <a:lstStyle/>
+          <a:p>
+            <a:r>
+              <a:rPr lang="en-AU" sz="2000" dirty="0">
+                <a:solidFill>
+                  <a:schemeClr val="tx1"/>
+                </a:solidFill>
+              </a:rPr>
+              <a:t>Notes</a:t>
+            </a:r>
+          </a:p>
+          <a:p>
+            <a:pPr marL="179388" indent="-179388">
+              <a:buFont typeface="Arial" pitchFamily="34" charset="0"/>
+              <a:buChar char="•"/>
+            </a:pPr>
+            <a:r>
+              <a:rPr lang="en-AU" sz="2000" dirty="0">
+                <a:solidFill>
+                  <a:schemeClr val="tx1"/>
+                </a:solidFill>
+              </a:rPr>
+              <a:t>This is important so the owner of the properties that </a:t>
+            </a:r>
+            <a:r>
+              <a:rPr lang="en-AU" sz="2000" dirty="0" err="1">
+                <a:solidFill>
+                  <a:schemeClr val="tx1"/>
+                </a:solidFill>
+              </a:rPr>
+              <a:t>david</a:t>
+            </a:r>
+            <a:r>
+              <a:rPr lang="en-AU" sz="2000" dirty="0">
+                <a:solidFill>
+                  <a:schemeClr val="tx1"/>
+                </a:solidFill>
+              </a:rPr>
+              <a:t> is managing can update the details of there own properties.</a:t>
+            </a:r>
+          </a:p>
+        </p:txBody>
+      </p:sp>
+    </p:spTree>
+    <p:extLst>
+      <p:ext uri="{BB962C8B-B14F-4D97-AF65-F5344CB8AC3E}">
+        <p14:creationId xmlns:p14="http://schemas.microsoft.com/office/powerpoint/2010/main" val="1458558871"/>
+      </p:ext>
+    </p:extLst>
+  </p:cSld>
+  <p:clrMapOvr>
+    <a:masterClrMapping/>
+  </p:clrMapOvr>
+</p:sld>
+</file>
+
+<file path=ppt/slides/slide6.xml><?xml version="1.0" encoding="utf-8"?>
+<p:sld xmlns:a="http://schemas.openxmlformats.org/drawingml/2006/main" xmlns:r="http://schemas.openxmlformats.org/officeDocument/2006/relationships" xmlns:p="http://schemas.openxmlformats.org/presentationml/2006/main">
+  <p:cSld>
+    <p:spTree>
+      <p:nvGrpSpPr>
+        <p:cNvPr id="1" name=""/>
+        <p:cNvGrpSpPr/>
+        <p:nvPr/>
+      </p:nvGrpSpPr>
+      <p:grpSpPr>
+        <a:xfrm>
+          <a:off x="0" y="0"/>
+          <a:ext cx="0" cy="0"/>
+          <a:chOff x="0" y="0"/>
+          <a:chExt cx="0" cy="0"/>
+        </a:xfrm>
+      </p:grpSpPr>
+      <p:sp>
+        <p:nvSpPr>
+          <p:cNvPr id="4" name="Rectangle 3"/>
+          <p:cNvSpPr/>
+          <p:nvPr/>
+        </p:nvSpPr>
+        <p:spPr>
+          <a:xfrm>
+            <a:off x="39153" y="109410"/>
+            <a:ext cx="720000" cy="540000"/>
+          </a:xfrm>
+          <a:prstGeom prst="rect">
+            <a:avLst/>
+          </a:prstGeom>
+          <a:solidFill>
+            <a:schemeClr val="accent1">
+              <a:lumMod val="40000"/>
+              <a:lumOff val="60000"/>
+            </a:schemeClr>
+          </a:solidFill>
+          <a:ln>
+            <a:solidFill>
+              <a:schemeClr val="accent1">
+                <a:lumMod val="50000"/>
+              </a:schemeClr>
+            </a:solidFill>
+          </a:ln>
+        </p:spPr>
+        <p:style>
+          <a:lnRef idx="2">
+            <a:schemeClr val="accent1">
+              <a:shade val="50000"/>
+            </a:schemeClr>
+          </a:lnRef>
+          <a:fillRef idx="1">
+            <a:schemeClr val="accent1"/>
+          </a:fillRef>
+          <a:effectRef idx="0">
+            <a:schemeClr val="accent1"/>
+          </a:effectRef>
+          <a:fontRef idx="minor">
+            <a:schemeClr val="lt1"/>
+          </a:fontRef>
+        </p:style>
+        <p:txBody>
+          <a:bodyPr wrap="square" lIns="0" rIns="0" rtlCol="0" anchor="ctr"/>
+          <a:lstStyle/>
+          <a:p>
+            <a:pPr algn="ctr"/>
+            <a:r>
+              <a:rPr lang="en-US" sz="2000" dirty="0">
+                <a:solidFill>
+                  <a:schemeClr val="tx1"/>
+                </a:solidFill>
+              </a:rPr>
+              <a:t>4</a:t>
+            </a:r>
+            <a:endParaRPr lang="en-AU" sz="2000" dirty="0">
+              <a:solidFill>
+                <a:schemeClr val="tx1"/>
+              </a:solidFill>
+            </a:endParaRPr>
+          </a:p>
+        </p:txBody>
+      </p:sp>
+      <p:sp>
+        <p:nvSpPr>
+          <p:cNvPr id="6" name="Rectangle 5"/>
+          <p:cNvSpPr/>
+          <p:nvPr/>
+        </p:nvSpPr>
+        <p:spPr>
+          <a:xfrm>
+            <a:off x="831153" y="109410"/>
+            <a:ext cx="7380000" cy="540000"/>
+          </a:xfrm>
+          <a:prstGeom prst="rect">
+            <a:avLst/>
+          </a:prstGeom>
+          <a:ln>
+            <a:solidFill>
+              <a:schemeClr val="accent1">
+                <a:lumMod val="50000"/>
+              </a:schemeClr>
+            </a:solidFill>
+          </a:ln>
+        </p:spPr>
+        <p:style>
+          <a:lnRef idx="2">
+            <a:schemeClr val="accent1">
+              <a:shade val="50000"/>
+            </a:schemeClr>
+          </a:lnRef>
+          <a:fillRef idx="1">
+            <a:schemeClr val="accent1"/>
+          </a:fillRef>
+          <a:effectRef idx="0">
+            <a:schemeClr val="accent1"/>
+          </a:effectRef>
+          <a:fontRef idx="minor">
+            <a:schemeClr val="lt1"/>
+          </a:fontRef>
+        </p:style>
+        <p:txBody>
+          <a:bodyPr rtlCol="0" anchor="ctr"/>
+          <a:lstStyle/>
+          <a:p>
+            <a:pPr algn="ctr"/>
+            <a:r>
+              <a:rPr lang="en-AU" sz="2800" dirty="0"/>
+              <a:t>Story Title</a:t>
+            </a:r>
+          </a:p>
+        </p:txBody>
+      </p:sp>
+      <p:sp>
+        <p:nvSpPr>
+          <p:cNvPr id="7" name="Rectangle 6"/>
+          <p:cNvSpPr/>
+          <p:nvPr/>
+        </p:nvSpPr>
+        <p:spPr>
+          <a:xfrm>
+            <a:off x="39153" y="822470"/>
+            <a:ext cx="9828000" cy="2340000"/>
+          </a:xfrm>
+          <a:prstGeom prst="rect">
+            <a:avLst/>
+          </a:prstGeom>
+          <a:solidFill>
+            <a:schemeClr val="tx2">
+              <a:lumMod val="20000"/>
+              <a:lumOff val="80000"/>
+            </a:schemeClr>
+          </a:solidFill>
+          <a:ln>
+            <a:solidFill>
+              <a:schemeClr val="accent1">
+                <a:lumMod val="50000"/>
+              </a:schemeClr>
+            </a:solidFill>
+          </a:ln>
+        </p:spPr>
+        <p:style>
+          <a:lnRef idx="2">
+            <a:schemeClr val="accent1">
+              <a:shade val="50000"/>
+            </a:schemeClr>
+          </a:lnRef>
+          <a:fillRef idx="1">
+            <a:schemeClr val="accent1"/>
+          </a:fillRef>
+          <a:effectRef idx="0">
+            <a:schemeClr val="accent1"/>
+          </a:effectRef>
+          <a:fontRef idx="minor">
+            <a:schemeClr val="lt1"/>
+          </a:fontRef>
+        </p:style>
+        <p:txBody>
+          <a:bodyPr rtlCol="0" anchor="t" anchorCtr="0"/>
+          <a:lstStyle/>
+          <a:p>
+            <a:r>
+              <a:rPr lang="en-AU" sz="2400" dirty="0">
+                <a:solidFill>
+                  <a:schemeClr val="tx1"/>
+                </a:solidFill>
+              </a:rPr>
+              <a:t>As a </a:t>
+            </a:r>
+            <a:r>
+              <a:rPr lang="en-AU" sz="2400" b="1" dirty="0">
+                <a:solidFill>
+                  <a:schemeClr val="tx1"/>
+                </a:solidFill>
+              </a:rPr>
+              <a:t>David</a:t>
+            </a:r>
+            <a:r>
+              <a:rPr lang="en-AU" sz="2400" dirty="0">
+                <a:solidFill>
+                  <a:schemeClr val="tx1"/>
+                </a:solidFill>
+              </a:rPr>
+              <a:t>, I want </a:t>
+            </a:r>
+            <a:r>
+              <a:rPr lang="en-AU" sz="2400" b="1" dirty="0">
+                <a:solidFill>
+                  <a:schemeClr val="tx1"/>
+                </a:solidFill>
+              </a:rPr>
+              <a:t>to be able to login, create, update and delete the properties, </a:t>
+            </a:r>
+            <a:r>
+              <a:rPr lang="en-AU" sz="2400" dirty="0">
+                <a:solidFill>
+                  <a:schemeClr val="tx1"/>
+                </a:solidFill>
+              </a:rPr>
+              <a:t>so that </a:t>
+            </a:r>
+            <a:r>
+              <a:rPr lang="en-AU" sz="2400" b="1" dirty="0">
+                <a:solidFill>
+                  <a:schemeClr val="tx1"/>
+                </a:solidFill>
+              </a:rPr>
+              <a:t>I can keep all of my information up to date.</a:t>
+            </a:r>
+            <a:endParaRPr lang="en-AU" sz="2400" dirty="0">
+              <a:solidFill>
+                <a:schemeClr val="tx1"/>
+              </a:solidFill>
+            </a:endParaRPr>
+          </a:p>
+        </p:txBody>
+      </p:sp>
+      <p:sp>
+        <p:nvSpPr>
+          <p:cNvPr id="8" name="Rectangle 7"/>
+          <p:cNvSpPr/>
+          <p:nvPr/>
+        </p:nvSpPr>
+        <p:spPr>
+          <a:xfrm>
+            <a:off x="39153" y="3335530"/>
+            <a:ext cx="9828000" cy="1620000"/>
+          </a:xfrm>
+          <a:prstGeom prst="rect">
+            <a:avLst/>
+          </a:prstGeom>
+          <a:solidFill>
+            <a:schemeClr val="accent1">
+              <a:lumMod val="20000"/>
+              <a:lumOff val="80000"/>
+            </a:schemeClr>
+          </a:solidFill>
+          <a:ln>
+            <a:solidFill>
+              <a:schemeClr val="accent1">
+                <a:lumMod val="50000"/>
+              </a:schemeClr>
+            </a:solidFill>
+          </a:ln>
+        </p:spPr>
+        <p:style>
+          <a:lnRef idx="2">
+            <a:schemeClr val="accent1">
+              <a:shade val="50000"/>
+            </a:schemeClr>
+          </a:lnRef>
+          <a:fillRef idx="1">
+            <a:schemeClr val="accent1"/>
+          </a:fillRef>
+          <a:effectRef idx="0">
+            <a:schemeClr val="accent1"/>
+          </a:effectRef>
+          <a:fontRef idx="minor">
+            <a:schemeClr val="lt1"/>
+          </a:fontRef>
+        </p:style>
+        <p:txBody>
+          <a:bodyPr tIns="36000" rtlCol="0" anchor="t" anchorCtr="0"/>
+          <a:lstStyle/>
+          <a:p>
+            <a:r>
+              <a:rPr lang="en-AU" sz="2000" dirty="0">
+                <a:solidFill>
+                  <a:schemeClr val="tx1"/>
+                </a:solidFill>
+              </a:rPr>
+              <a:t>Acceptance Criteria</a:t>
+            </a:r>
+          </a:p>
+          <a:p>
+            <a:pPr marL="179388" indent="-179388">
+              <a:buFont typeface="Arial" pitchFamily="34" charset="0"/>
+              <a:buChar char="•"/>
+            </a:pPr>
+            <a:r>
+              <a:rPr lang="en-AU" sz="2000" dirty="0">
+                <a:solidFill>
+                  <a:schemeClr val="tx1"/>
+                </a:solidFill>
+              </a:rPr>
+              <a:t> Can David press login?</a:t>
+            </a:r>
+          </a:p>
+          <a:p>
+            <a:pPr marL="179388" indent="-179388">
+              <a:buFont typeface="Arial" pitchFamily="34" charset="0"/>
+              <a:buChar char="•"/>
+            </a:pPr>
+            <a:r>
+              <a:rPr lang="en-US" sz="2000" dirty="0">
+                <a:solidFill>
+                  <a:schemeClr val="tx1"/>
+                </a:solidFill>
+              </a:rPr>
+              <a:t>Can David easily access these controls (Create, Update, Delete)?</a:t>
+            </a:r>
+          </a:p>
+          <a:p>
+            <a:pPr marL="179388" indent="-179388">
+              <a:buFont typeface="Arial" pitchFamily="34" charset="0"/>
+              <a:buChar char="•"/>
+            </a:pPr>
+            <a:r>
+              <a:rPr lang="en-US" sz="2000" dirty="0">
+                <a:solidFill>
+                  <a:schemeClr val="tx1"/>
+                </a:solidFill>
+              </a:rPr>
+              <a:t>Is the User Interface friendly enough for David?</a:t>
+            </a:r>
+            <a:endParaRPr lang="en-AU" sz="2000" dirty="0">
+              <a:solidFill>
+                <a:schemeClr val="tx1"/>
+              </a:solidFill>
+            </a:endParaRPr>
+          </a:p>
+        </p:txBody>
+      </p:sp>
+      <p:sp>
+        <p:nvSpPr>
+          <p:cNvPr id="11" name="Rectangle 10"/>
+          <p:cNvSpPr/>
+          <p:nvPr/>
+        </p:nvSpPr>
+        <p:spPr>
+          <a:xfrm>
+            <a:off x="9147153" y="109410"/>
+            <a:ext cx="720000" cy="540000"/>
+          </a:xfrm>
+          <a:prstGeom prst="rect">
+            <a:avLst/>
+          </a:prstGeom>
+          <a:solidFill>
+            <a:srgbClr val="CCF0CD">
+              <a:alpha val="20000"/>
+            </a:srgbClr>
+          </a:solidFill>
+          <a:ln>
+            <a:solidFill>
+              <a:schemeClr val="accent1">
+                <a:lumMod val="50000"/>
+              </a:schemeClr>
+            </a:solidFill>
+          </a:ln>
+        </p:spPr>
+        <p:style>
+          <a:lnRef idx="2">
+            <a:schemeClr val="accent1">
+              <a:shade val="50000"/>
+            </a:schemeClr>
+          </a:lnRef>
+          <a:fillRef idx="1">
+            <a:schemeClr val="accent1"/>
+          </a:fillRef>
+          <a:effectRef idx="0">
+            <a:schemeClr val="accent1"/>
+          </a:effectRef>
+          <a:fontRef idx="minor">
+            <a:schemeClr val="lt1"/>
+          </a:fontRef>
+        </p:style>
+        <p:txBody>
+          <a:bodyPr wrap="square" lIns="0" rIns="0" rtlCol="0" anchor="ctr"/>
+          <a:lstStyle/>
+          <a:p>
+            <a:pPr algn="ctr"/>
+            <a:r>
+              <a:rPr lang="en-AU" sz="2000" dirty="0">
+                <a:solidFill>
+                  <a:schemeClr val="tx1"/>
+                </a:solidFill>
+              </a:rPr>
+              <a:t>Story Points</a:t>
+            </a:r>
+          </a:p>
+        </p:txBody>
+      </p:sp>
+      <p:sp>
+        <p:nvSpPr>
+          <p:cNvPr id="12" name="Rectangle 11"/>
+          <p:cNvSpPr/>
+          <p:nvPr/>
+        </p:nvSpPr>
+        <p:spPr>
+          <a:xfrm>
+            <a:off x="8283153" y="109410"/>
+            <a:ext cx="792000" cy="540000"/>
+          </a:xfrm>
+          <a:prstGeom prst="rect">
+            <a:avLst/>
+          </a:prstGeom>
+          <a:solidFill>
+            <a:schemeClr val="accent4">
+              <a:lumMod val="20000"/>
+              <a:lumOff val="80000"/>
+            </a:schemeClr>
+          </a:solidFill>
+          <a:ln>
+            <a:solidFill>
+              <a:schemeClr val="accent1">
+                <a:lumMod val="50000"/>
+              </a:schemeClr>
+            </a:solidFill>
+          </a:ln>
+        </p:spPr>
+        <p:style>
+          <a:lnRef idx="2">
+            <a:schemeClr val="accent1">
+              <a:shade val="50000"/>
+            </a:schemeClr>
+          </a:lnRef>
+          <a:fillRef idx="1">
+            <a:schemeClr val="accent1"/>
+          </a:fillRef>
+          <a:effectRef idx="0">
+            <a:schemeClr val="accent1"/>
+          </a:effectRef>
+          <a:fontRef idx="minor">
+            <a:schemeClr val="lt1"/>
+          </a:fontRef>
+        </p:style>
+        <p:txBody>
+          <a:bodyPr wrap="none" lIns="0" rIns="0" rtlCol="0" anchor="ctr"/>
+          <a:lstStyle/>
+          <a:p>
+            <a:pPr algn="ctr"/>
+            <a:r>
+              <a:rPr lang="en-AU" sz="2000" dirty="0">
+                <a:solidFill>
+                  <a:schemeClr val="tx1"/>
+                </a:solidFill>
+              </a:rPr>
+              <a:t>HIGH</a:t>
+            </a:r>
+          </a:p>
+        </p:txBody>
+      </p:sp>
+      <p:sp>
+        <p:nvSpPr>
+          <p:cNvPr id="13" name="Rectangle 12"/>
+          <p:cNvSpPr/>
+          <p:nvPr/>
+        </p:nvSpPr>
+        <p:spPr>
+          <a:xfrm>
+            <a:off x="39153" y="5128590"/>
+            <a:ext cx="9828000" cy="1620000"/>
+          </a:xfrm>
+          <a:prstGeom prst="rect">
+            <a:avLst/>
+          </a:prstGeom>
+          <a:solidFill>
+            <a:schemeClr val="bg1"/>
+          </a:solidFill>
+          <a:ln>
+            <a:solidFill>
+              <a:schemeClr val="accent1">
+                <a:lumMod val="50000"/>
+              </a:schemeClr>
+            </a:solidFill>
+          </a:ln>
+        </p:spPr>
+        <p:style>
+          <a:lnRef idx="2">
+            <a:schemeClr val="accent1">
+              <a:shade val="50000"/>
+            </a:schemeClr>
+          </a:lnRef>
+          <a:fillRef idx="1">
+            <a:schemeClr val="accent1"/>
+          </a:fillRef>
+          <a:effectRef idx="0">
+            <a:schemeClr val="accent1"/>
+          </a:effectRef>
+          <a:fontRef idx="minor">
+            <a:schemeClr val="lt1"/>
+          </a:fontRef>
+        </p:style>
+        <p:txBody>
+          <a:bodyPr tIns="36000" rtlCol="0" anchor="t" anchorCtr="0"/>
+          <a:lstStyle/>
+          <a:p>
+            <a:r>
+              <a:rPr lang="en-AU" sz="2000" dirty="0">
+                <a:solidFill>
+                  <a:schemeClr val="tx1"/>
+                </a:solidFill>
+              </a:rPr>
+              <a:t>Notes</a:t>
+            </a:r>
+          </a:p>
+          <a:p>
+            <a:pPr marL="179388" indent="-179388">
+              <a:buFont typeface="Arial" pitchFamily="34" charset="0"/>
+              <a:buChar char="•"/>
+            </a:pPr>
+            <a:r>
+              <a:rPr lang="en-AU" sz="2000" dirty="0">
+                <a:solidFill>
+                  <a:schemeClr val="tx1"/>
+                </a:solidFill>
+              </a:rPr>
+              <a:t> Nah. </a:t>
+            </a:r>
+          </a:p>
+        </p:txBody>
+      </p:sp>
+    </p:spTree>
+    <p:extLst>
+      <p:ext uri="{BB962C8B-B14F-4D97-AF65-F5344CB8AC3E}">
+        <p14:creationId xmlns:p14="http://schemas.microsoft.com/office/powerpoint/2010/main" val="2121587421"/>
+      </p:ext>
+    </p:extLst>
+  </p:cSld>
+  <p:clrMapOvr>
+    <a:masterClrMapping/>
+  </p:clrMapOvr>
+</p:sld>
+</file>
+
+<file path=ppt/slides/slide7.xml><?xml version="1.0" encoding="utf-8"?>
+<p:sld xmlns:a="http://schemas.openxmlformats.org/drawingml/2006/main" xmlns:r="http://schemas.openxmlformats.org/officeDocument/2006/relationships" xmlns:p="http://schemas.openxmlformats.org/presentationml/2006/main">
+  <p:cSld>
+    <p:spTree>
+      <p:nvGrpSpPr>
+        <p:cNvPr id="1" name=""/>
+        <p:cNvGrpSpPr/>
+        <p:nvPr/>
+      </p:nvGrpSpPr>
+      <p:grpSpPr>
+        <a:xfrm>
+          <a:off x="0" y="0"/>
+          <a:ext cx="0" cy="0"/>
+          <a:chOff x="0" y="0"/>
+          <a:chExt cx="0" cy="0"/>
+        </a:xfrm>
+      </p:grpSpPr>
+      <p:sp>
+        <p:nvSpPr>
+          <p:cNvPr id="4" name="Rectangle 3"/>
+          <p:cNvSpPr/>
+          <p:nvPr/>
+        </p:nvSpPr>
+        <p:spPr>
+          <a:xfrm>
+            <a:off x="39153" y="109410"/>
+            <a:ext cx="720000" cy="540000"/>
+          </a:xfrm>
+          <a:prstGeom prst="rect">
+            <a:avLst/>
+          </a:prstGeom>
+          <a:solidFill>
+            <a:schemeClr val="accent1">
+              <a:lumMod val="40000"/>
+              <a:lumOff val="60000"/>
+            </a:schemeClr>
+          </a:solidFill>
+          <a:ln>
+            <a:solidFill>
+              <a:schemeClr val="accent1">
+                <a:lumMod val="50000"/>
+              </a:schemeClr>
+            </a:solidFill>
+          </a:ln>
+        </p:spPr>
+        <p:style>
+          <a:lnRef idx="2">
+            <a:schemeClr val="accent1">
+              <a:shade val="50000"/>
+            </a:schemeClr>
+          </a:lnRef>
+          <a:fillRef idx="1">
+            <a:schemeClr val="accent1"/>
+          </a:fillRef>
+          <a:effectRef idx="0">
+            <a:schemeClr val="accent1"/>
+          </a:effectRef>
+          <a:fontRef idx="minor">
+            <a:schemeClr val="lt1"/>
+          </a:fontRef>
+        </p:style>
+        <p:txBody>
+          <a:bodyPr wrap="square" lIns="0" rIns="0" rtlCol="0" anchor="ctr"/>
+          <a:lstStyle/>
+          <a:p>
+            <a:pPr algn="ctr"/>
+            <a:r>
+              <a:rPr lang="en-US" sz="2000" dirty="0">
+                <a:solidFill>
+                  <a:schemeClr val="tx1"/>
+                </a:solidFill>
+              </a:rPr>
+              <a:t>5</a:t>
+            </a:r>
+            <a:endParaRPr lang="en-AU" sz="2000" dirty="0">
+              <a:solidFill>
+                <a:schemeClr val="tx1"/>
+              </a:solidFill>
+            </a:endParaRPr>
+          </a:p>
+        </p:txBody>
+      </p:sp>
+      <p:sp>
+        <p:nvSpPr>
+          <p:cNvPr id="6" name="Rectangle 5"/>
+          <p:cNvSpPr/>
+          <p:nvPr/>
+        </p:nvSpPr>
+        <p:spPr>
+          <a:xfrm>
+            <a:off x="831153" y="109410"/>
+            <a:ext cx="7380000" cy="540000"/>
+          </a:xfrm>
+          <a:prstGeom prst="rect">
+            <a:avLst/>
+          </a:prstGeom>
+          <a:ln>
+            <a:solidFill>
+              <a:schemeClr val="accent1">
+                <a:lumMod val="50000"/>
+              </a:schemeClr>
+            </a:solidFill>
+          </a:ln>
+        </p:spPr>
+        <p:style>
+          <a:lnRef idx="2">
+            <a:schemeClr val="accent1">
+              <a:shade val="50000"/>
+            </a:schemeClr>
+          </a:lnRef>
+          <a:fillRef idx="1">
+            <a:schemeClr val="accent1"/>
+          </a:fillRef>
+          <a:effectRef idx="0">
+            <a:schemeClr val="accent1"/>
+          </a:effectRef>
+          <a:fontRef idx="minor">
+            <a:schemeClr val="lt1"/>
+          </a:fontRef>
+        </p:style>
+        <p:txBody>
+          <a:bodyPr rtlCol="0" anchor="ctr"/>
+          <a:lstStyle/>
+          <a:p>
+            <a:pPr algn="ctr"/>
+            <a:r>
+              <a:rPr lang="en-AU" sz="2800" dirty="0"/>
+              <a:t>Story Title</a:t>
+            </a:r>
+          </a:p>
+        </p:txBody>
+      </p:sp>
+      <p:sp>
+        <p:nvSpPr>
+          <p:cNvPr id="7" name="Rectangle 6"/>
+          <p:cNvSpPr/>
+          <p:nvPr/>
+        </p:nvSpPr>
+        <p:spPr>
+          <a:xfrm>
+            <a:off x="39153" y="822470"/>
+            <a:ext cx="9828000" cy="2340000"/>
+          </a:xfrm>
+          <a:prstGeom prst="rect">
+            <a:avLst/>
+          </a:prstGeom>
+          <a:solidFill>
+            <a:schemeClr val="tx2">
+              <a:lumMod val="20000"/>
+              <a:lumOff val="80000"/>
+            </a:schemeClr>
+          </a:solidFill>
+          <a:ln>
+            <a:solidFill>
+              <a:schemeClr val="accent1">
+                <a:lumMod val="50000"/>
+              </a:schemeClr>
+            </a:solidFill>
+          </a:ln>
+        </p:spPr>
+        <p:style>
+          <a:lnRef idx="2">
+            <a:schemeClr val="accent1">
+              <a:shade val="50000"/>
+            </a:schemeClr>
+          </a:lnRef>
+          <a:fillRef idx="1">
+            <a:schemeClr val="accent1"/>
+          </a:fillRef>
+          <a:effectRef idx="0">
+            <a:schemeClr val="accent1"/>
+          </a:effectRef>
+          <a:fontRef idx="minor">
+            <a:schemeClr val="lt1"/>
+          </a:fontRef>
+        </p:style>
+        <p:txBody>
+          <a:bodyPr rtlCol="0" anchor="t" anchorCtr="0"/>
+          <a:lstStyle/>
+          <a:p>
+            <a:r>
+              <a:rPr lang="en-AU" sz="2400" dirty="0">
+                <a:solidFill>
+                  <a:schemeClr val="tx1"/>
+                </a:solidFill>
+              </a:rPr>
+              <a:t>As a website user , I want to be able to search for properties , so that I can narrow the search results by a given set of criteria </a:t>
+            </a:r>
+          </a:p>
+        </p:txBody>
+      </p:sp>
+      <p:sp>
+        <p:nvSpPr>
+          <p:cNvPr id="8" name="Rectangle 7"/>
+          <p:cNvSpPr/>
+          <p:nvPr/>
+        </p:nvSpPr>
+        <p:spPr>
+          <a:xfrm>
+            <a:off x="39153" y="3335530"/>
+            <a:ext cx="9828000" cy="1620000"/>
+          </a:xfrm>
+          <a:prstGeom prst="rect">
+            <a:avLst/>
+          </a:prstGeom>
+          <a:solidFill>
+            <a:schemeClr val="accent1">
+              <a:lumMod val="20000"/>
+              <a:lumOff val="80000"/>
+            </a:schemeClr>
+          </a:solidFill>
+          <a:ln>
+            <a:solidFill>
+              <a:schemeClr val="accent1">
+                <a:lumMod val="50000"/>
+              </a:schemeClr>
+            </a:solidFill>
+          </a:ln>
+        </p:spPr>
+        <p:style>
+          <a:lnRef idx="2">
+            <a:schemeClr val="accent1">
+              <a:shade val="50000"/>
+            </a:schemeClr>
+          </a:lnRef>
+          <a:fillRef idx="1">
+            <a:schemeClr val="accent1"/>
+          </a:fillRef>
+          <a:effectRef idx="0">
+            <a:schemeClr val="accent1"/>
+          </a:effectRef>
+          <a:fontRef idx="minor">
+            <a:schemeClr val="lt1"/>
+          </a:fontRef>
+        </p:style>
+        <p:txBody>
+          <a:bodyPr tIns="36000" rtlCol="0" anchor="t" anchorCtr="0"/>
+          <a:lstStyle/>
+          <a:p>
+            <a:r>
+              <a:rPr lang="en-AU" sz="2000" dirty="0">
+                <a:solidFill>
+                  <a:schemeClr val="tx1"/>
+                </a:solidFill>
+              </a:rPr>
+              <a:t>Acceptance Criteria</a:t>
+            </a:r>
+          </a:p>
+          <a:p>
+            <a:pPr marL="179388" indent="-179388">
+              <a:buFont typeface="Arial" pitchFamily="34" charset="0"/>
+              <a:buChar char="•"/>
+            </a:pPr>
+            <a:r>
+              <a:rPr lang="en-AU" sz="2000" dirty="0">
+                <a:solidFill>
+                  <a:schemeClr val="tx1"/>
+                </a:solidFill>
+              </a:rPr>
+              <a:t> is the website easily </a:t>
+            </a:r>
+            <a:r>
+              <a:rPr lang="en-AU" sz="2000" dirty="0" err="1">
+                <a:solidFill>
+                  <a:schemeClr val="tx1"/>
+                </a:solidFill>
+              </a:rPr>
+              <a:t>navigatable</a:t>
+            </a:r>
+            <a:r>
+              <a:rPr lang="en-AU" sz="2000" dirty="0">
+                <a:solidFill>
+                  <a:schemeClr val="tx1"/>
+                </a:solidFill>
+              </a:rPr>
+              <a:t>.</a:t>
+            </a:r>
+          </a:p>
+          <a:p>
+            <a:pPr marL="179388" indent="-179388">
+              <a:buFont typeface="Arial" pitchFamily="34" charset="0"/>
+              <a:buChar char="•"/>
+            </a:pPr>
+            <a:r>
+              <a:rPr lang="en-US" sz="2000" dirty="0">
+                <a:solidFill>
+                  <a:schemeClr val="tx1"/>
+                </a:solidFill>
+              </a:rPr>
+              <a:t>Can website users easily search for properties using the search bar?</a:t>
+            </a:r>
+          </a:p>
+          <a:p>
+            <a:pPr marL="179388" indent="-179388">
+              <a:buFont typeface="Arial" pitchFamily="34" charset="0"/>
+              <a:buChar char="•"/>
+            </a:pPr>
+            <a:r>
+              <a:rPr lang="en-US" sz="2000" dirty="0">
+                <a:solidFill>
+                  <a:schemeClr val="tx1"/>
+                </a:solidFill>
+              </a:rPr>
+              <a:t>Can the website user easily filter down to meet the criteria of there needs?</a:t>
+            </a:r>
+            <a:endParaRPr lang="en-AU" sz="2000" dirty="0">
+              <a:solidFill>
+                <a:schemeClr val="tx1"/>
+              </a:solidFill>
+            </a:endParaRPr>
+          </a:p>
+        </p:txBody>
+      </p:sp>
+      <p:sp>
+        <p:nvSpPr>
+          <p:cNvPr id="11" name="Rectangle 10"/>
+          <p:cNvSpPr/>
+          <p:nvPr/>
+        </p:nvSpPr>
+        <p:spPr>
+          <a:xfrm>
+            <a:off x="9147153" y="109410"/>
+            <a:ext cx="720000" cy="540000"/>
+          </a:xfrm>
+          <a:prstGeom prst="rect">
+            <a:avLst/>
+          </a:prstGeom>
+          <a:solidFill>
+            <a:srgbClr val="CCF0CD">
+              <a:alpha val="20000"/>
+            </a:srgbClr>
+          </a:solidFill>
+          <a:ln>
+            <a:solidFill>
+              <a:schemeClr val="accent1">
+                <a:lumMod val="50000"/>
+              </a:schemeClr>
+            </a:solidFill>
+          </a:ln>
+        </p:spPr>
+        <p:style>
+          <a:lnRef idx="2">
+            <a:schemeClr val="accent1">
+              <a:shade val="50000"/>
+            </a:schemeClr>
+          </a:lnRef>
+          <a:fillRef idx="1">
+            <a:schemeClr val="accent1"/>
+          </a:fillRef>
+          <a:effectRef idx="0">
+            <a:schemeClr val="accent1"/>
+          </a:effectRef>
+          <a:fontRef idx="minor">
+            <a:schemeClr val="lt1"/>
+          </a:fontRef>
+        </p:style>
+        <p:txBody>
+          <a:bodyPr wrap="square" lIns="0" rIns="0" rtlCol="0" anchor="ctr"/>
+          <a:lstStyle/>
+          <a:p>
+            <a:pPr algn="ctr"/>
+            <a:r>
+              <a:rPr lang="en-AU" sz="2000" dirty="0">
+                <a:solidFill>
+                  <a:schemeClr val="tx1"/>
+                </a:solidFill>
+              </a:rPr>
+              <a:t>Story Points</a:t>
+            </a:r>
+          </a:p>
+        </p:txBody>
+      </p:sp>
+      <p:sp>
+        <p:nvSpPr>
+          <p:cNvPr id="12" name="Rectangle 11"/>
+          <p:cNvSpPr/>
+          <p:nvPr/>
+        </p:nvSpPr>
+        <p:spPr>
+          <a:xfrm>
+            <a:off x="8283153" y="109410"/>
+            <a:ext cx="792000" cy="540000"/>
+          </a:xfrm>
+          <a:prstGeom prst="rect">
+            <a:avLst/>
+          </a:prstGeom>
+          <a:solidFill>
+            <a:schemeClr val="accent4">
+              <a:lumMod val="20000"/>
+              <a:lumOff val="80000"/>
+            </a:schemeClr>
+          </a:solidFill>
+          <a:ln>
+            <a:solidFill>
+              <a:schemeClr val="accent1">
+                <a:lumMod val="50000"/>
+              </a:schemeClr>
+            </a:solidFill>
+          </a:ln>
+        </p:spPr>
+        <p:style>
+          <a:lnRef idx="2">
+            <a:schemeClr val="accent1">
+              <a:shade val="50000"/>
+            </a:schemeClr>
+          </a:lnRef>
+          <a:fillRef idx="1">
+            <a:schemeClr val="accent1"/>
+          </a:fillRef>
+          <a:effectRef idx="0">
+            <a:schemeClr val="accent1"/>
+          </a:effectRef>
+          <a:fontRef idx="minor">
+            <a:schemeClr val="lt1"/>
+          </a:fontRef>
+        </p:style>
+        <p:txBody>
+          <a:bodyPr wrap="none" lIns="0" rIns="0" rtlCol="0" anchor="ctr"/>
+          <a:lstStyle/>
+          <a:p>
+            <a:pPr algn="ctr"/>
+            <a:r>
+              <a:rPr lang="en-AU" sz="2000" dirty="0">
+                <a:solidFill>
+                  <a:schemeClr val="tx1"/>
+                </a:solidFill>
+              </a:rPr>
+              <a:t>HIGH</a:t>
+            </a:r>
+          </a:p>
+        </p:txBody>
+      </p:sp>
+      <p:sp>
+        <p:nvSpPr>
+          <p:cNvPr id="13" name="Rectangle 12"/>
+          <p:cNvSpPr/>
+          <p:nvPr/>
+        </p:nvSpPr>
+        <p:spPr>
+          <a:xfrm>
+            <a:off x="39153" y="5128590"/>
+            <a:ext cx="9828000" cy="1620000"/>
+          </a:xfrm>
+          <a:prstGeom prst="rect">
+            <a:avLst/>
+          </a:prstGeom>
+          <a:solidFill>
+            <a:schemeClr val="bg1"/>
+          </a:solidFill>
+          <a:ln>
+            <a:solidFill>
+              <a:schemeClr val="accent1">
+                <a:lumMod val="50000"/>
+              </a:schemeClr>
+            </a:solidFill>
+          </a:ln>
+        </p:spPr>
+        <p:style>
+          <a:lnRef idx="2">
+            <a:schemeClr val="accent1">
+              <a:shade val="50000"/>
+            </a:schemeClr>
+          </a:lnRef>
+          <a:fillRef idx="1">
+            <a:schemeClr val="accent1"/>
+          </a:fillRef>
+          <a:effectRef idx="0">
+            <a:schemeClr val="accent1"/>
+          </a:effectRef>
+          <a:fontRef idx="minor">
+            <a:schemeClr val="lt1"/>
+          </a:fontRef>
+        </p:style>
+        <p:txBody>
+          <a:bodyPr tIns="36000" rtlCol="0" anchor="t" anchorCtr="0"/>
+          <a:lstStyle/>
+          <a:p>
+            <a:r>
+              <a:rPr lang="en-AU" sz="2000" dirty="0">
+                <a:solidFill>
+                  <a:schemeClr val="tx1"/>
+                </a:solidFill>
+              </a:rPr>
+              <a:t>Notes</a:t>
+            </a:r>
+          </a:p>
+          <a:p>
+            <a:pPr marL="179388" indent="-179388">
+              <a:buFont typeface="Arial" pitchFamily="34" charset="0"/>
+              <a:buChar char="•"/>
+            </a:pPr>
+            <a:r>
+              <a:rPr lang="en-AU" sz="2000" dirty="0">
+                <a:solidFill>
+                  <a:schemeClr val="tx1"/>
+                </a:solidFill>
+              </a:rPr>
+              <a:t> this is so the website users will able to navigate easily through the website and filter down to exactly what the user wants/needs. </a:t>
+            </a:r>
+          </a:p>
+        </p:txBody>
+      </p:sp>
+    </p:spTree>
+    <p:extLst>
+      <p:ext uri="{BB962C8B-B14F-4D97-AF65-F5344CB8AC3E}">
+        <p14:creationId xmlns:p14="http://schemas.microsoft.com/office/powerpoint/2010/main" val="2091013506"/>
+      </p:ext>
+    </p:extLst>
   </p:cSld>
   <p:clrMapOvr>
     <a:masterClrMapping/>

--- a/Things.pptx
+++ b/Things.pptx
@@ -12,6 +12,10 @@
     <p:sldId id="261" r:id="rId6"/>
     <p:sldId id="262" r:id="rId7"/>
     <p:sldId id="263" r:id="rId8"/>
+    <p:sldId id="264" r:id="rId9"/>
+    <p:sldId id="265" r:id="rId10"/>
+    <p:sldId id="266" r:id="rId11"/>
+    <p:sldId id="267" r:id="rId12"/>
   </p:sldIdLst>
   <p:sldSz cx="9906000" cy="6858000" type="A4"/>
   <p:notesSz cx="6858000" cy="9144000"/>
@@ -311,7 +315,7 @@
             <a:fld id="{1585DAA5-6BE2-467A-90B2-00E985D86198}" type="datetimeFigureOut">
               <a:rPr lang="en-AU" smtClean="0"/>
               <a:pPr/>
-              <a:t>9/03/2017</a:t>
+              <a:t>12/03/2017</a:t>
             </a:fld>
             <a:endParaRPr lang="en-AU"/>
           </a:p>
@@ -478,7 +482,7 @@
             <a:fld id="{1585DAA5-6BE2-467A-90B2-00E985D86198}" type="datetimeFigureOut">
               <a:rPr lang="en-AU" smtClean="0"/>
               <a:pPr/>
-              <a:t>9/03/2017</a:t>
+              <a:t>12/03/2017</a:t>
             </a:fld>
             <a:endParaRPr lang="en-AU"/>
           </a:p>
@@ -655,7 +659,7 @@
             <a:fld id="{1585DAA5-6BE2-467A-90B2-00E985D86198}" type="datetimeFigureOut">
               <a:rPr lang="en-AU" smtClean="0"/>
               <a:pPr/>
-              <a:t>9/03/2017</a:t>
+              <a:t>12/03/2017</a:t>
             </a:fld>
             <a:endParaRPr lang="en-AU"/>
           </a:p>
@@ -822,7 +826,7 @@
             <a:fld id="{1585DAA5-6BE2-467A-90B2-00E985D86198}" type="datetimeFigureOut">
               <a:rPr lang="en-AU" smtClean="0"/>
               <a:pPr/>
-              <a:t>9/03/2017</a:t>
+              <a:t>12/03/2017</a:t>
             </a:fld>
             <a:endParaRPr lang="en-AU"/>
           </a:p>
@@ -1065,7 +1069,7 @@
             <a:fld id="{1585DAA5-6BE2-467A-90B2-00E985D86198}" type="datetimeFigureOut">
               <a:rPr lang="en-AU" smtClean="0"/>
               <a:pPr/>
-              <a:t>9/03/2017</a:t>
+              <a:t>12/03/2017</a:t>
             </a:fld>
             <a:endParaRPr lang="en-AU"/>
           </a:p>
@@ -1350,7 +1354,7 @@
             <a:fld id="{1585DAA5-6BE2-467A-90B2-00E985D86198}" type="datetimeFigureOut">
               <a:rPr lang="en-AU" smtClean="0"/>
               <a:pPr/>
-              <a:t>9/03/2017</a:t>
+              <a:t>12/03/2017</a:t>
             </a:fld>
             <a:endParaRPr lang="en-AU"/>
           </a:p>
@@ -1769,7 +1773,7 @@
             <a:fld id="{1585DAA5-6BE2-467A-90B2-00E985D86198}" type="datetimeFigureOut">
               <a:rPr lang="en-AU" smtClean="0"/>
               <a:pPr/>
-              <a:t>9/03/2017</a:t>
+              <a:t>12/03/2017</a:t>
             </a:fld>
             <a:endParaRPr lang="en-AU"/>
           </a:p>
@@ -1884,7 +1888,7 @@
             <a:fld id="{1585DAA5-6BE2-467A-90B2-00E985D86198}" type="datetimeFigureOut">
               <a:rPr lang="en-AU" smtClean="0"/>
               <a:pPr/>
-              <a:t>9/03/2017</a:t>
+              <a:t>12/03/2017</a:t>
             </a:fld>
             <a:endParaRPr lang="en-AU"/>
           </a:p>
@@ -1976,7 +1980,7 @@
             <a:fld id="{1585DAA5-6BE2-467A-90B2-00E985D86198}" type="datetimeFigureOut">
               <a:rPr lang="en-AU" smtClean="0"/>
               <a:pPr/>
-              <a:t>9/03/2017</a:t>
+              <a:t>12/03/2017</a:t>
             </a:fld>
             <a:endParaRPr lang="en-AU"/>
           </a:p>
@@ -2250,7 +2254,7 @@
             <a:fld id="{1585DAA5-6BE2-467A-90B2-00E985D86198}" type="datetimeFigureOut">
               <a:rPr lang="en-AU" smtClean="0"/>
               <a:pPr/>
-              <a:t>9/03/2017</a:t>
+              <a:t>12/03/2017</a:t>
             </a:fld>
             <a:endParaRPr lang="en-AU"/>
           </a:p>
@@ -2500,7 +2504,7 @@
             <a:fld id="{1585DAA5-6BE2-467A-90B2-00E985D86198}" type="datetimeFigureOut">
               <a:rPr lang="en-AU" smtClean="0"/>
               <a:pPr/>
-              <a:t>9/03/2017</a:t>
+              <a:t>12/03/2017</a:t>
             </a:fld>
             <a:endParaRPr lang="en-AU"/>
           </a:p>
@@ -2710,7 +2714,7 @@
             <a:fld id="{1585DAA5-6BE2-467A-90B2-00E985D86198}" type="datetimeFigureOut">
               <a:rPr lang="en-AU" smtClean="0"/>
               <a:pPr/>
-              <a:t>9/03/2017</a:t>
+              <a:t>12/03/2017</a:t>
             </a:fld>
             <a:endParaRPr lang="en-AU"/>
           </a:p>
@@ -3194,6 +3198,1115 @@
 </p:sld>
 </file>
 
+<file path=ppt/slides/slide10.xml><?xml version="1.0" encoding="utf-8"?>
+<p:sld xmlns:a="http://schemas.openxmlformats.org/drawingml/2006/main" xmlns:r="http://schemas.openxmlformats.org/officeDocument/2006/relationships" xmlns:p="http://schemas.openxmlformats.org/presentationml/2006/main">
+  <p:cSld>
+    <p:spTree>
+      <p:nvGrpSpPr>
+        <p:cNvPr id="1" name=""/>
+        <p:cNvGrpSpPr/>
+        <p:nvPr/>
+      </p:nvGrpSpPr>
+      <p:grpSpPr>
+        <a:xfrm>
+          <a:off x="0" y="0"/>
+          <a:ext cx="0" cy="0"/>
+          <a:chOff x="0" y="0"/>
+          <a:chExt cx="0" cy="0"/>
+        </a:xfrm>
+      </p:grpSpPr>
+      <p:sp>
+        <p:nvSpPr>
+          <p:cNvPr id="4" name="Rectangle 3"/>
+          <p:cNvSpPr/>
+          <p:nvPr/>
+        </p:nvSpPr>
+        <p:spPr>
+          <a:xfrm>
+            <a:off x="39153" y="109410"/>
+            <a:ext cx="720000" cy="540000"/>
+          </a:xfrm>
+          <a:prstGeom prst="rect">
+            <a:avLst/>
+          </a:prstGeom>
+          <a:solidFill>
+            <a:schemeClr val="accent1">
+              <a:lumMod val="40000"/>
+              <a:lumOff val="60000"/>
+            </a:schemeClr>
+          </a:solidFill>
+          <a:ln>
+            <a:solidFill>
+              <a:schemeClr val="accent1">
+                <a:lumMod val="50000"/>
+              </a:schemeClr>
+            </a:solidFill>
+          </a:ln>
+        </p:spPr>
+        <p:style>
+          <a:lnRef idx="2">
+            <a:schemeClr val="accent1">
+              <a:shade val="50000"/>
+            </a:schemeClr>
+          </a:lnRef>
+          <a:fillRef idx="1">
+            <a:schemeClr val="accent1"/>
+          </a:fillRef>
+          <a:effectRef idx="0">
+            <a:schemeClr val="accent1"/>
+          </a:effectRef>
+          <a:fontRef idx="minor">
+            <a:schemeClr val="lt1"/>
+          </a:fontRef>
+        </p:style>
+        <p:txBody>
+          <a:bodyPr wrap="square" lIns="0" rIns="0" rtlCol="0" anchor="ctr"/>
+          <a:lstStyle/>
+          <a:p>
+            <a:pPr algn="ctr"/>
+            <a:r>
+              <a:rPr lang="en-US" sz="2000" dirty="0">
+                <a:solidFill>
+                  <a:schemeClr val="tx1"/>
+                </a:solidFill>
+              </a:rPr>
+              <a:t>8</a:t>
+            </a:r>
+            <a:endParaRPr lang="en-AU" sz="2000" dirty="0">
+              <a:solidFill>
+                <a:schemeClr val="tx1"/>
+              </a:solidFill>
+            </a:endParaRPr>
+          </a:p>
+        </p:txBody>
+      </p:sp>
+      <p:sp>
+        <p:nvSpPr>
+          <p:cNvPr id="6" name="Rectangle 5"/>
+          <p:cNvSpPr/>
+          <p:nvPr/>
+        </p:nvSpPr>
+        <p:spPr>
+          <a:xfrm>
+            <a:off x="831153" y="109410"/>
+            <a:ext cx="7380000" cy="540000"/>
+          </a:xfrm>
+          <a:prstGeom prst="rect">
+            <a:avLst/>
+          </a:prstGeom>
+          <a:ln>
+            <a:solidFill>
+              <a:schemeClr val="accent1">
+                <a:lumMod val="50000"/>
+              </a:schemeClr>
+            </a:solidFill>
+          </a:ln>
+        </p:spPr>
+        <p:style>
+          <a:lnRef idx="2">
+            <a:schemeClr val="accent1">
+              <a:shade val="50000"/>
+            </a:schemeClr>
+          </a:lnRef>
+          <a:fillRef idx="1">
+            <a:schemeClr val="accent1"/>
+          </a:fillRef>
+          <a:effectRef idx="0">
+            <a:schemeClr val="accent1"/>
+          </a:effectRef>
+          <a:fontRef idx="minor">
+            <a:schemeClr val="lt1"/>
+          </a:fontRef>
+        </p:style>
+        <p:txBody>
+          <a:bodyPr rtlCol="0" anchor="ctr"/>
+          <a:lstStyle/>
+          <a:p>
+            <a:pPr algn="ctr"/>
+            <a:r>
+              <a:rPr lang="en-AU" sz="2800" dirty="0" smtClean="0"/>
+              <a:t>Tenant sign-up</a:t>
+            </a:r>
+            <a:endParaRPr lang="en-AU" sz="2800" dirty="0"/>
+          </a:p>
+        </p:txBody>
+      </p:sp>
+      <p:sp>
+        <p:nvSpPr>
+          <p:cNvPr id="7" name="Rectangle 6"/>
+          <p:cNvSpPr/>
+          <p:nvPr/>
+        </p:nvSpPr>
+        <p:spPr>
+          <a:xfrm>
+            <a:off x="0" y="822470"/>
+            <a:ext cx="9828000" cy="2340000"/>
+          </a:xfrm>
+          <a:prstGeom prst="rect">
+            <a:avLst/>
+          </a:prstGeom>
+          <a:solidFill>
+            <a:schemeClr val="tx2">
+              <a:lumMod val="20000"/>
+              <a:lumOff val="80000"/>
+            </a:schemeClr>
+          </a:solidFill>
+          <a:ln>
+            <a:solidFill>
+              <a:schemeClr val="accent1">
+                <a:lumMod val="50000"/>
+              </a:schemeClr>
+            </a:solidFill>
+          </a:ln>
+        </p:spPr>
+        <p:style>
+          <a:lnRef idx="2">
+            <a:schemeClr val="accent1">
+              <a:shade val="50000"/>
+            </a:schemeClr>
+          </a:lnRef>
+          <a:fillRef idx="1">
+            <a:schemeClr val="accent1"/>
+          </a:fillRef>
+          <a:effectRef idx="0">
+            <a:schemeClr val="accent1"/>
+          </a:effectRef>
+          <a:fontRef idx="minor">
+            <a:schemeClr val="lt1"/>
+          </a:fontRef>
+        </p:style>
+        <p:txBody>
+          <a:bodyPr rtlCol="0" anchor="t" anchorCtr="0"/>
+          <a:lstStyle/>
+          <a:p>
+            <a:r>
+              <a:rPr lang="en-US" sz="2400" dirty="0">
+                <a:solidFill>
+                  <a:schemeClr val="tx1"/>
+                </a:solidFill>
+              </a:rPr>
+              <a:t>As a prospective tenant, I want to be able to sign up to the website, so that I can view properties.</a:t>
+            </a:r>
+            <a:endParaRPr lang="en-AU" sz="2400" dirty="0">
+              <a:solidFill>
+                <a:schemeClr val="tx1"/>
+              </a:solidFill>
+            </a:endParaRPr>
+          </a:p>
+        </p:txBody>
+      </p:sp>
+      <p:sp>
+        <p:nvSpPr>
+          <p:cNvPr id="8" name="Rectangle 7"/>
+          <p:cNvSpPr/>
+          <p:nvPr/>
+        </p:nvSpPr>
+        <p:spPr>
+          <a:xfrm>
+            <a:off x="39153" y="3335530"/>
+            <a:ext cx="9828000" cy="1620000"/>
+          </a:xfrm>
+          <a:prstGeom prst="rect">
+            <a:avLst/>
+          </a:prstGeom>
+          <a:solidFill>
+            <a:schemeClr val="accent1">
+              <a:lumMod val="20000"/>
+              <a:lumOff val="80000"/>
+            </a:schemeClr>
+          </a:solidFill>
+          <a:ln>
+            <a:solidFill>
+              <a:schemeClr val="accent1">
+                <a:lumMod val="50000"/>
+              </a:schemeClr>
+            </a:solidFill>
+          </a:ln>
+        </p:spPr>
+        <p:style>
+          <a:lnRef idx="2">
+            <a:schemeClr val="accent1">
+              <a:shade val="50000"/>
+            </a:schemeClr>
+          </a:lnRef>
+          <a:fillRef idx="1">
+            <a:schemeClr val="accent1"/>
+          </a:fillRef>
+          <a:effectRef idx="0">
+            <a:schemeClr val="accent1"/>
+          </a:effectRef>
+          <a:fontRef idx="minor">
+            <a:schemeClr val="lt1"/>
+          </a:fontRef>
+        </p:style>
+        <p:txBody>
+          <a:bodyPr tIns="36000" rtlCol="0" anchor="t" anchorCtr="0"/>
+          <a:lstStyle/>
+          <a:p>
+            <a:r>
+              <a:rPr lang="en-AU" sz="2000" dirty="0">
+                <a:solidFill>
+                  <a:schemeClr val="tx1"/>
+                </a:solidFill>
+              </a:rPr>
+              <a:t>Acceptance Criteria</a:t>
+            </a:r>
+          </a:p>
+          <a:p>
+            <a:pPr marL="179388" indent="-179388">
+              <a:buFont typeface="Arial" pitchFamily="34" charset="0"/>
+              <a:buChar char="•"/>
+            </a:pPr>
+            <a:r>
+              <a:rPr lang="en-AU" sz="2000" dirty="0">
+                <a:solidFill>
+                  <a:schemeClr val="tx1"/>
+                </a:solidFill>
+              </a:rPr>
+              <a:t> </a:t>
+            </a:r>
+            <a:r>
+              <a:rPr lang="en-AU" sz="2000" dirty="0">
+                <a:solidFill>
+                  <a:schemeClr val="tx1"/>
+                </a:solidFill>
+              </a:rPr>
+              <a:t>Does the register link work?</a:t>
+            </a:r>
+          </a:p>
+          <a:p>
+            <a:pPr marL="179388" indent="-179388">
+              <a:buFont typeface="Arial" pitchFamily="34" charset="0"/>
+              <a:buChar char="•"/>
+            </a:pPr>
+            <a:r>
+              <a:rPr lang="en-US" sz="2000" dirty="0">
+                <a:solidFill>
+                  <a:schemeClr val="tx1"/>
+                </a:solidFill>
+              </a:rPr>
+              <a:t>Are the details saved correctly?</a:t>
+            </a:r>
+          </a:p>
+          <a:p>
+            <a:pPr marL="179388" indent="-179388">
+              <a:buFont typeface="Arial" pitchFamily="34" charset="0"/>
+              <a:buChar char="•"/>
+            </a:pPr>
+            <a:r>
+              <a:rPr lang="en-US" sz="2000" dirty="0">
+                <a:solidFill>
+                  <a:schemeClr val="tx1"/>
+                </a:solidFill>
+              </a:rPr>
+              <a:t>Does the prospective tenant </a:t>
+            </a:r>
+            <a:r>
+              <a:rPr lang="en-US" sz="2000" dirty="0" smtClean="0">
+                <a:solidFill>
+                  <a:schemeClr val="tx1"/>
+                </a:solidFill>
+              </a:rPr>
+              <a:t>have </a:t>
+            </a:r>
+            <a:r>
+              <a:rPr lang="en-US" sz="2000" dirty="0">
+                <a:solidFill>
+                  <a:schemeClr val="tx1"/>
+                </a:solidFill>
+              </a:rPr>
+              <a:t>access to </a:t>
+            </a:r>
+            <a:r>
+              <a:rPr lang="en-US" sz="2000" dirty="0" smtClean="0">
+                <a:solidFill>
+                  <a:schemeClr val="tx1"/>
+                </a:solidFill>
+              </a:rPr>
+              <a:t>view properties?</a:t>
+            </a:r>
+            <a:endParaRPr lang="en-AU" sz="2000" dirty="0">
+              <a:solidFill>
+                <a:schemeClr val="tx1"/>
+              </a:solidFill>
+            </a:endParaRPr>
+          </a:p>
+        </p:txBody>
+      </p:sp>
+      <p:sp>
+        <p:nvSpPr>
+          <p:cNvPr id="11" name="Rectangle 10"/>
+          <p:cNvSpPr/>
+          <p:nvPr/>
+        </p:nvSpPr>
+        <p:spPr>
+          <a:xfrm>
+            <a:off x="9147153" y="109410"/>
+            <a:ext cx="720000" cy="540000"/>
+          </a:xfrm>
+          <a:prstGeom prst="rect">
+            <a:avLst/>
+          </a:prstGeom>
+          <a:solidFill>
+            <a:srgbClr val="CCF0CD">
+              <a:alpha val="20000"/>
+            </a:srgbClr>
+          </a:solidFill>
+          <a:ln>
+            <a:solidFill>
+              <a:schemeClr val="accent1">
+                <a:lumMod val="50000"/>
+              </a:schemeClr>
+            </a:solidFill>
+          </a:ln>
+        </p:spPr>
+        <p:style>
+          <a:lnRef idx="2">
+            <a:schemeClr val="accent1">
+              <a:shade val="50000"/>
+            </a:schemeClr>
+          </a:lnRef>
+          <a:fillRef idx="1">
+            <a:schemeClr val="accent1"/>
+          </a:fillRef>
+          <a:effectRef idx="0">
+            <a:schemeClr val="accent1"/>
+          </a:effectRef>
+          <a:fontRef idx="minor">
+            <a:schemeClr val="lt1"/>
+          </a:fontRef>
+        </p:style>
+        <p:txBody>
+          <a:bodyPr wrap="square" lIns="0" rIns="0" rtlCol="0" anchor="ctr"/>
+          <a:lstStyle/>
+          <a:p>
+            <a:pPr algn="ctr"/>
+            <a:r>
+              <a:rPr lang="en-AU" sz="2000" dirty="0">
+                <a:solidFill>
+                  <a:schemeClr val="tx1"/>
+                </a:solidFill>
+              </a:rPr>
+              <a:t>Story Points</a:t>
+            </a:r>
+          </a:p>
+        </p:txBody>
+      </p:sp>
+      <p:sp>
+        <p:nvSpPr>
+          <p:cNvPr id="12" name="Rectangle 11"/>
+          <p:cNvSpPr/>
+          <p:nvPr/>
+        </p:nvSpPr>
+        <p:spPr>
+          <a:xfrm>
+            <a:off x="8283153" y="109410"/>
+            <a:ext cx="792000" cy="540000"/>
+          </a:xfrm>
+          <a:prstGeom prst="rect">
+            <a:avLst/>
+          </a:prstGeom>
+          <a:solidFill>
+            <a:schemeClr val="accent4">
+              <a:lumMod val="20000"/>
+              <a:lumOff val="80000"/>
+            </a:schemeClr>
+          </a:solidFill>
+          <a:ln>
+            <a:solidFill>
+              <a:schemeClr val="accent1">
+                <a:lumMod val="50000"/>
+              </a:schemeClr>
+            </a:solidFill>
+          </a:ln>
+        </p:spPr>
+        <p:style>
+          <a:lnRef idx="2">
+            <a:schemeClr val="accent1">
+              <a:shade val="50000"/>
+            </a:schemeClr>
+          </a:lnRef>
+          <a:fillRef idx="1">
+            <a:schemeClr val="accent1"/>
+          </a:fillRef>
+          <a:effectRef idx="0">
+            <a:schemeClr val="accent1"/>
+          </a:effectRef>
+          <a:fontRef idx="minor">
+            <a:schemeClr val="lt1"/>
+          </a:fontRef>
+        </p:style>
+        <p:txBody>
+          <a:bodyPr wrap="none" lIns="0" rIns="0" rtlCol="0" anchor="ctr"/>
+          <a:lstStyle/>
+          <a:p>
+            <a:pPr algn="ctr"/>
+            <a:r>
+              <a:rPr lang="en-AU" sz="2000" dirty="0">
+                <a:solidFill>
+                  <a:schemeClr val="tx1"/>
+                </a:solidFill>
+              </a:rPr>
+              <a:t>HIGH</a:t>
+            </a:r>
+          </a:p>
+        </p:txBody>
+      </p:sp>
+      <p:sp>
+        <p:nvSpPr>
+          <p:cNvPr id="13" name="Rectangle 12"/>
+          <p:cNvSpPr/>
+          <p:nvPr/>
+        </p:nvSpPr>
+        <p:spPr>
+          <a:xfrm>
+            <a:off x="39153" y="5128590"/>
+            <a:ext cx="9828000" cy="1620000"/>
+          </a:xfrm>
+          <a:prstGeom prst="rect">
+            <a:avLst/>
+          </a:prstGeom>
+          <a:solidFill>
+            <a:schemeClr val="bg1"/>
+          </a:solidFill>
+          <a:ln>
+            <a:solidFill>
+              <a:schemeClr val="accent1">
+                <a:lumMod val="50000"/>
+              </a:schemeClr>
+            </a:solidFill>
+          </a:ln>
+        </p:spPr>
+        <p:style>
+          <a:lnRef idx="2">
+            <a:schemeClr val="accent1">
+              <a:shade val="50000"/>
+            </a:schemeClr>
+          </a:lnRef>
+          <a:fillRef idx="1">
+            <a:schemeClr val="accent1"/>
+          </a:fillRef>
+          <a:effectRef idx="0">
+            <a:schemeClr val="accent1"/>
+          </a:effectRef>
+          <a:fontRef idx="minor">
+            <a:schemeClr val="lt1"/>
+          </a:fontRef>
+        </p:style>
+        <p:txBody>
+          <a:bodyPr tIns="36000" rtlCol="0" anchor="t" anchorCtr="0"/>
+          <a:lstStyle/>
+          <a:p>
+            <a:r>
+              <a:rPr lang="en-AU" sz="2000" dirty="0">
+                <a:solidFill>
+                  <a:schemeClr val="tx1"/>
+                </a:solidFill>
+              </a:rPr>
+              <a:t>Notes</a:t>
+            </a:r>
+          </a:p>
+          <a:p>
+            <a:pPr marL="179388" indent="-179388">
+              <a:buFont typeface="Arial" pitchFamily="34" charset="0"/>
+              <a:buChar char="•"/>
+            </a:pPr>
+            <a:r>
+              <a:rPr lang="en-AU" sz="2000" dirty="0">
+                <a:solidFill>
+                  <a:schemeClr val="tx1"/>
+                </a:solidFill>
+              </a:rPr>
+              <a:t> </a:t>
+            </a:r>
+            <a:r>
+              <a:rPr lang="en-AU" sz="2000" dirty="0" smtClean="0">
+                <a:solidFill>
+                  <a:schemeClr val="tx1"/>
+                </a:solidFill>
+              </a:rPr>
+              <a:t>Similar to 8a, just needs differing access levels &amp; anyone can add themselves.</a:t>
+            </a:r>
+            <a:endParaRPr lang="en-AU" sz="2000" dirty="0">
+              <a:solidFill>
+                <a:schemeClr val="tx1"/>
+              </a:solidFill>
+            </a:endParaRPr>
+          </a:p>
+        </p:txBody>
+      </p:sp>
+    </p:spTree>
+    <p:extLst>
+      <p:ext uri="{BB962C8B-B14F-4D97-AF65-F5344CB8AC3E}">
+        <p14:creationId xmlns:p14="http://schemas.microsoft.com/office/powerpoint/2010/main" val="1423214942"/>
+      </p:ext>
+    </p:extLst>
+  </p:cSld>
+  <p:clrMapOvr>
+    <a:masterClrMapping/>
+  </p:clrMapOvr>
+</p:sld>
+</file>
+
+<file path=ppt/slides/slide11.xml><?xml version="1.0" encoding="utf-8"?>
+<p:sld xmlns:a="http://schemas.openxmlformats.org/drawingml/2006/main" xmlns:r="http://schemas.openxmlformats.org/officeDocument/2006/relationships" xmlns:p="http://schemas.openxmlformats.org/presentationml/2006/main">
+  <p:cSld>
+    <p:spTree>
+      <p:nvGrpSpPr>
+        <p:cNvPr id="1" name=""/>
+        <p:cNvGrpSpPr/>
+        <p:nvPr/>
+      </p:nvGrpSpPr>
+      <p:grpSpPr>
+        <a:xfrm>
+          <a:off x="0" y="0"/>
+          <a:ext cx="0" cy="0"/>
+          <a:chOff x="0" y="0"/>
+          <a:chExt cx="0" cy="0"/>
+        </a:xfrm>
+      </p:grpSpPr>
+      <p:sp>
+        <p:nvSpPr>
+          <p:cNvPr id="4" name="Rectangle 3"/>
+          <p:cNvSpPr/>
+          <p:nvPr/>
+        </p:nvSpPr>
+        <p:spPr>
+          <a:xfrm>
+            <a:off x="39153" y="109410"/>
+            <a:ext cx="720000" cy="540000"/>
+          </a:xfrm>
+          <a:prstGeom prst="rect">
+            <a:avLst/>
+          </a:prstGeom>
+          <a:solidFill>
+            <a:schemeClr val="accent1">
+              <a:lumMod val="40000"/>
+              <a:lumOff val="60000"/>
+            </a:schemeClr>
+          </a:solidFill>
+          <a:ln>
+            <a:solidFill>
+              <a:schemeClr val="accent1">
+                <a:lumMod val="50000"/>
+              </a:schemeClr>
+            </a:solidFill>
+          </a:ln>
+        </p:spPr>
+        <p:style>
+          <a:lnRef idx="2">
+            <a:schemeClr val="accent1">
+              <a:shade val="50000"/>
+            </a:schemeClr>
+          </a:lnRef>
+          <a:fillRef idx="1">
+            <a:schemeClr val="accent1"/>
+          </a:fillRef>
+          <a:effectRef idx="0">
+            <a:schemeClr val="accent1"/>
+          </a:effectRef>
+          <a:fontRef idx="minor">
+            <a:schemeClr val="lt1"/>
+          </a:fontRef>
+        </p:style>
+        <p:txBody>
+          <a:bodyPr wrap="square" lIns="0" rIns="0" rtlCol="0" anchor="ctr"/>
+          <a:lstStyle/>
+          <a:p>
+            <a:pPr algn="ctr"/>
+            <a:r>
+              <a:rPr lang="en-US" sz="2000" dirty="0" smtClean="0">
+                <a:solidFill>
+                  <a:schemeClr val="tx1"/>
+                </a:solidFill>
+              </a:rPr>
+              <a:t>8a</a:t>
+            </a:r>
+            <a:endParaRPr lang="en-AU" sz="2000" dirty="0">
+              <a:solidFill>
+                <a:schemeClr val="tx1"/>
+              </a:solidFill>
+            </a:endParaRPr>
+          </a:p>
+        </p:txBody>
+      </p:sp>
+      <p:sp>
+        <p:nvSpPr>
+          <p:cNvPr id="6" name="Rectangle 5"/>
+          <p:cNvSpPr/>
+          <p:nvPr/>
+        </p:nvSpPr>
+        <p:spPr>
+          <a:xfrm>
+            <a:off x="831153" y="109410"/>
+            <a:ext cx="7380000" cy="540000"/>
+          </a:xfrm>
+          <a:prstGeom prst="rect">
+            <a:avLst/>
+          </a:prstGeom>
+          <a:ln>
+            <a:solidFill>
+              <a:schemeClr val="accent1">
+                <a:lumMod val="50000"/>
+              </a:schemeClr>
+            </a:solidFill>
+          </a:ln>
+        </p:spPr>
+        <p:style>
+          <a:lnRef idx="2">
+            <a:schemeClr val="accent1">
+              <a:shade val="50000"/>
+            </a:schemeClr>
+          </a:lnRef>
+          <a:fillRef idx="1">
+            <a:schemeClr val="accent1"/>
+          </a:fillRef>
+          <a:effectRef idx="0">
+            <a:schemeClr val="accent1"/>
+          </a:effectRef>
+          <a:fontRef idx="minor">
+            <a:schemeClr val="lt1"/>
+          </a:fontRef>
+        </p:style>
+        <p:txBody>
+          <a:bodyPr rtlCol="0" anchor="ctr"/>
+          <a:lstStyle/>
+          <a:p>
+            <a:pPr algn="ctr"/>
+            <a:r>
+              <a:rPr lang="en-AU" sz="2800" dirty="0" smtClean="0"/>
+              <a:t>Staff Sign-up</a:t>
+            </a:r>
+            <a:endParaRPr lang="en-AU" sz="2800" dirty="0"/>
+          </a:p>
+        </p:txBody>
+      </p:sp>
+      <p:sp>
+        <p:nvSpPr>
+          <p:cNvPr id="7" name="Rectangle 6"/>
+          <p:cNvSpPr/>
+          <p:nvPr/>
+        </p:nvSpPr>
+        <p:spPr>
+          <a:xfrm>
+            <a:off x="0" y="822470"/>
+            <a:ext cx="9828000" cy="2340000"/>
+          </a:xfrm>
+          <a:prstGeom prst="rect">
+            <a:avLst/>
+          </a:prstGeom>
+          <a:solidFill>
+            <a:schemeClr val="tx2">
+              <a:lumMod val="20000"/>
+              <a:lumOff val="80000"/>
+            </a:schemeClr>
+          </a:solidFill>
+          <a:ln>
+            <a:solidFill>
+              <a:schemeClr val="accent1">
+                <a:lumMod val="50000"/>
+              </a:schemeClr>
+            </a:solidFill>
+          </a:ln>
+        </p:spPr>
+        <p:style>
+          <a:lnRef idx="2">
+            <a:schemeClr val="accent1">
+              <a:shade val="50000"/>
+            </a:schemeClr>
+          </a:lnRef>
+          <a:fillRef idx="1">
+            <a:schemeClr val="accent1"/>
+          </a:fillRef>
+          <a:effectRef idx="0">
+            <a:schemeClr val="accent1"/>
+          </a:effectRef>
+          <a:fontRef idx="minor">
+            <a:schemeClr val="lt1"/>
+          </a:fontRef>
+        </p:style>
+        <p:txBody>
+          <a:bodyPr rtlCol="0" anchor="t" anchorCtr="0"/>
+          <a:lstStyle/>
+          <a:p>
+            <a:r>
+              <a:rPr lang="en-US" sz="2400" dirty="0">
+                <a:solidFill>
+                  <a:schemeClr val="tx1"/>
+                </a:solidFill>
+              </a:rPr>
+              <a:t>As a staff member, I want to be able to sign up to the website, so that I can view the prospective tenants details.</a:t>
+            </a:r>
+            <a:endParaRPr lang="en-AU" sz="2400" dirty="0">
+              <a:solidFill>
+                <a:schemeClr val="tx1"/>
+              </a:solidFill>
+            </a:endParaRPr>
+          </a:p>
+        </p:txBody>
+      </p:sp>
+      <p:sp>
+        <p:nvSpPr>
+          <p:cNvPr id="8" name="Rectangle 7"/>
+          <p:cNvSpPr/>
+          <p:nvPr/>
+        </p:nvSpPr>
+        <p:spPr>
+          <a:xfrm>
+            <a:off x="39153" y="3335530"/>
+            <a:ext cx="9828000" cy="1620000"/>
+          </a:xfrm>
+          <a:prstGeom prst="rect">
+            <a:avLst/>
+          </a:prstGeom>
+          <a:solidFill>
+            <a:schemeClr val="accent1">
+              <a:lumMod val="20000"/>
+              <a:lumOff val="80000"/>
+            </a:schemeClr>
+          </a:solidFill>
+          <a:ln>
+            <a:solidFill>
+              <a:schemeClr val="accent1">
+                <a:lumMod val="50000"/>
+              </a:schemeClr>
+            </a:solidFill>
+          </a:ln>
+        </p:spPr>
+        <p:style>
+          <a:lnRef idx="2">
+            <a:schemeClr val="accent1">
+              <a:shade val="50000"/>
+            </a:schemeClr>
+          </a:lnRef>
+          <a:fillRef idx="1">
+            <a:schemeClr val="accent1"/>
+          </a:fillRef>
+          <a:effectRef idx="0">
+            <a:schemeClr val="accent1"/>
+          </a:effectRef>
+          <a:fontRef idx="minor">
+            <a:schemeClr val="lt1"/>
+          </a:fontRef>
+        </p:style>
+        <p:txBody>
+          <a:bodyPr tIns="36000" rtlCol="0" anchor="t" anchorCtr="0"/>
+          <a:lstStyle/>
+          <a:p>
+            <a:r>
+              <a:rPr lang="en-AU" sz="2000" dirty="0">
+                <a:solidFill>
+                  <a:schemeClr val="tx1"/>
+                </a:solidFill>
+              </a:rPr>
+              <a:t>Acceptance Criteria</a:t>
+            </a:r>
+          </a:p>
+          <a:p>
+            <a:pPr marL="179388" indent="-179388">
+              <a:buFont typeface="Arial" pitchFamily="34" charset="0"/>
+              <a:buChar char="•"/>
+            </a:pPr>
+            <a:r>
+              <a:rPr lang="en-AU" sz="2000" dirty="0" smtClean="0">
+                <a:solidFill>
+                  <a:schemeClr val="tx1"/>
+                </a:solidFill>
+              </a:rPr>
+              <a:t>Is David able to add staff?</a:t>
+            </a:r>
+            <a:endParaRPr lang="en-AU" sz="2000" dirty="0">
+              <a:solidFill>
+                <a:schemeClr val="tx1"/>
+              </a:solidFill>
+            </a:endParaRPr>
+          </a:p>
+          <a:p>
+            <a:pPr marL="179388" indent="-179388">
+              <a:buFont typeface="Arial" pitchFamily="34" charset="0"/>
+              <a:buChar char="•"/>
+            </a:pPr>
+            <a:r>
+              <a:rPr lang="en-US" sz="2000" dirty="0" smtClean="0">
+                <a:solidFill>
+                  <a:schemeClr val="tx1"/>
+                </a:solidFill>
+              </a:rPr>
+              <a:t>Are the details saved correctly?</a:t>
+            </a:r>
+            <a:endParaRPr lang="en-US" sz="2000" dirty="0">
+              <a:solidFill>
+                <a:schemeClr val="tx1"/>
+              </a:solidFill>
+            </a:endParaRPr>
+          </a:p>
+          <a:p>
+            <a:pPr marL="179388" indent="-179388">
+              <a:buFont typeface="Arial" pitchFamily="34" charset="0"/>
+              <a:buChar char="•"/>
+            </a:pPr>
+            <a:r>
+              <a:rPr lang="en-US" sz="2000" dirty="0" smtClean="0">
+                <a:solidFill>
+                  <a:schemeClr val="tx1"/>
+                </a:solidFill>
+              </a:rPr>
+              <a:t>Does the staff member have access to the relevant details?</a:t>
+            </a:r>
+            <a:endParaRPr lang="en-AU" sz="2000" dirty="0">
+              <a:solidFill>
+                <a:schemeClr val="tx1"/>
+              </a:solidFill>
+            </a:endParaRPr>
+          </a:p>
+        </p:txBody>
+      </p:sp>
+      <p:sp>
+        <p:nvSpPr>
+          <p:cNvPr id="11" name="Rectangle 10"/>
+          <p:cNvSpPr/>
+          <p:nvPr/>
+        </p:nvSpPr>
+        <p:spPr>
+          <a:xfrm>
+            <a:off x="9147153" y="109410"/>
+            <a:ext cx="720000" cy="540000"/>
+          </a:xfrm>
+          <a:prstGeom prst="rect">
+            <a:avLst/>
+          </a:prstGeom>
+          <a:solidFill>
+            <a:srgbClr val="CCF0CD">
+              <a:alpha val="20000"/>
+            </a:srgbClr>
+          </a:solidFill>
+          <a:ln>
+            <a:solidFill>
+              <a:schemeClr val="accent1">
+                <a:lumMod val="50000"/>
+              </a:schemeClr>
+            </a:solidFill>
+          </a:ln>
+        </p:spPr>
+        <p:style>
+          <a:lnRef idx="2">
+            <a:schemeClr val="accent1">
+              <a:shade val="50000"/>
+            </a:schemeClr>
+          </a:lnRef>
+          <a:fillRef idx="1">
+            <a:schemeClr val="accent1"/>
+          </a:fillRef>
+          <a:effectRef idx="0">
+            <a:schemeClr val="accent1"/>
+          </a:effectRef>
+          <a:fontRef idx="minor">
+            <a:schemeClr val="lt1"/>
+          </a:fontRef>
+        </p:style>
+        <p:txBody>
+          <a:bodyPr wrap="square" lIns="0" rIns="0" rtlCol="0" anchor="ctr"/>
+          <a:lstStyle/>
+          <a:p>
+            <a:pPr algn="ctr"/>
+            <a:r>
+              <a:rPr lang="en-AU" sz="2000" dirty="0">
+                <a:solidFill>
+                  <a:schemeClr val="tx1"/>
+                </a:solidFill>
+              </a:rPr>
+              <a:t>Story Points</a:t>
+            </a:r>
+          </a:p>
+        </p:txBody>
+      </p:sp>
+      <p:sp>
+        <p:nvSpPr>
+          <p:cNvPr id="12" name="Rectangle 11"/>
+          <p:cNvSpPr/>
+          <p:nvPr/>
+        </p:nvSpPr>
+        <p:spPr>
+          <a:xfrm>
+            <a:off x="8283153" y="109410"/>
+            <a:ext cx="792000" cy="540000"/>
+          </a:xfrm>
+          <a:prstGeom prst="rect">
+            <a:avLst/>
+          </a:prstGeom>
+          <a:solidFill>
+            <a:schemeClr val="accent4">
+              <a:lumMod val="20000"/>
+              <a:lumOff val="80000"/>
+            </a:schemeClr>
+          </a:solidFill>
+          <a:ln>
+            <a:solidFill>
+              <a:schemeClr val="accent1">
+                <a:lumMod val="50000"/>
+              </a:schemeClr>
+            </a:solidFill>
+          </a:ln>
+        </p:spPr>
+        <p:style>
+          <a:lnRef idx="2">
+            <a:schemeClr val="accent1">
+              <a:shade val="50000"/>
+            </a:schemeClr>
+          </a:lnRef>
+          <a:fillRef idx="1">
+            <a:schemeClr val="accent1"/>
+          </a:fillRef>
+          <a:effectRef idx="0">
+            <a:schemeClr val="accent1"/>
+          </a:effectRef>
+          <a:fontRef idx="minor">
+            <a:schemeClr val="lt1"/>
+          </a:fontRef>
+        </p:style>
+        <p:txBody>
+          <a:bodyPr wrap="none" lIns="0" rIns="0" rtlCol="0" anchor="ctr"/>
+          <a:lstStyle/>
+          <a:p>
+            <a:pPr algn="ctr"/>
+            <a:r>
+              <a:rPr lang="en-AU" sz="2000" dirty="0">
+                <a:solidFill>
+                  <a:schemeClr val="tx1"/>
+                </a:solidFill>
+              </a:rPr>
+              <a:t>HIGH</a:t>
+            </a:r>
+          </a:p>
+        </p:txBody>
+      </p:sp>
+      <p:sp>
+        <p:nvSpPr>
+          <p:cNvPr id="13" name="Rectangle 12"/>
+          <p:cNvSpPr/>
+          <p:nvPr/>
+        </p:nvSpPr>
+        <p:spPr>
+          <a:xfrm>
+            <a:off x="39153" y="5128590"/>
+            <a:ext cx="9828000" cy="1620000"/>
+          </a:xfrm>
+          <a:prstGeom prst="rect">
+            <a:avLst/>
+          </a:prstGeom>
+          <a:solidFill>
+            <a:schemeClr val="bg1"/>
+          </a:solidFill>
+          <a:ln>
+            <a:solidFill>
+              <a:schemeClr val="accent1">
+                <a:lumMod val="50000"/>
+              </a:schemeClr>
+            </a:solidFill>
+          </a:ln>
+        </p:spPr>
+        <p:style>
+          <a:lnRef idx="2">
+            <a:schemeClr val="accent1">
+              <a:shade val="50000"/>
+            </a:schemeClr>
+          </a:lnRef>
+          <a:fillRef idx="1">
+            <a:schemeClr val="accent1"/>
+          </a:fillRef>
+          <a:effectRef idx="0">
+            <a:schemeClr val="accent1"/>
+          </a:effectRef>
+          <a:fontRef idx="minor">
+            <a:schemeClr val="lt1"/>
+          </a:fontRef>
+        </p:style>
+        <p:txBody>
+          <a:bodyPr tIns="36000" rtlCol="0" anchor="t" anchorCtr="0"/>
+          <a:lstStyle/>
+          <a:p>
+            <a:r>
+              <a:rPr lang="en-AU" sz="2000" dirty="0">
+                <a:solidFill>
+                  <a:schemeClr val="tx1"/>
+                </a:solidFill>
+              </a:rPr>
+              <a:t>Notes</a:t>
+            </a:r>
+          </a:p>
+          <a:p>
+            <a:pPr marL="179388" indent="-179388">
+              <a:buFont typeface="Arial" pitchFamily="34" charset="0"/>
+              <a:buChar char="•"/>
+            </a:pPr>
+            <a:r>
+              <a:rPr lang="en-AU" sz="2000" dirty="0">
+                <a:solidFill>
+                  <a:schemeClr val="tx1"/>
+                </a:solidFill>
+              </a:rPr>
+              <a:t> </a:t>
+            </a:r>
+            <a:r>
+              <a:rPr lang="en-AU" sz="2000" dirty="0">
+                <a:solidFill>
+                  <a:schemeClr val="tx1"/>
+                </a:solidFill>
+              </a:rPr>
+              <a:t>Similar to </a:t>
+            </a:r>
+            <a:r>
+              <a:rPr lang="en-AU" sz="2000" dirty="0" smtClean="0">
+                <a:solidFill>
+                  <a:schemeClr val="tx1"/>
+                </a:solidFill>
+              </a:rPr>
+              <a:t>8, </a:t>
+            </a:r>
+            <a:r>
+              <a:rPr lang="en-AU" sz="2000" dirty="0">
+                <a:solidFill>
+                  <a:schemeClr val="tx1"/>
+                </a:solidFill>
+              </a:rPr>
+              <a:t>just needs differing access </a:t>
+            </a:r>
+            <a:r>
+              <a:rPr lang="en-AU" sz="2000" dirty="0" smtClean="0">
+                <a:solidFill>
+                  <a:schemeClr val="tx1"/>
+                </a:solidFill>
+              </a:rPr>
+              <a:t>levels &amp; only David can add.</a:t>
+            </a:r>
+            <a:endParaRPr lang="en-AU" sz="2000" dirty="0">
+              <a:solidFill>
+                <a:schemeClr val="tx1"/>
+              </a:solidFill>
+            </a:endParaRPr>
+          </a:p>
+          <a:p>
+            <a:endParaRPr lang="en-AU" sz="2000" dirty="0">
+              <a:solidFill>
+                <a:schemeClr val="tx1"/>
+              </a:solidFill>
+            </a:endParaRPr>
+          </a:p>
+        </p:txBody>
+      </p:sp>
+    </p:spTree>
+    <p:extLst>
+      <p:ext uri="{BB962C8B-B14F-4D97-AF65-F5344CB8AC3E}">
+        <p14:creationId xmlns:p14="http://schemas.microsoft.com/office/powerpoint/2010/main" val="798035874"/>
+      </p:ext>
+    </p:extLst>
+  </p:cSld>
+  <p:clrMapOvr>
+    <a:masterClrMapping/>
+  </p:clrMapOvr>
+</p:sld>
+</file>
+
 <file path=ppt/slides/slide2.xml><?xml version="1.0" encoding="utf-8"?>
 <p:sld xmlns:a="http://schemas.openxmlformats.org/drawingml/2006/main" xmlns:r="http://schemas.openxmlformats.org/officeDocument/2006/relationships" xmlns:p="http://schemas.openxmlformats.org/presentationml/2006/main">
   <p:cSld>
@@ -6308,6 +7421,1055 @@
     <p:extLst>
       <p:ext uri="{BB962C8B-B14F-4D97-AF65-F5344CB8AC3E}">
         <p14:creationId xmlns:p14="http://schemas.microsoft.com/office/powerpoint/2010/main" val="2091013506"/>
+      </p:ext>
+    </p:extLst>
+  </p:cSld>
+  <p:clrMapOvr>
+    <a:masterClrMapping/>
+  </p:clrMapOvr>
+</p:sld>
+</file>
+
+<file path=ppt/slides/slide8.xml><?xml version="1.0" encoding="utf-8"?>
+<p:sld xmlns:a="http://schemas.openxmlformats.org/drawingml/2006/main" xmlns:r="http://schemas.openxmlformats.org/officeDocument/2006/relationships" xmlns:p="http://schemas.openxmlformats.org/presentationml/2006/main">
+  <p:cSld>
+    <p:spTree>
+      <p:nvGrpSpPr>
+        <p:cNvPr id="1" name=""/>
+        <p:cNvGrpSpPr/>
+        <p:nvPr/>
+      </p:nvGrpSpPr>
+      <p:grpSpPr>
+        <a:xfrm>
+          <a:off x="0" y="0"/>
+          <a:ext cx="0" cy="0"/>
+          <a:chOff x="0" y="0"/>
+          <a:chExt cx="0" cy="0"/>
+        </a:xfrm>
+      </p:grpSpPr>
+      <p:sp>
+        <p:nvSpPr>
+          <p:cNvPr id="4" name="Rectangle 3"/>
+          <p:cNvSpPr/>
+          <p:nvPr/>
+        </p:nvSpPr>
+        <p:spPr>
+          <a:xfrm>
+            <a:off x="39153" y="109410"/>
+            <a:ext cx="720000" cy="540000"/>
+          </a:xfrm>
+          <a:prstGeom prst="rect">
+            <a:avLst/>
+          </a:prstGeom>
+          <a:solidFill>
+            <a:schemeClr val="accent1">
+              <a:lumMod val="40000"/>
+              <a:lumOff val="60000"/>
+            </a:schemeClr>
+          </a:solidFill>
+          <a:ln>
+            <a:solidFill>
+              <a:schemeClr val="accent1">
+                <a:lumMod val="50000"/>
+              </a:schemeClr>
+            </a:solidFill>
+          </a:ln>
+        </p:spPr>
+        <p:style>
+          <a:lnRef idx="2">
+            <a:schemeClr val="accent1">
+              <a:shade val="50000"/>
+            </a:schemeClr>
+          </a:lnRef>
+          <a:fillRef idx="1">
+            <a:schemeClr val="accent1"/>
+          </a:fillRef>
+          <a:effectRef idx="0">
+            <a:schemeClr val="accent1"/>
+          </a:effectRef>
+          <a:fontRef idx="minor">
+            <a:schemeClr val="lt1"/>
+          </a:fontRef>
+        </p:style>
+        <p:txBody>
+          <a:bodyPr wrap="square" lIns="0" rIns="0" rtlCol="0" anchor="ctr"/>
+          <a:lstStyle/>
+          <a:p>
+            <a:pPr algn="ctr"/>
+            <a:r>
+              <a:rPr lang="en-US" sz="2000" dirty="0">
+                <a:solidFill>
+                  <a:schemeClr val="tx1"/>
+                </a:solidFill>
+              </a:rPr>
+              <a:t>6</a:t>
+            </a:r>
+            <a:endParaRPr lang="en-AU" sz="2000" dirty="0">
+              <a:solidFill>
+                <a:schemeClr val="tx1"/>
+              </a:solidFill>
+            </a:endParaRPr>
+          </a:p>
+        </p:txBody>
+      </p:sp>
+      <p:sp>
+        <p:nvSpPr>
+          <p:cNvPr id="6" name="Rectangle 5"/>
+          <p:cNvSpPr/>
+          <p:nvPr/>
+        </p:nvSpPr>
+        <p:spPr>
+          <a:xfrm>
+            <a:off x="831153" y="109410"/>
+            <a:ext cx="7380000" cy="540000"/>
+          </a:xfrm>
+          <a:prstGeom prst="rect">
+            <a:avLst/>
+          </a:prstGeom>
+          <a:ln>
+            <a:solidFill>
+              <a:schemeClr val="accent1">
+                <a:lumMod val="50000"/>
+              </a:schemeClr>
+            </a:solidFill>
+          </a:ln>
+        </p:spPr>
+        <p:style>
+          <a:lnRef idx="2">
+            <a:schemeClr val="accent1">
+              <a:shade val="50000"/>
+            </a:schemeClr>
+          </a:lnRef>
+          <a:fillRef idx="1">
+            <a:schemeClr val="accent1"/>
+          </a:fillRef>
+          <a:effectRef idx="0">
+            <a:schemeClr val="accent1"/>
+          </a:effectRef>
+          <a:fontRef idx="minor">
+            <a:schemeClr val="lt1"/>
+          </a:fontRef>
+        </p:style>
+        <p:txBody>
+          <a:bodyPr rtlCol="0" anchor="ctr"/>
+          <a:lstStyle/>
+          <a:p>
+            <a:pPr algn="ctr"/>
+            <a:r>
+              <a:rPr lang="en-AU" sz="2800" dirty="0" smtClean="0"/>
+              <a:t>Property view calendar</a:t>
+            </a:r>
+            <a:endParaRPr lang="en-AU" sz="2800" dirty="0"/>
+          </a:p>
+        </p:txBody>
+      </p:sp>
+      <p:sp>
+        <p:nvSpPr>
+          <p:cNvPr id="7" name="Rectangle 6"/>
+          <p:cNvSpPr/>
+          <p:nvPr/>
+        </p:nvSpPr>
+        <p:spPr>
+          <a:xfrm>
+            <a:off x="39153" y="822470"/>
+            <a:ext cx="9828000" cy="2340000"/>
+          </a:xfrm>
+          <a:prstGeom prst="rect">
+            <a:avLst/>
+          </a:prstGeom>
+          <a:solidFill>
+            <a:schemeClr val="tx2">
+              <a:lumMod val="20000"/>
+              <a:lumOff val="80000"/>
+            </a:schemeClr>
+          </a:solidFill>
+          <a:ln>
+            <a:solidFill>
+              <a:schemeClr val="accent1">
+                <a:lumMod val="50000"/>
+              </a:schemeClr>
+            </a:solidFill>
+          </a:ln>
+        </p:spPr>
+        <p:style>
+          <a:lnRef idx="2">
+            <a:schemeClr val="accent1">
+              <a:shade val="50000"/>
+            </a:schemeClr>
+          </a:lnRef>
+          <a:fillRef idx="1">
+            <a:schemeClr val="accent1"/>
+          </a:fillRef>
+          <a:effectRef idx="0">
+            <a:schemeClr val="accent1"/>
+          </a:effectRef>
+          <a:fontRef idx="minor">
+            <a:schemeClr val="lt1"/>
+          </a:fontRef>
+        </p:style>
+        <p:txBody>
+          <a:bodyPr rtlCol="0" anchor="t" anchorCtr="0"/>
+          <a:lstStyle/>
+          <a:p>
+            <a:r>
+              <a:rPr lang="en-US" sz="2400" dirty="0">
+                <a:solidFill>
+                  <a:schemeClr val="tx1"/>
+                </a:solidFill>
+              </a:rPr>
+              <a:t>As a tenant, I want to </a:t>
+            </a:r>
+            <a:r>
+              <a:rPr lang="en-US" sz="2400" dirty="0" smtClean="0">
+                <a:solidFill>
+                  <a:schemeClr val="tx1"/>
+                </a:solidFill>
+              </a:rPr>
+              <a:t>be </a:t>
+            </a:r>
+            <a:r>
+              <a:rPr lang="en-US" sz="2400" dirty="0">
+                <a:solidFill>
+                  <a:schemeClr val="tx1"/>
+                </a:solidFill>
+              </a:rPr>
+              <a:t>able to view a calendar, so that I can see what inspection times are available.</a:t>
+            </a:r>
+            <a:endParaRPr lang="en-AU" sz="2400" dirty="0">
+              <a:solidFill>
+                <a:schemeClr val="tx1"/>
+              </a:solidFill>
+            </a:endParaRPr>
+          </a:p>
+        </p:txBody>
+      </p:sp>
+      <p:sp>
+        <p:nvSpPr>
+          <p:cNvPr id="8" name="Rectangle 7"/>
+          <p:cNvSpPr/>
+          <p:nvPr/>
+        </p:nvSpPr>
+        <p:spPr>
+          <a:xfrm>
+            <a:off x="39153" y="3335530"/>
+            <a:ext cx="9828000" cy="1620000"/>
+          </a:xfrm>
+          <a:prstGeom prst="rect">
+            <a:avLst/>
+          </a:prstGeom>
+          <a:solidFill>
+            <a:schemeClr val="accent1">
+              <a:lumMod val="20000"/>
+              <a:lumOff val="80000"/>
+            </a:schemeClr>
+          </a:solidFill>
+          <a:ln>
+            <a:solidFill>
+              <a:schemeClr val="accent1">
+                <a:lumMod val="50000"/>
+              </a:schemeClr>
+            </a:solidFill>
+          </a:ln>
+        </p:spPr>
+        <p:style>
+          <a:lnRef idx="2">
+            <a:schemeClr val="accent1">
+              <a:shade val="50000"/>
+            </a:schemeClr>
+          </a:lnRef>
+          <a:fillRef idx="1">
+            <a:schemeClr val="accent1"/>
+          </a:fillRef>
+          <a:effectRef idx="0">
+            <a:schemeClr val="accent1"/>
+          </a:effectRef>
+          <a:fontRef idx="minor">
+            <a:schemeClr val="lt1"/>
+          </a:fontRef>
+        </p:style>
+        <p:txBody>
+          <a:bodyPr tIns="36000" rtlCol="0" anchor="t" anchorCtr="0"/>
+          <a:lstStyle/>
+          <a:p>
+            <a:r>
+              <a:rPr lang="en-AU" sz="2000" dirty="0">
+                <a:solidFill>
+                  <a:schemeClr val="tx1"/>
+                </a:solidFill>
+              </a:rPr>
+              <a:t>Acceptance Criteria</a:t>
+            </a:r>
+          </a:p>
+          <a:p>
+            <a:pPr marL="179388" indent="-179388">
+              <a:buFont typeface="Arial" pitchFamily="34" charset="0"/>
+              <a:buChar char="•"/>
+            </a:pPr>
+            <a:r>
+              <a:rPr lang="en-US" sz="2000" dirty="0" smtClean="0">
+                <a:solidFill>
+                  <a:schemeClr val="tx1"/>
+                </a:solidFill>
+              </a:rPr>
+              <a:t>Can </a:t>
+            </a:r>
+            <a:r>
+              <a:rPr lang="en-US" sz="2000" dirty="0">
+                <a:solidFill>
+                  <a:schemeClr val="tx1"/>
+                </a:solidFill>
+              </a:rPr>
+              <a:t>website users easily </a:t>
+            </a:r>
+            <a:r>
+              <a:rPr lang="en-US" sz="2000" dirty="0" smtClean="0">
+                <a:solidFill>
+                  <a:schemeClr val="tx1"/>
+                </a:solidFill>
+              </a:rPr>
+              <a:t>launch a calendar with available viewing times listed?</a:t>
+            </a:r>
+          </a:p>
+          <a:p>
+            <a:pPr marL="179388" indent="-179388">
+              <a:buFont typeface="Arial" pitchFamily="34" charset="0"/>
+              <a:buChar char="•"/>
+            </a:pPr>
+            <a:r>
+              <a:rPr lang="en-US" sz="2000" dirty="0" smtClean="0">
+                <a:solidFill>
+                  <a:schemeClr val="tx1"/>
+                </a:solidFill>
+              </a:rPr>
+              <a:t>Is it clear which property the calendar is linked too?</a:t>
+            </a:r>
+          </a:p>
+          <a:p>
+            <a:pPr marL="179388" indent="-179388">
+              <a:buFont typeface="Arial" pitchFamily="34" charset="0"/>
+              <a:buChar char="•"/>
+            </a:pPr>
+            <a:r>
+              <a:rPr lang="en-US" sz="2000" dirty="0" smtClean="0">
+                <a:solidFill>
+                  <a:schemeClr val="tx1"/>
+                </a:solidFill>
+              </a:rPr>
+              <a:t>Is it clear which times are booked/still available?</a:t>
+            </a:r>
+            <a:endParaRPr lang="en-US" sz="2000" dirty="0">
+              <a:solidFill>
+                <a:schemeClr val="tx1"/>
+              </a:solidFill>
+            </a:endParaRPr>
+          </a:p>
+        </p:txBody>
+      </p:sp>
+      <p:sp>
+        <p:nvSpPr>
+          <p:cNvPr id="11" name="Rectangle 10"/>
+          <p:cNvSpPr/>
+          <p:nvPr/>
+        </p:nvSpPr>
+        <p:spPr>
+          <a:xfrm>
+            <a:off x="9147153" y="109410"/>
+            <a:ext cx="720000" cy="540000"/>
+          </a:xfrm>
+          <a:prstGeom prst="rect">
+            <a:avLst/>
+          </a:prstGeom>
+          <a:solidFill>
+            <a:srgbClr val="CCF0CD">
+              <a:alpha val="20000"/>
+            </a:srgbClr>
+          </a:solidFill>
+          <a:ln>
+            <a:solidFill>
+              <a:schemeClr val="accent1">
+                <a:lumMod val="50000"/>
+              </a:schemeClr>
+            </a:solidFill>
+          </a:ln>
+        </p:spPr>
+        <p:style>
+          <a:lnRef idx="2">
+            <a:schemeClr val="accent1">
+              <a:shade val="50000"/>
+            </a:schemeClr>
+          </a:lnRef>
+          <a:fillRef idx="1">
+            <a:schemeClr val="accent1"/>
+          </a:fillRef>
+          <a:effectRef idx="0">
+            <a:schemeClr val="accent1"/>
+          </a:effectRef>
+          <a:fontRef idx="minor">
+            <a:schemeClr val="lt1"/>
+          </a:fontRef>
+        </p:style>
+        <p:txBody>
+          <a:bodyPr wrap="square" lIns="0" rIns="0" rtlCol="0" anchor="ctr"/>
+          <a:lstStyle/>
+          <a:p>
+            <a:pPr algn="ctr"/>
+            <a:r>
+              <a:rPr lang="en-AU" sz="2000" dirty="0">
+                <a:solidFill>
+                  <a:schemeClr val="tx1"/>
+                </a:solidFill>
+              </a:rPr>
+              <a:t>Story Points</a:t>
+            </a:r>
+          </a:p>
+        </p:txBody>
+      </p:sp>
+      <p:sp>
+        <p:nvSpPr>
+          <p:cNvPr id="12" name="Rectangle 11"/>
+          <p:cNvSpPr/>
+          <p:nvPr/>
+        </p:nvSpPr>
+        <p:spPr>
+          <a:xfrm>
+            <a:off x="8283153" y="109410"/>
+            <a:ext cx="792000" cy="540000"/>
+          </a:xfrm>
+          <a:prstGeom prst="rect">
+            <a:avLst/>
+          </a:prstGeom>
+          <a:solidFill>
+            <a:schemeClr val="accent4">
+              <a:lumMod val="20000"/>
+              <a:lumOff val="80000"/>
+            </a:schemeClr>
+          </a:solidFill>
+          <a:ln>
+            <a:solidFill>
+              <a:schemeClr val="accent1">
+                <a:lumMod val="50000"/>
+              </a:schemeClr>
+            </a:solidFill>
+          </a:ln>
+        </p:spPr>
+        <p:style>
+          <a:lnRef idx="2">
+            <a:schemeClr val="accent1">
+              <a:shade val="50000"/>
+            </a:schemeClr>
+          </a:lnRef>
+          <a:fillRef idx="1">
+            <a:schemeClr val="accent1"/>
+          </a:fillRef>
+          <a:effectRef idx="0">
+            <a:schemeClr val="accent1"/>
+          </a:effectRef>
+          <a:fontRef idx="minor">
+            <a:schemeClr val="lt1"/>
+          </a:fontRef>
+        </p:style>
+        <p:txBody>
+          <a:bodyPr wrap="none" lIns="0" rIns="0" rtlCol="0" anchor="ctr"/>
+          <a:lstStyle/>
+          <a:p>
+            <a:pPr algn="ctr"/>
+            <a:r>
+              <a:rPr lang="en-AU" sz="2000" dirty="0" smtClean="0">
+                <a:solidFill>
+                  <a:schemeClr val="tx1"/>
+                </a:solidFill>
+              </a:rPr>
+              <a:t>medium</a:t>
+            </a:r>
+            <a:endParaRPr lang="en-AU" sz="2000" dirty="0">
+              <a:solidFill>
+                <a:schemeClr val="tx1"/>
+              </a:solidFill>
+            </a:endParaRPr>
+          </a:p>
+        </p:txBody>
+      </p:sp>
+      <p:sp>
+        <p:nvSpPr>
+          <p:cNvPr id="13" name="Rectangle 12"/>
+          <p:cNvSpPr/>
+          <p:nvPr/>
+        </p:nvSpPr>
+        <p:spPr>
+          <a:xfrm>
+            <a:off x="39153" y="5128590"/>
+            <a:ext cx="9828000" cy="1620000"/>
+          </a:xfrm>
+          <a:prstGeom prst="rect">
+            <a:avLst/>
+          </a:prstGeom>
+          <a:solidFill>
+            <a:schemeClr val="bg1"/>
+          </a:solidFill>
+          <a:ln>
+            <a:solidFill>
+              <a:schemeClr val="accent1">
+                <a:lumMod val="50000"/>
+              </a:schemeClr>
+            </a:solidFill>
+          </a:ln>
+        </p:spPr>
+        <p:style>
+          <a:lnRef idx="2">
+            <a:schemeClr val="accent1">
+              <a:shade val="50000"/>
+            </a:schemeClr>
+          </a:lnRef>
+          <a:fillRef idx="1">
+            <a:schemeClr val="accent1"/>
+          </a:fillRef>
+          <a:effectRef idx="0">
+            <a:schemeClr val="accent1"/>
+          </a:effectRef>
+          <a:fontRef idx="minor">
+            <a:schemeClr val="lt1"/>
+          </a:fontRef>
+        </p:style>
+        <p:txBody>
+          <a:bodyPr tIns="36000" rtlCol="0" anchor="t" anchorCtr="0"/>
+          <a:lstStyle/>
+          <a:p>
+            <a:r>
+              <a:rPr lang="en-AU" sz="2000" dirty="0">
+                <a:solidFill>
+                  <a:schemeClr val="tx1"/>
+                </a:solidFill>
+              </a:rPr>
+              <a:t>Notes</a:t>
+            </a:r>
+          </a:p>
+          <a:p>
+            <a:endParaRPr lang="en-AU" sz="2000" dirty="0">
+              <a:solidFill>
+                <a:schemeClr val="tx1"/>
+              </a:solidFill>
+            </a:endParaRPr>
+          </a:p>
+        </p:txBody>
+      </p:sp>
+    </p:spTree>
+    <p:extLst>
+      <p:ext uri="{BB962C8B-B14F-4D97-AF65-F5344CB8AC3E}">
+        <p14:creationId xmlns:p14="http://schemas.microsoft.com/office/powerpoint/2010/main" val="725944230"/>
+      </p:ext>
+    </p:extLst>
+  </p:cSld>
+  <p:clrMapOvr>
+    <a:masterClrMapping/>
+  </p:clrMapOvr>
+</p:sld>
+</file>
+
+<file path=ppt/slides/slide9.xml><?xml version="1.0" encoding="utf-8"?>
+<p:sld xmlns:a="http://schemas.openxmlformats.org/drawingml/2006/main" xmlns:r="http://schemas.openxmlformats.org/officeDocument/2006/relationships" xmlns:p="http://schemas.openxmlformats.org/presentationml/2006/main">
+  <p:cSld>
+    <p:spTree>
+      <p:nvGrpSpPr>
+        <p:cNvPr id="1" name=""/>
+        <p:cNvGrpSpPr/>
+        <p:nvPr/>
+      </p:nvGrpSpPr>
+      <p:grpSpPr>
+        <a:xfrm>
+          <a:off x="0" y="0"/>
+          <a:ext cx="0" cy="0"/>
+          <a:chOff x="0" y="0"/>
+          <a:chExt cx="0" cy="0"/>
+        </a:xfrm>
+      </p:grpSpPr>
+      <p:sp>
+        <p:nvSpPr>
+          <p:cNvPr id="4" name="Rectangle 3"/>
+          <p:cNvSpPr/>
+          <p:nvPr/>
+        </p:nvSpPr>
+        <p:spPr>
+          <a:xfrm>
+            <a:off x="39153" y="109410"/>
+            <a:ext cx="720000" cy="540000"/>
+          </a:xfrm>
+          <a:prstGeom prst="rect">
+            <a:avLst/>
+          </a:prstGeom>
+          <a:solidFill>
+            <a:schemeClr val="accent1">
+              <a:lumMod val="40000"/>
+              <a:lumOff val="60000"/>
+            </a:schemeClr>
+          </a:solidFill>
+          <a:ln>
+            <a:solidFill>
+              <a:schemeClr val="accent1">
+                <a:lumMod val="50000"/>
+              </a:schemeClr>
+            </a:solidFill>
+          </a:ln>
+        </p:spPr>
+        <p:style>
+          <a:lnRef idx="2">
+            <a:schemeClr val="accent1">
+              <a:shade val="50000"/>
+            </a:schemeClr>
+          </a:lnRef>
+          <a:fillRef idx="1">
+            <a:schemeClr val="accent1"/>
+          </a:fillRef>
+          <a:effectRef idx="0">
+            <a:schemeClr val="accent1"/>
+          </a:effectRef>
+          <a:fontRef idx="minor">
+            <a:schemeClr val="lt1"/>
+          </a:fontRef>
+        </p:style>
+        <p:txBody>
+          <a:bodyPr wrap="square" lIns="0" rIns="0" rtlCol="0" anchor="ctr"/>
+          <a:lstStyle/>
+          <a:p>
+            <a:pPr algn="ctr"/>
+            <a:r>
+              <a:rPr lang="en-US" sz="2000" dirty="0">
+                <a:solidFill>
+                  <a:schemeClr val="tx1"/>
+                </a:solidFill>
+              </a:rPr>
+              <a:t>7</a:t>
+            </a:r>
+            <a:endParaRPr lang="en-AU" sz="2000" dirty="0">
+              <a:solidFill>
+                <a:schemeClr val="tx1"/>
+              </a:solidFill>
+            </a:endParaRPr>
+          </a:p>
+        </p:txBody>
+      </p:sp>
+      <p:sp>
+        <p:nvSpPr>
+          <p:cNvPr id="6" name="Rectangle 5"/>
+          <p:cNvSpPr/>
+          <p:nvPr/>
+        </p:nvSpPr>
+        <p:spPr>
+          <a:xfrm>
+            <a:off x="831153" y="109410"/>
+            <a:ext cx="7380000" cy="540000"/>
+          </a:xfrm>
+          <a:prstGeom prst="rect">
+            <a:avLst/>
+          </a:prstGeom>
+          <a:ln>
+            <a:solidFill>
+              <a:schemeClr val="accent1">
+                <a:lumMod val="50000"/>
+              </a:schemeClr>
+            </a:solidFill>
+          </a:ln>
+        </p:spPr>
+        <p:style>
+          <a:lnRef idx="2">
+            <a:schemeClr val="accent1">
+              <a:shade val="50000"/>
+            </a:schemeClr>
+          </a:lnRef>
+          <a:fillRef idx="1">
+            <a:schemeClr val="accent1"/>
+          </a:fillRef>
+          <a:effectRef idx="0">
+            <a:schemeClr val="accent1"/>
+          </a:effectRef>
+          <a:fontRef idx="minor">
+            <a:schemeClr val="lt1"/>
+          </a:fontRef>
+        </p:style>
+        <p:txBody>
+          <a:bodyPr rtlCol="0" anchor="ctr"/>
+          <a:lstStyle/>
+          <a:p>
+            <a:pPr algn="ctr"/>
+            <a:r>
+              <a:rPr lang="en-AU" sz="2800" dirty="0" smtClean="0"/>
+              <a:t>Property Id search</a:t>
+            </a:r>
+            <a:endParaRPr lang="en-AU" sz="2800" dirty="0"/>
+          </a:p>
+        </p:txBody>
+      </p:sp>
+      <p:sp>
+        <p:nvSpPr>
+          <p:cNvPr id="7" name="Rectangle 6"/>
+          <p:cNvSpPr/>
+          <p:nvPr/>
+        </p:nvSpPr>
+        <p:spPr>
+          <a:xfrm>
+            <a:off x="39153" y="822470"/>
+            <a:ext cx="9828000" cy="2340000"/>
+          </a:xfrm>
+          <a:prstGeom prst="rect">
+            <a:avLst/>
+          </a:prstGeom>
+          <a:solidFill>
+            <a:schemeClr val="tx2">
+              <a:lumMod val="20000"/>
+              <a:lumOff val="80000"/>
+            </a:schemeClr>
+          </a:solidFill>
+          <a:ln>
+            <a:solidFill>
+              <a:schemeClr val="accent1">
+                <a:lumMod val="50000"/>
+              </a:schemeClr>
+            </a:solidFill>
+          </a:ln>
+        </p:spPr>
+        <p:style>
+          <a:lnRef idx="2">
+            <a:schemeClr val="accent1">
+              <a:shade val="50000"/>
+            </a:schemeClr>
+          </a:lnRef>
+          <a:fillRef idx="1">
+            <a:schemeClr val="accent1"/>
+          </a:fillRef>
+          <a:effectRef idx="0">
+            <a:schemeClr val="accent1"/>
+          </a:effectRef>
+          <a:fontRef idx="minor">
+            <a:schemeClr val="lt1"/>
+          </a:fontRef>
+        </p:style>
+        <p:txBody>
+          <a:bodyPr rtlCol="0" anchor="t" anchorCtr="0"/>
+          <a:lstStyle/>
+          <a:p>
+            <a:r>
+              <a:rPr lang="en-US" sz="2400" dirty="0">
+                <a:solidFill>
+                  <a:schemeClr val="tx1"/>
+                </a:solidFill>
+              </a:rPr>
+              <a:t>As a prospective tenant, I want to be able to search by a property ID, so that I can view specific properties.</a:t>
+            </a:r>
+            <a:endParaRPr lang="en-AU" sz="2400" dirty="0">
+              <a:solidFill>
+                <a:schemeClr val="tx1"/>
+              </a:solidFill>
+            </a:endParaRPr>
+          </a:p>
+        </p:txBody>
+      </p:sp>
+      <p:sp>
+        <p:nvSpPr>
+          <p:cNvPr id="8" name="Rectangle 7"/>
+          <p:cNvSpPr/>
+          <p:nvPr/>
+        </p:nvSpPr>
+        <p:spPr>
+          <a:xfrm>
+            <a:off x="39153" y="3335530"/>
+            <a:ext cx="9828000" cy="1620000"/>
+          </a:xfrm>
+          <a:prstGeom prst="rect">
+            <a:avLst/>
+          </a:prstGeom>
+          <a:solidFill>
+            <a:schemeClr val="accent1">
+              <a:lumMod val="20000"/>
+              <a:lumOff val="80000"/>
+            </a:schemeClr>
+          </a:solidFill>
+          <a:ln>
+            <a:solidFill>
+              <a:schemeClr val="accent1">
+                <a:lumMod val="50000"/>
+              </a:schemeClr>
+            </a:solidFill>
+          </a:ln>
+        </p:spPr>
+        <p:style>
+          <a:lnRef idx="2">
+            <a:schemeClr val="accent1">
+              <a:shade val="50000"/>
+            </a:schemeClr>
+          </a:lnRef>
+          <a:fillRef idx="1">
+            <a:schemeClr val="accent1"/>
+          </a:fillRef>
+          <a:effectRef idx="0">
+            <a:schemeClr val="accent1"/>
+          </a:effectRef>
+          <a:fontRef idx="minor">
+            <a:schemeClr val="lt1"/>
+          </a:fontRef>
+        </p:style>
+        <p:txBody>
+          <a:bodyPr tIns="36000" rtlCol="0" anchor="t" anchorCtr="0"/>
+          <a:lstStyle/>
+          <a:p>
+            <a:r>
+              <a:rPr lang="en-AU" sz="2000" dirty="0" smtClean="0">
+                <a:solidFill>
+                  <a:schemeClr val="tx1"/>
+                </a:solidFill>
+              </a:rPr>
+              <a:t>Acceptance Criteria</a:t>
+            </a:r>
+          </a:p>
+          <a:p>
+            <a:pPr marL="179388" indent="-179388">
+              <a:buFont typeface="Arial" pitchFamily="34" charset="0"/>
+              <a:buChar char="•"/>
+            </a:pPr>
+            <a:r>
+              <a:rPr lang="en-AU" sz="2000" dirty="0" smtClean="0">
+                <a:solidFill>
+                  <a:schemeClr val="tx1"/>
+                </a:solidFill>
+              </a:rPr>
+              <a:t> </a:t>
+            </a:r>
+            <a:r>
+              <a:rPr lang="en-AU" sz="2000" dirty="0">
+                <a:solidFill>
+                  <a:schemeClr val="tx1"/>
+                </a:solidFill>
+              </a:rPr>
+              <a:t>I</a:t>
+            </a:r>
+            <a:r>
+              <a:rPr lang="en-AU" sz="2000" dirty="0" smtClean="0">
+                <a:solidFill>
+                  <a:schemeClr val="tx1"/>
+                </a:solidFill>
+              </a:rPr>
+              <a:t>s the website searchable by property id?</a:t>
+            </a:r>
+          </a:p>
+          <a:p>
+            <a:pPr marL="179388" indent="-179388">
+              <a:buFont typeface="Arial" pitchFamily="34" charset="0"/>
+              <a:buChar char="•"/>
+            </a:pPr>
+            <a:r>
+              <a:rPr lang="en-US" sz="2000" dirty="0" smtClean="0">
+                <a:solidFill>
+                  <a:schemeClr val="tx1"/>
+                </a:solidFill>
+              </a:rPr>
+              <a:t>Does each property have a clear property id?</a:t>
+            </a:r>
+          </a:p>
+          <a:p>
+            <a:pPr marL="179388" indent="-179388">
+              <a:buFont typeface="Arial" pitchFamily="34" charset="0"/>
+              <a:buChar char="•"/>
+            </a:pPr>
+            <a:r>
+              <a:rPr lang="en-US" sz="2000" dirty="0" smtClean="0">
+                <a:solidFill>
+                  <a:schemeClr val="tx1"/>
+                </a:solidFill>
+              </a:rPr>
+              <a:t>Is the property id unique?</a:t>
+            </a:r>
+            <a:endParaRPr lang="en-US" sz="2000" dirty="0" smtClean="0">
+              <a:solidFill>
+                <a:schemeClr val="tx1"/>
+              </a:solidFill>
+            </a:endParaRPr>
+          </a:p>
+        </p:txBody>
+      </p:sp>
+      <p:sp>
+        <p:nvSpPr>
+          <p:cNvPr id="11" name="Rectangle 10"/>
+          <p:cNvSpPr/>
+          <p:nvPr/>
+        </p:nvSpPr>
+        <p:spPr>
+          <a:xfrm>
+            <a:off x="9147153" y="109410"/>
+            <a:ext cx="720000" cy="540000"/>
+          </a:xfrm>
+          <a:prstGeom prst="rect">
+            <a:avLst/>
+          </a:prstGeom>
+          <a:solidFill>
+            <a:srgbClr val="CCF0CD">
+              <a:alpha val="20000"/>
+            </a:srgbClr>
+          </a:solidFill>
+          <a:ln>
+            <a:solidFill>
+              <a:schemeClr val="accent1">
+                <a:lumMod val="50000"/>
+              </a:schemeClr>
+            </a:solidFill>
+          </a:ln>
+        </p:spPr>
+        <p:style>
+          <a:lnRef idx="2">
+            <a:schemeClr val="accent1">
+              <a:shade val="50000"/>
+            </a:schemeClr>
+          </a:lnRef>
+          <a:fillRef idx="1">
+            <a:schemeClr val="accent1"/>
+          </a:fillRef>
+          <a:effectRef idx="0">
+            <a:schemeClr val="accent1"/>
+          </a:effectRef>
+          <a:fontRef idx="minor">
+            <a:schemeClr val="lt1"/>
+          </a:fontRef>
+        </p:style>
+        <p:txBody>
+          <a:bodyPr wrap="square" lIns="0" rIns="0" rtlCol="0" anchor="ctr"/>
+          <a:lstStyle/>
+          <a:p>
+            <a:pPr algn="ctr"/>
+            <a:r>
+              <a:rPr lang="en-AU" sz="2000" dirty="0">
+                <a:solidFill>
+                  <a:schemeClr val="tx1"/>
+                </a:solidFill>
+              </a:rPr>
+              <a:t>Story Points</a:t>
+            </a:r>
+          </a:p>
+        </p:txBody>
+      </p:sp>
+      <p:sp>
+        <p:nvSpPr>
+          <p:cNvPr id="12" name="Rectangle 11"/>
+          <p:cNvSpPr/>
+          <p:nvPr/>
+        </p:nvSpPr>
+        <p:spPr>
+          <a:xfrm>
+            <a:off x="8283153" y="109410"/>
+            <a:ext cx="792000" cy="540000"/>
+          </a:xfrm>
+          <a:prstGeom prst="rect">
+            <a:avLst/>
+          </a:prstGeom>
+          <a:solidFill>
+            <a:schemeClr val="accent4">
+              <a:lumMod val="20000"/>
+              <a:lumOff val="80000"/>
+            </a:schemeClr>
+          </a:solidFill>
+          <a:ln>
+            <a:solidFill>
+              <a:schemeClr val="accent1">
+                <a:lumMod val="50000"/>
+              </a:schemeClr>
+            </a:solidFill>
+          </a:ln>
+        </p:spPr>
+        <p:style>
+          <a:lnRef idx="2">
+            <a:schemeClr val="accent1">
+              <a:shade val="50000"/>
+            </a:schemeClr>
+          </a:lnRef>
+          <a:fillRef idx="1">
+            <a:schemeClr val="accent1"/>
+          </a:fillRef>
+          <a:effectRef idx="0">
+            <a:schemeClr val="accent1"/>
+          </a:effectRef>
+          <a:fontRef idx="minor">
+            <a:schemeClr val="lt1"/>
+          </a:fontRef>
+        </p:style>
+        <p:txBody>
+          <a:bodyPr wrap="none" lIns="0" rIns="0" rtlCol="0" anchor="ctr"/>
+          <a:lstStyle/>
+          <a:p>
+            <a:pPr algn="ctr"/>
+            <a:r>
+              <a:rPr lang="en-AU" sz="2000" dirty="0">
+                <a:solidFill>
+                  <a:schemeClr val="tx1"/>
+                </a:solidFill>
+              </a:rPr>
+              <a:t>HIGH</a:t>
+            </a:r>
+          </a:p>
+        </p:txBody>
+      </p:sp>
+      <p:sp>
+        <p:nvSpPr>
+          <p:cNvPr id="13" name="Rectangle 12"/>
+          <p:cNvSpPr/>
+          <p:nvPr/>
+        </p:nvSpPr>
+        <p:spPr>
+          <a:xfrm>
+            <a:off x="39153" y="5128590"/>
+            <a:ext cx="9828000" cy="1620000"/>
+          </a:xfrm>
+          <a:prstGeom prst="rect">
+            <a:avLst/>
+          </a:prstGeom>
+          <a:solidFill>
+            <a:schemeClr val="bg1"/>
+          </a:solidFill>
+          <a:ln>
+            <a:solidFill>
+              <a:schemeClr val="accent1">
+                <a:lumMod val="50000"/>
+              </a:schemeClr>
+            </a:solidFill>
+          </a:ln>
+        </p:spPr>
+        <p:style>
+          <a:lnRef idx="2">
+            <a:schemeClr val="accent1">
+              <a:shade val="50000"/>
+            </a:schemeClr>
+          </a:lnRef>
+          <a:fillRef idx="1">
+            <a:schemeClr val="accent1"/>
+          </a:fillRef>
+          <a:effectRef idx="0">
+            <a:schemeClr val="accent1"/>
+          </a:effectRef>
+          <a:fontRef idx="minor">
+            <a:schemeClr val="lt1"/>
+          </a:fontRef>
+        </p:style>
+        <p:txBody>
+          <a:bodyPr tIns="36000" rtlCol="0" anchor="t" anchorCtr="0"/>
+          <a:lstStyle/>
+          <a:p>
+            <a:r>
+              <a:rPr lang="en-AU" sz="2000" dirty="0">
+                <a:solidFill>
+                  <a:schemeClr val="tx1"/>
+                </a:solidFill>
+              </a:rPr>
+              <a:t>Notes</a:t>
+            </a:r>
+          </a:p>
+          <a:p>
+            <a:endParaRPr lang="en-AU" sz="2000" dirty="0">
+              <a:solidFill>
+                <a:schemeClr val="tx1"/>
+              </a:solidFill>
+            </a:endParaRPr>
+          </a:p>
+        </p:txBody>
+      </p:sp>
+    </p:spTree>
+    <p:extLst>
+      <p:ext uri="{BB962C8B-B14F-4D97-AF65-F5344CB8AC3E}">
+        <p14:creationId xmlns:p14="http://schemas.microsoft.com/office/powerpoint/2010/main" val="157669145"/>
       </p:ext>
     </p:extLst>
   </p:cSld>

--- a/Things.pptx
+++ b/Things.pptx
@@ -16,6 +16,11 @@
     <p:sldId id="265" r:id="rId10"/>
     <p:sldId id="266" r:id="rId11"/>
     <p:sldId id="267" r:id="rId12"/>
+    <p:sldId id="268" r:id="rId13"/>
+    <p:sldId id="269" r:id="rId14"/>
+    <p:sldId id="270" r:id="rId15"/>
+    <p:sldId id="271" r:id="rId16"/>
+    <p:sldId id="272" r:id="rId17"/>
   </p:sldIdLst>
   <p:sldSz cx="9906000" cy="6858000" type="A4"/>
   <p:notesSz cx="6858000" cy="9144000"/>
@@ -315,7 +320,7 @@
             <a:fld id="{1585DAA5-6BE2-467A-90B2-00E985D86198}" type="datetimeFigureOut">
               <a:rPr lang="en-AU" smtClean="0"/>
               <a:pPr/>
-              <a:t>12/03/2017</a:t>
+              <a:t>13/03/2017</a:t>
             </a:fld>
             <a:endParaRPr lang="en-AU"/>
           </a:p>
@@ -482,7 +487,7 @@
             <a:fld id="{1585DAA5-6BE2-467A-90B2-00E985D86198}" type="datetimeFigureOut">
               <a:rPr lang="en-AU" smtClean="0"/>
               <a:pPr/>
-              <a:t>12/03/2017</a:t>
+              <a:t>13/03/2017</a:t>
             </a:fld>
             <a:endParaRPr lang="en-AU"/>
           </a:p>
@@ -659,7 +664,7 @@
             <a:fld id="{1585DAA5-6BE2-467A-90B2-00E985D86198}" type="datetimeFigureOut">
               <a:rPr lang="en-AU" smtClean="0"/>
               <a:pPr/>
-              <a:t>12/03/2017</a:t>
+              <a:t>13/03/2017</a:t>
             </a:fld>
             <a:endParaRPr lang="en-AU"/>
           </a:p>
@@ -826,7 +831,7 @@
             <a:fld id="{1585DAA5-6BE2-467A-90B2-00E985D86198}" type="datetimeFigureOut">
               <a:rPr lang="en-AU" smtClean="0"/>
               <a:pPr/>
-              <a:t>12/03/2017</a:t>
+              <a:t>13/03/2017</a:t>
             </a:fld>
             <a:endParaRPr lang="en-AU"/>
           </a:p>
@@ -1069,7 +1074,7 @@
             <a:fld id="{1585DAA5-6BE2-467A-90B2-00E985D86198}" type="datetimeFigureOut">
               <a:rPr lang="en-AU" smtClean="0"/>
               <a:pPr/>
-              <a:t>12/03/2017</a:t>
+              <a:t>13/03/2017</a:t>
             </a:fld>
             <a:endParaRPr lang="en-AU"/>
           </a:p>
@@ -1354,7 +1359,7 @@
             <a:fld id="{1585DAA5-6BE2-467A-90B2-00E985D86198}" type="datetimeFigureOut">
               <a:rPr lang="en-AU" smtClean="0"/>
               <a:pPr/>
-              <a:t>12/03/2017</a:t>
+              <a:t>13/03/2017</a:t>
             </a:fld>
             <a:endParaRPr lang="en-AU"/>
           </a:p>
@@ -1773,7 +1778,7 @@
             <a:fld id="{1585DAA5-6BE2-467A-90B2-00E985D86198}" type="datetimeFigureOut">
               <a:rPr lang="en-AU" smtClean="0"/>
               <a:pPr/>
-              <a:t>12/03/2017</a:t>
+              <a:t>13/03/2017</a:t>
             </a:fld>
             <a:endParaRPr lang="en-AU"/>
           </a:p>
@@ -1888,7 +1893,7 @@
             <a:fld id="{1585DAA5-6BE2-467A-90B2-00E985D86198}" type="datetimeFigureOut">
               <a:rPr lang="en-AU" smtClean="0"/>
               <a:pPr/>
-              <a:t>12/03/2017</a:t>
+              <a:t>13/03/2017</a:t>
             </a:fld>
             <a:endParaRPr lang="en-AU"/>
           </a:p>
@@ -1980,7 +1985,7 @@
             <a:fld id="{1585DAA5-6BE2-467A-90B2-00E985D86198}" type="datetimeFigureOut">
               <a:rPr lang="en-AU" smtClean="0"/>
               <a:pPr/>
-              <a:t>12/03/2017</a:t>
+              <a:t>13/03/2017</a:t>
             </a:fld>
             <a:endParaRPr lang="en-AU"/>
           </a:p>
@@ -2254,7 +2259,7 @@
             <a:fld id="{1585DAA5-6BE2-467A-90B2-00E985D86198}" type="datetimeFigureOut">
               <a:rPr lang="en-AU" smtClean="0"/>
               <a:pPr/>
-              <a:t>12/03/2017</a:t>
+              <a:t>13/03/2017</a:t>
             </a:fld>
             <a:endParaRPr lang="en-AU"/>
           </a:p>
@@ -2504,7 +2509,7 @@
             <a:fld id="{1585DAA5-6BE2-467A-90B2-00E985D86198}" type="datetimeFigureOut">
               <a:rPr lang="en-AU" smtClean="0"/>
               <a:pPr/>
-              <a:t>12/03/2017</a:t>
+              <a:t>13/03/2017</a:t>
             </a:fld>
             <a:endParaRPr lang="en-AU"/>
           </a:p>
@@ -2714,7 +2719,7 @@
             <a:fld id="{1585DAA5-6BE2-467A-90B2-00E985D86198}" type="datetimeFigureOut">
               <a:rPr lang="en-AU" smtClean="0"/>
               <a:pPr/>
-              <a:t>12/03/2017</a:t>
+              <a:t>13/03/2017</a:t>
             </a:fld>
             <a:endParaRPr lang="en-AU"/>
           </a:p>
@@ -3324,10 +3329,9 @@
           <a:p>
             <a:pPr algn="ctr"/>
             <a:r>
-              <a:rPr lang="en-AU" sz="2800" dirty="0" smtClean="0"/>
+              <a:rPr lang="en-AU" sz="2800" dirty="0"/>
               <a:t>Tenant sign-up</a:t>
             </a:r>
-            <a:endParaRPr lang="en-AU" sz="2800" dirty="0"/>
           </a:p>
         </p:txBody>
       </p:sp>
@@ -3463,15 +3467,7 @@
                   <a:schemeClr val="tx1"/>
                 </a:solidFill>
               </a:rPr>
-              <a:t> </a:t>
-            </a:r>
-            <a:r>
-              <a:rPr lang="en-AU" sz="2000" dirty="0">
-                <a:solidFill>
-                  <a:schemeClr val="tx1"/>
-                </a:solidFill>
-              </a:rPr>
-              <a:t>Does the register link work?</a:t>
+              <a:t> Does the register link work?</a:t>
             </a:r>
           </a:p>
           <a:p>
@@ -3499,31 +3495,7 @@
                   <a:schemeClr val="tx1"/>
                 </a:solidFill>
               </a:rPr>
-              <a:t>Does the prospective tenant </a:t>
-            </a:r>
-            <a:r>
-              <a:rPr lang="en-US" sz="2000" dirty="0" smtClean="0">
-                <a:solidFill>
-                  <a:schemeClr val="tx1"/>
-                </a:solidFill>
-              </a:rPr>
-              <a:t>have </a:t>
-            </a:r>
-            <a:r>
-              <a:rPr lang="en-US" sz="2000" dirty="0">
-                <a:solidFill>
-                  <a:schemeClr val="tx1"/>
-                </a:solidFill>
-              </a:rPr>
-              <a:t>access to </a:t>
-            </a:r>
-            <a:r>
-              <a:rPr lang="en-US" sz="2000" dirty="0" smtClean="0">
-                <a:solidFill>
-                  <a:schemeClr val="tx1"/>
-                </a:solidFill>
-              </a:rPr>
-              <a:t>view properties?</a:t>
+              <a:t>Does the prospective tenant have access to view properties?</a:t>
             </a:r>
             <a:endParaRPr lang="en-AU" sz="2000" dirty="0">
               <a:solidFill>
@@ -3717,21 +3689,8 @@
                   <a:schemeClr val="tx1"/>
                 </a:solidFill>
               </a:rPr>
-              <a:t> </a:t>
-            </a:r>
-            <a:r>
-              <a:rPr lang="en-AU" sz="2000" dirty="0" smtClean="0">
-                <a:solidFill>
-                  <a:schemeClr val="tx1"/>
-                </a:solidFill>
-              </a:rPr>
-              <a:t>Similar to 8a, just needs differing access levels &amp; anyone can add themselves.</a:t>
-            </a:r>
-            <a:endParaRPr lang="en-AU" sz="2000" dirty="0">
-              <a:solidFill>
-                <a:schemeClr val="tx1"/>
-              </a:solidFill>
-            </a:endParaRPr>
+              <a:t> Similar to 8a, just needs differing access levels &amp; anyone can add themselves.</a:t>
+            </a:r>
           </a:p>
         </p:txBody>
       </p:sp>
@@ -3815,7 +3774,7 @@
           <a:p>
             <a:pPr algn="ctr"/>
             <a:r>
-              <a:rPr lang="en-US" sz="2000" dirty="0" smtClean="0">
+              <a:rPr lang="en-US" sz="2000" dirty="0">
                 <a:solidFill>
                   <a:schemeClr val="tx1"/>
                 </a:solidFill>
@@ -3874,10 +3833,9 @@
           <a:p>
             <a:pPr algn="ctr"/>
             <a:r>
-              <a:rPr lang="en-AU" sz="2800" dirty="0" smtClean="0"/>
+              <a:rPr lang="en-AU" sz="2800" dirty="0"/>
               <a:t>Staff Sign-up</a:t>
             </a:r>
-            <a:endParaRPr lang="en-AU" sz="2800" dirty="0"/>
           </a:p>
         </p:txBody>
       </p:sp>
@@ -4008,18 +3966,13 @@
               <a:buChar char="•"/>
             </a:pPr>
             <a:r>
-              <a:rPr lang="en-AU" sz="2000" dirty="0" smtClean="0">
+              <a:rPr lang="en-AU" sz="2000" dirty="0">
                 <a:solidFill>
                   <a:schemeClr val="tx1"/>
                 </a:solidFill>
               </a:rPr>
               <a:t>Is David able to add staff?</a:t>
             </a:r>
-            <a:endParaRPr lang="en-AU" sz="2000" dirty="0">
-              <a:solidFill>
-                <a:schemeClr val="tx1"/>
-              </a:solidFill>
-            </a:endParaRPr>
           </a:p>
           <a:p>
             <a:pPr marL="179388" indent="-179388">
@@ -4027,18 +3980,13 @@
               <a:buChar char="•"/>
             </a:pPr>
             <a:r>
-              <a:rPr lang="en-US" sz="2000" dirty="0" smtClean="0">
+              <a:rPr lang="en-US" sz="2000" dirty="0">
                 <a:solidFill>
                   <a:schemeClr val="tx1"/>
                 </a:solidFill>
               </a:rPr>
               <a:t>Are the details saved correctly?</a:t>
             </a:r>
-            <a:endParaRPr lang="en-US" sz="2000" dirty="0">
-              <a:solidFill>
-                <a:schemeClr val="tx1"/>
-              </a:solidFill>
-            </a:endParaRPr>
           </a:p>
           <a:p>
             <a:pPr marL="179388" indent="-179388">
@@ -4046,7 +3994,7 @@
               <a:buChar char="•"/>
             </a:pPr>
             <a:r>
-              <a:rPr lang="en-US" sz="2000" dirty="0" smtClean="0">
+              <a:rPr lang="en-US" sz="2000" dirty="0">
                 <a:solidFill>
                   <a:schemeClr val="tx1"/>
                 </a:solidFill>
@@ -4245,47 +4193,105 @@
                   <a:schemeClr val="tx1"/>
                 </a:solidFill>
               </a:rPr>
-              <a:t> </a:t>
-            </a:r>
-            <a:r>
-              <a:rPr lang="en-AU" sz="2000" dirty="0">
-                <a:solidFill>
-                  <a:schemeClr val="tx1"/>
-                </a:solidFill>
-              </a:rPr>
-              <a:t>Similar to </a:t>
-            </a:r>
-            <a:r>
-              <a:rPr lang="en-AU" sz="2000" dirty="0" smtClean="0">
-                <a:solidFill>
-                  <a:schemeClr val="tx1"/>
-                </a:solidFill>
-              </a:rPr>
-              <a:t>8, </a:t>
-            </a:r>
-            <a:r>
-              <a:rPr lang="en-AU" sz="2000" dirty="0">
-                <a:solidFill>
-                  <a:schemeClr val="tx1"/>
-                </a:solidFill>
-              </a:rPr>
-              <a:t>just needs differing access </a:t>
-            </a:r>
-            <a:r>
-              <a:rPr lang="en-AU" sz="2000" dirty="0" smtClean="0">
-                <a:solidFill>
-                  <a:schemeClr val="tx1"/>
-                </a:solidFill>
-              </a:rPr>
-              <a:t>levels &amp; only David can add.</a:t>
-            </a:r>
+              <a:t> Similar to 8, just needs differing access levels &amp; only David can add.</a:t>
+            </a:r>
+          </a:p>
+          <a:p>
             <a:endParaRPr lang="en-AU" sz="2000" dirty="0">
               <a:solidFill>
                 <a:schemeClr val="tx1"/>
               </a:solidFill>
             </a:endParaRPr>
           </a:p>
-          <a:p>
+        </p:txBody>
+      </p:sp>
+    </p:spTree>
+    <p:extLst>
+      <p:ext uri="{BB962C8B-B14F-4D97-AF65-F5344CB8AC3E}">
+        <p14:creationId xmlns:p14="http://schemas.microsoft.com/office/powerpoint/2010/main" val="798035874"/>
+      </p:ext>
+    </p:extLst>
+  </p:cSld>
+  <p:clrMapOvr>
+    <a:masterClrMapping/>
+  </p:clrMapOvr>
+</p:sld>
+</file>
+
+<file path=ppt/slides/slide12.xml><?xml version="1.0" encoding="utf-8"?>
+<p:sld xmlns:a="http://schemas.openxmlformats.org/drawingml/2006/main" xmlns:r="http://schemas.openxmlformats.org/officeDocument/2006/relationships" xmlns:p="http://schemas.openxmlformats.org/presentationml/2006/main">
+  <p:cSld>
+    <p:spTree>
+      <p:nvGrpSpPr>
+        <p:cNvPr id="1" name=""/>
+        <p:cNvGrpSpPr/>
+        <p:nvPr/>
+      </p:nvGrpSpPr>
+      <p:grpSpPr>
+        <a:xfrm>
+          <a:off x="0" y="0"/>
+          <a:ext cx="0" cy="0"/>
+          <a:chOff x="0" y="0"/>
+          <a:chExt cx="0" cy="0"/>
+        </a:xfrm>
+      </p:grpSpPr>
+      <p:sp>
+        <p:nvSpPr>
+          <p:cNvPr id="4" name="Rectangle 3"/>
+          <p:cNvSpPr/>
+          <p:nvPr/>
+        </p:nvSpPr>
+        <p:spPr>
+          <a:xfrm>
+            <a:off x="39153" y="109410"/>
+            <a:ext cx="720000" cy="540000"/>
+          </a:xfrm>
+          <a:prstGeom prst="rect">
+            <a:avLst/>
+          </a:prstGeom>
+          <a:solidFill>
+            <a:schemeClr val="accent1">
+              <a:lumMod val="40000"/>
+              <a:lumOff val="60000"/>
+            </a:schemeClr>
+          </a:solidFill>
+          <a:ln>
+            <a:solidFill>
+              <a:schemeClr val="accent1">
+                <a:lumMod val="50000"/>
+              </a:schemeClr>
+            </a:solidFill>
+          </a:ln>
+        </p:spPr>
+        <p:style>
+          <a:lnRef idx="2">
+            <a:schemeClr val="accent1">
+              <a:shade val="50000"/>
+            </a:schemeClr>
+          </a:lnRef>
+          <a:fillRef idx="1">
+            <a:schemeClr val="accent1"/>
+          </a:fillRef>
+          <a:effectRef idx="0">
+            <a:schemeClr val="accent1"/>
+          </a:effectRef>
+          <a:fontRef idx="minor">
+            <a:schemeClr val="lt1"/>
+          </a:fontRef>
+        </p:style>
+        <p:txBody>
+          <a:bodyPr wrap="square" lIns="0" rIns="0" rtlCol="0" anchor="ctr"/>
+          <a:lstStyle/>
+          <a:p>
+            <a:pPr algn="ctr"/>
+            <a:r>
+              <a:rPr lang="en-US" sz="2000" dirty="0">
+                <a:solidFill>
+                  <a:schemeClr val="tx1"/>
+                </a:solidFill>
+              </a:rPr>
+              <a:t>9</a:t>
+            </a:r>
             <a:endParaRPr lang="en-AU" sz="2000" dirty="0">
               <a:solidFill>
                 <a:schemeClr val="tx1"/>
@@ -4294,10 +4300,2484 @@
           </a:p>
         </p:txBody>
       </p:sp>
+      <p:sp>
+        <p:nvSpPr>
+          <p:cNvPr id="6" name="Rectangle 5"/>
+          <p:cNvSpPr/>
+          <p:nvPr/>
+        </p:nvSpPr>
+        <p:spPr>
+          <a:xfrm>
+            <a:off x="831153" y="109410"/>
+            <a:ext cx="7380000" cy="540000"/>
+          </a:xfrm>
+          <a:prstGeom prst="rect">
+            <a:avLst/>
+          </a:prstGeom>
+          <a:ln>
+            <a:solidFill>
+              <a:schemeClr val="accent1">
+                <a:lumMod val="50000"/>
+              </a:schemeClr>
+            </a:solidFill>
+          </a:ln>
+        </p:spPr>
+        <p:style>
+          <a:lnRef idx="2">
+            <a:schemeClr val="accent1">
+              <a:shade val="50000"/>
+            </a:schemeClr>
+          </a:lnRef>
+          <a:fillRef idx="1">
+            <a:schemeClr val="accent1"/>
+          </a:fillRef>
+          <a:effectRef idx="0">
+            <a:schemeClr val="accent1"/>
+          </a:effectRef>
+          <a:fontRef idx="minor">
+            <a:schemeClr val="lt1"/>
+          </a:fontRef>
+        </p:style>
+        <p:txBody>
+          <a:bodyPr rtlCol="0" anchor="ctr"/>
+          <a:lstStyle/>
+          <a:p>
+            <a:pPr algn="ctr"/>
+            <a:r>
+              <a:rPr lang="en-AU" sz="2800" dirty="0"/>
+              <a:t>Staff View Information</a:t>
+            </a:r>
+          </a:p>
+        </p:txBody>
+      </p:sp>
+      <p:sp>
+        <p:nvSpPr>
+          <p:cNvPr id="7" name="Rectangle 6"/>
+          <p:cNvSpPr/>
+          <p:nvPr/>
+        </p:nvSpPr>
+        <p:spPr>
+          <a:xfrm>
+            <a:off x="0" y="822470"/>
+            <a:ext cx="9828000" cy="2340000"/>
+          </a:xfrm>
+          <a:prstGeom prst="rect">
+            <a:avLst/>
+          </a:prstGeom>
+          <a:solidFill>
+            <a:schemeClr val="tx2">
+              <a:lumMod val="20000"/>
+              <a:lumOff val="80000"/>
+            </a:schemeClr>
+          </a:solidFill>
+          <a:ln>
+            <a:solidFill>
+              <a:schemeClr val="accent1">
+                <a:lumMod val="50000"/>
+              </a:schemeClr>
+            </a:solidFill>
+          </a:ln>
+        </p:spPr>
+        <p:style>
+          <a:lnRef idx="2">
+            <a:schemeClr val="accent1">
+              <a:shade val="50000"/>
+            </a:schemeClr>
+          </a:lnRef>
+          <a:fillRef idx="1">
+            <a:schemeClr val="accent1"/>
+          </a:fillRef>
+          <a:effectRef idx="0">
+            <a:schemeClr val="accent1"/>
+          </a:effectRef>
+          <a:fontRef idx="minor">
+            <a:schemeClr val="lt1"/>
+          </a:fontRef>
+        </p:style>
+        <p:txBody>
+          <a:bodyPr rtlCol="0" anchor="t" anchorCtr="0"/>
+          <a:lstStyle/>
+          <a:p>
+            <a:r>
+              <a:rPr lang="en-AU" dirty="0">
+                <a:solidFill>
+                  <a:schemeClr val="tx1"/>
+                </a:solidFill>
+              </a:rPr>
+              <a:t>As a staff member, I want to be able to view information of the tenants, so that I can easily access the information if I need to.</a:t>
+            </a:r>
+          </a:p>
+          <a:p>
+            <a:endParaRPr lang="en-AU" sz="2400" dirty="0">
+              <a:solidFill>
+                <a:schemeClr val="tx1"/>
+              </a:solidFill>
+            </a:endParaRPr>
+          </a:p>
+        </p:txBody>
+      </p:sp>
+      <p:sp>
+        <p:nvSpPr>
+          <p:cNvPr id="8" name="Rectangle 7"/>
+          <p:cNvSpPr/>
+          <p:nvPr/>
+        </p:nvSpPr>
+        <p:spPr>
+          <a:xfrm>
+            <a:off x="78000" y="3335530"/>
+            <a:ext cx="9828000" cy="1620000"/>
+          </a:xfrm>
+          <a:prstGeom prst="rect">
+            <a:avLst/>
+          </a:prstGeom>
+          <a:solidFill>
+            <a:schemeClr val="accent1">
+              <a:lumMod val="20000"/>
+              <a:lumOff val="80000"/>
+            </a:schemeClr>
+          </a:solidFill>
+          <a:ln>
+            <a:solidFill>
+              <a:schemeClr val="accent1">
+                <a:lumMod val="50000"/>
+              </a:schemeClr>
+            </a:solidFill>
+          </a:ln>
+        </p:spPr>
+        <p:style>
+          <a:lnRef idx="2">
+            <a:schemeClr val="accent1">
+              <a:shade val="50000"/>
+            </a:schemeClr>
+          </a:lnRef>
+          <a:fillRef idx="1">
+            <a:schemeClr val="accent1"/>
+          </a:fillRef>
+          <a:effectRef idx="0">
+            <a:schemeClr val="accent1"/>
+          </a:effectRef>
+          <a:fontRef idx="minor">
+            <a:schemeClr val="lt1"/>
+          </a:fontRef>
+        </p:style>
+        <p:txBody>
+          <a:bodyPr tIns="36000" rtlCol="0" anchor="t" anchorCtr="0"/>
+          <a:lstStyle/>
+          <a:p>
+            <a:r>
+              <a:rPr lang="en-AU" sz="2000" dirty="0">
+                <a:solidFill>
+                  <a:schemeClr val="tx1"/>
+                </a:solidFill>
+              </a:rPr>
+              <a:t>Acceptance Criteria</a:t>
+            </a:r>
+          </a:p>
+          <a:p>
+            <a:pPr marL="179388" indent="-179388">
+              <a:buFont typeface="Arial" pitchFamily="34" charset="0"/>
+              <a:buChar char="•"/>
+            </a:pPr>
+            <a:r>
+              <a:rPr lang="en-AU" sz="2000" dirty="0">
+                <a:solidFill>
+                  <a:schemeClr val="tx1"/>
+                </a:solidFill>
+              </a:rPr>
+              <a:t>Does the staff member have access to view this information?</a:t>
+            </a:r>
+          </a:p>
+          <a:p>
+            <a:pPr marL="179388" indent="-179388">
+              <a:buFont typeface="Arial" pitchFamily="34" charset="0"/>
+              <a:buChar char="•"/>
+            </a:pPr>
+            <a:r>
+              <a:rPr lang="en-US" sz="2000" dirty="0">
+                <a:solidFill>
+                  <a:schemeClr val="tx1"/>
+                </a:solidFill>
+              </a:rPr>
+              <a:t>How much information should staff members have access to?</a:t>
+            </a:r>
+          </a:p>
+          <a:p>
+            <a:pPr marL="179388" indent="-179388">
+              <a:buFont typeface="Arial" pitchFamily="34" charset="0"/>
+              <a:buChar char="•"/>
+            </a:pPr>
+            <a:r>
+              <a:rPr lang="en-US" sz="2000" dirty="0">
+                <a:solidFill>
+                  <a:schemeClr val="tx1"/>
+                </a:solidFill>
+              </a:rPr>
+              <a:t>Are the staff members trusted with this information?</a:t>
+            </a:r>
+            <a:endParaRPr lang="en-AU" sz="2000" dirty="0">
+              <a:solidFill>
+                <a:schemeClr val="tx1"/>
+              </a:solidFill>
+            </a:endParaRPr>
+          </a:p>
+        </p:txBody>
+      </p:sp>
+      <p:sp>
+        <p:nvSpPr>
+          <p:cNvPr id="11" name="Rectangle 10"/>
+          <p:cNvSpPr/>
+          <p:nvPr/>
+        </p:nvSpPr>
+        <p:spPr>
+          <a:xfrm>
+            <a:off x="9147153" y="109410"/>
+            <a:ext cx="720000" cy="540000"/>
+          </a:xfrm>
+          <a:prstGeom prst="rect">
+            <a:avLst/>
+          </a:prstGeom>
+          <a:solidFill>
+            <a:srgbClr val="CCF0CD">
+              <a:alpha val="20000"/>
+            </a:srgbClr>
+          </a:solidFill>
+          <a:ln>
+            <a:solidFill>
+              <a:schemeClr val="accent1">
+                <a:lumMod val="50000"/>
+              </a:schemeClr>
+            </a:solidFill>
+          </a:ln>
+        </p:spPr>
+        <p:style>
+          <a:lnRef idx="2">
+            <a:schemeClr val="accent1">
+              <a:shade val="50000"/>
+            </a:schemeClr>
+          </a:lnRef>
+          <a:fillRef idx="1">
+            <a:schemeClr val="accent1"/>
+          </a:fillRef>
+          <a:effectRef idx="0">
+            <a:schemeClr val="accent1"/>
+          </a:effectRef>
+          <a:fontRef idx="minor">
+            <a:schemeClr val="lt1"/>
+          </a:fontRef>
+        </p:style>
+        <p:txBody>
+          <a:bodyPr wrap="square" lIns="0" rIns="0" rtlCol="0" anchor="ctr"/>
+          <a:lstStyle/>
+          <a:p>
+            <a:pPr algn="ctr"/>
+            <a:r>
+              <a:rPr lang="en-AU" sz="2000" dirty="0">
+                <a:solidFill>
+                  <a:schemeClr val="tx1"/>
+                </a:solidFill>
+              </a:rPr>
+              <a:t>Story Points</a:t>
+            </a:r>
+          </a:p>
+        </p:txBody>
+      </p:sp>
+      <p:sp>
+        <p:nvSpPr>
+          <p:cNvPr id="12" name="Rectangle 11"/>
+          <p:cNvSpPr/>
+          <p:nvPr/>
+        </p:nvSpPr>
+        <p:spPr>
+          <a:xfrm>
+            <a:off x="8283153" y="109410"/>
+            <a:ext cx="792000" cy="540000"/>
+          </a:xfrm>
+          <a:prstGeom prst="rect">
+            <a:avLst/>
+          </a:prstGeom>
+          <a:solidFill>
+            <a:schemeClr val="accent4">
+              <a:lumMod val="20000"/>
+              <a:lumOff val="80000"/>
+            </a:schemeClr>
+          </a:solidFill>
+          <a:ln>
+            <a:solidFill>
+              <a:schemeClr val="accent1">
+                <a:lumMod val="50000"/>
+              </a:schemeClr>
+            </a:solidFill>
+          </a:ln>
+        </p:spPr>
+        <p:style>
+          <a:lnRef idx="2">
+            <a:schemeClr val="accent1">
+              <a:shade val="50000"/>
+            </a:schemeClr>
+          </a:lnRef>
+          <a:fillRef idx="1">
+            <a:schemeClr val="accent1"/>
+          </a:fillRef>
+          <a:effectRef idx="0">
+            <a:schemeClr val="accent1"/>
+          </a:effectRef>
+          <a:fontRef idx="minor">
+            <a:schemeClr val="lt1"/>
+          </a:fontRef>
+        </p:style>
+        <p:txBody>
+          <a:bodyPr wrap="none" lIns="0" rIns="0" rtlCol="0" anchor="ctr"/>
+          <a:lstStyle/>
+          <a:p>
+            <a:pPr algn="ctr"/>
+            <a:r>
+              <a:rPr lang="en-AU" sz="2000" dirty="0">
+                <a:solidFill>
+                  <a:schemeClr val="tx1"/>
+                </a:solidFill>
+              </a:rPr>
+              <a:t>HIGH</a:t>
+            </a:r>
+          </a:p>
+        </p:txBody>
+      </p:sp>
+      <p:sp>
+        <p:nvSpPr>
+          <p:cNvPr id="13" name="Rectangle 12"/>
+          <p:cNvSpPr/>
+          <p:nvPr/>
+        </p:nvSpPr>
+        <p:spPr>
+          <a:xfrm>
+            <a:off x="39153" y="5128590"/>
+            <a:ext cx="9828000" cy="1620000"/>
+          </a:xfrm>
+          <a:prstGeom prst="rect">
+            <a:avLst/>
+          </a:prstGeom>
+          <a:solidFill>
+            <a:schemeClr val="bg1"/>
+          </a:solidFill>
+          <a:ln>
+            <a:solidFill>
+              <a:schemeClr val="accent1">
+                <a:lumMod val="50000"/>
+              </a:schemeClr>
+            </a:solidFill>
+          </a:ln>
+        </p:spPr>
+        <p:style>
+          <a:lnRef idx="2">
+            <a:schemeClr val="accent1">
+              <a:shade val="50000"/>
+            </a:schemeClr>
+          </a:lnRef>
+          <a:fillRef idx="1">
+            <a:schemeClr val="accent1"/>
+          </a:fillRef>
+          <a:effectRef idx="0">
+            <a:schemeClr val="accent1"/>
+          </a:effectRef>
+          <a:fontRef idx="minor">
+            <a:schemeClr val="lt1"/>
+          </a:fontRef>
+        </p:style>
+        <p:txBody>
+          <a:bodyPr tIns="36000" rtlCol="0" anchor="t" anchorCtr="0"/>
+          <a:lstStyle/>
+          <a:p>
+            <a:r>
+              <a:rPr lang="en-AU" sz="2000" dirty="0">
+                <a:solidFill>
+                  <a:schemeClr val="tx1"/>
+                </a:solidFill>
+              </a:rPr>
+              <a:t>Notes</a:t>
+            </a:r>
+          </a:p>
+          <a:p>
+            <a:pPr marL="179388" indent="-179388">
+              <a:buFont typeface="Arial" pitchFamily="34" charset="0"/>
+              <a:buChar char="•"/>
+            </a:pPr>
+            <a:r>
+              <a:rPr lang="en-AU" sz="2000" dirty="0">
+                <a:solidFill>
+                  <a:schemeClr val="tx1"/>
+                </a:solidFill>
+              </a:rPr>
+              <a:t> Should be careful giving out tenant information due to privacy.</a:t>
+            </a:r>
+          </a:p>
+          <a:p>
+            <a:endParaRPr lang="en-AU" sz="2000" dirty="0">
+              <a:solidFill>
+                <a:schemeClr val="tx1"/>
+              </a:solidFill>
+            </a:endParaRPr>
+          </a:p>
+        </p:txBody>
+      </p:sp>
     </p:spTree>
     <p:extLst>
       <p:ext uri="{BB962C8B-B14F-4D97-AF65-F5344CB8AC3E}">
-        <p14:creationId xmlns:p14="http://schemas.microsoft.com/office/powerpoint/2010/main" val="798035874"/>
+        <p14:creationId xmlns:p14="http://schemas.microsoft.com/office/powerpoint/2010/main" val="2552124731"/>
+      </p:ext>
+    </p:extLst>
+  </p:cSld>
+  <p:clrMapOvr>
+    <a:masterClrMapping/>
+  </p:clrMapOvr>
+</p:sld>
+</file>
+
+<file path=ppt/slides/slide13.xml><?xml version="1.0" encoding="utf-8"?>
+<p:sld xmlns:a="http://schemas.openxmlformats.org/drawingml/2006/main" xmlns:r="http://schemas.openxmlformats.org/officeDocument/2006/relationships" xmlns:p="http://schemas.openxmlformats.org/presentationml/2006/main">
+  <p:cSld>
+    <p:spTree>
+      <p:nvGrpSpPr>
+        <p:cNvPr id="1" name=""/>
+        <p:cNvGrpSpPr/>
+        <p:nvPr/>
+      </p:nvGrpSpPr>
+      <p:grpSpPr>
+        <a:xfrm>
+          <a:off x="0" y="0"/>
+          <a:ext cx="0" cy="0"/>
+          <a:chOff x="0" y="0"/>
+          <a:chExt cx="0" cy="0"/>
+        </a:xfrm>
+      </p:grpSpPr>
+      <p:sp>
+        <p:nvSpPr>
+          <p:cNvPr id="4" name="Rectangle 3"/>
+          <p:cNvSpPr/>
+          <p:nvPr/>
+        </p:nvSpPr>
+        <p:spPr>
+          <a:xfrm>
+            <a:off x="39153" y="109410"/>
+            <a:ext cx="720000" cy="540000"/>
+          </a:xfrm>
+          <a:prstGeom prst="rect">
+            <a:avLst/>
+          </a:prstGeom>
+          <a:solidFill>
+            <a:schemeClr val="accent1">
+              <a:lumMod val="40000"/>
+              <a:lumOff val="60000"/>
+            </a:schemeClr>
+          </a:solidFill>
+          <a:ln>
+            <a:solidFill>
+              <a:schemeClr val="accent1">
+                <a:lumMod val="50000"/>
+              </a:schemeClr>
+            </a:solidFill>
+          </a:ln>
+        </p:spPr>
+        <p:style>
+          <a:lnRef idx="2">
+            <a:schemeClr val="accent1">
+              <a:shade val="50000"/>
+            </a:schemeClr>
+          </a:lnRef>
+          <a:fillRef idx="1">
+            <a:schemeClr val="accent1"/>
+          </a:fillRef>
+          <a:effectRef idx="0">
+            <a:schemeClr val="accent1"/>
+          </a:effectRef>
+          <a:fontRef idx="minor">
+            <a:schemeClr val="lt1"/>
+          </a:fontRef>
+        </p:style>
+        <p:txBody>
+          <a:bodyPr wrap="square" lIns="0" rIns="0" rtlCol="0" anchor="ctr"/>
+          <a:lstStyle/>
+          <a:p>
+            <a:pPr algn="ctr"/>
+            <a:r>
+              <a:rPr lang="en-US" sz="2000" dirty="0">
+                <a:solidFill>
+                  <a:schemeClr val="tx1"/>
+                </a:solidFill>
+              </a:rPr>
+              <a:t>11</a:t>
+            </a:r>
+            <a:endParaRPr lang="en-AU" sz="2000" dirty="0">
+              <a:solidFill>
+                <a:schemeClr val="tx1"/>
+              </a:solidFill>
+            </a:endParaRPr>
+          </a:p>
+        </p:txBody>
+      </p:sp>
+      <p:sp>
+        <p:nvSpPr>
+          <p:cNvPr id="6" name="Rectangle 5"/>
+          <p:cNvSpPr/>
+          <p:nvPr/>
+        </p:nvSpPr>
+        <p:spPr>
+          <a:xfrm>
+            <a:off x="831153" y="109410"/>
+            <a:ext cx="7380000" cy="540000"/>
+          </a:xfrm>
+          <a:prstGeom prst="rect">
+            <a:avLst/>
+          </a:prstGeom>
+          <a:ln>
+            <a:solidFill>
+              <a:schemeClr val="accent1">
+                <a:lumMod val="50000"/>
+              </a:schemeClr>
+            </a:solidFill>
+          </a:ln>
+        </p:spPr>
+        <p:style>
+          <a:lnRef idx="2">
+            <a:schemeClr val="accent1">
+              <a:shade val="50000"/>
+            </a:schemeClr>
+          </a:lnRef>
+          <a:fillRef idx="1">
+            <a:schemeClr val="accent1"/>
+          </a:fillRef>
+          <a:effectRef idx="0">
+            <a:schemeClr val="accent1"/>
+          </a:effectRef>
+          <a:fontRef idx="minor">
+            <a:schemeClr val="lt1"/>
+          </a:fontRef>
+        </p:style>
+        <p:txBody>
+          <a:bodyPr rtlCol="0" anchor="ctr"/>
+          <a:lstStyle/>
+          <a:p>
+            <a:pPr algn="ctr"/>
+            <a:r>
+              <a:rPr lang="en-AU" sz="2800" dirty="0"/>
+              <a:t>Tenant View Property Information</a:t>
+            </a:r>
+          </a:p>
+        </p:txBody>
+      </p:sp>
+      <p:sp>
+        <p:nvSpPr>
+          <p:cNvPr id="7" name="Rectangle 6"/>
+          <p:cNvSpPr/>
+          <p:nvPr/>
+        </p:nvSpPr>
+        <p:spPr>
+          <a:xfrm>
+            <a:off x="0" y="822470"/>
+            <a:ext cx="9828000" cy="2340000"/>
+          </a:xfrm>
+          <a:prstGeom prst="rect">
+            <a:avLst/>
+          </a:prstGeom>
+          <a:solidFill>
+            <a:schemeClr val="tx2">
+              <a:lumMod val="20000"/>
+              <a:lumOff val="80000"/>
+            </a:schemeClr>
+          </a:solidFill>
+          <a:ln>
+            <a:solidFill>
+              <a:schemeClr val="accent1">
+                <a:lumMod val="50000"/>
+              </a:schemeClr>
+            </a:solidFill>
+          </a:ln>
+        </p:spPr>
+        <p:style>
+          <a:lnRef idx="2">
+            <a:schemeClr val="accent1">
+              <a:shade val="50000"/>
+            </a:schemeClr>
+          </a:lnRef>
+          <a:fillRef idx="1">
+            <a:schemeClr val="accent1"/>
+          </a:fillRef>
+          <a:effectRef idx="0">
+            <a:schemeClr val="accent1"/>
+          </a:effectRef>
+          <a:fontRef idx="minor">
+            <a:schemeClr val="lt1"/>
+          </a:fontRef>
+        </p:style>
+        <p:txBody>
+          <a:bodyPr rtlCol="0" anchor="t" anchorCtr="0"/>
+          <a:lstStyle/>
+          <a:p>
+            <a:r>
+              <a:rPr lang="en-AU" sz="2000" dirty="0">
+                <a:solidFill>
+                  <a:schemeClr val="tx1"/>
+                </a:solidFill>
+              </a:rPr>
+              <a:t>As a tenant, I want to be able to view information of the properties (incl. location, price, rooms, carports, bathrooms, pictures </a:t>
+            </a:r>
+            <a:r>
+              <a:rPr lang="en-AU" sz="2000" dirty="0" err="1">
+                <a:solidFill>
+                  <a:schemeClr val="tx1"/>
+                </a:solidFill>
+              </a:rPr>
+              <a:t>etc</a:t>
+            </a:r>
+            <a:r>
+              <a:rPr lang="en-AU" sz="2000" dirty="0">
+                <a:solidFill>
+                  <a:schemeClr val="tx1"/>
+                </a:solidFill>
+              </a:rPr>
+              <a:t>), so that I can be </a:t>
+            </a:r>
+            <a:r>
+              <a:rPr lang="en-AU" sz="2000" dirty="0" err="1">
+                <a:solidFill>
+                  <a:schemeClr val="tx1"/>
+                </a:solidFill>
+              </a:rPr>
+              <a:t>englightened</a:t>
+            </a:r>
+            <a:r>
+              <a:rPr lang="en-AU" sz="2000" dirty="0">
+                <a:solidFill>
+                  <a:schemeClr val="tx1"/>
+                </a:solidFill>
+              </a:rPr>
+              <a:t>.</a:t>
+            </a:r>
+            <a:endParaRPr lang="en-AU" sz="2800" dirty="0">
+              <a:solidFill>
+                <a:schemeClr val="tx1"/>
+              </a:solidFill>
+            </a:endParaRPr>
+          </a:p>
+        </p:txBody>
+      </p:sp>
+      <p:sp>
+        <p:nvSpPr>
+          <p:cNvPr id="8" name="Rectangle 7"/>
+          <p:cNvSpPr/>
+          <p:nvPr/>
+        </p:nvSpPr>
+        <p:spPr>
+          <a:xfrm>
+            <a:off x="39153" y="3335530"/>
+            <a:ext cx="9828000" cy="1620000"/>
+          </a:xfrm>
+          <a:prstGeom prst="rect">
+            <a:avLst/>
+          </a:prstGeom>
+          <a:solidFill>
+            <a:schemeClr val="accent1">
+              <a:lumMod val="20000"/>
+              <a:lumOff val="80000"/>
+            </a:schemeClr>
+          </a:solidFill>
+          <a:ln>
+            <a:solidFill>
+              <a:schemeClr val="accent1">
+                <a:lumMod val="50000"/>
+              </a:schemeClr>
+            </a:solidFill>
+          </a:ln>
+        </p:spPr>
+        <p:style>
+          <a:lnRef idx="2">
+            <a:schemeClr val="accent1">
+              <a:shade val="50000"/>
+            </a:schemeClr>
+          </a:lnRef>
+          <a:fillRef idx="1">
+            <a:schemeClr val="accent1"/>
+          </a:fillRef>
+          <a:effectRef idx="0">
+            <a:schemeClr val="accent1"/>
+          </a:effectRef>
+          <a:fontRef idx="minor">
+            <a:schemeClr val="lt1"/>
+          </a:fontRef>
+        </p:style>
+        <p:txBody>
+          <a:bodyPr tIns="36000" rtlCol="0" anchor="t" anchorCtr="0"/>
+          <a:lstStyle/>
+          <a:p>
+            <a:r>
+              <a:rPr lang="en-AU" sz="2000" dirty="0">
+                <a:solidFill>
+                  <a:schemeClr val="tx1"/>
+                </a:solidFill>
+              </a:rPr>
+              <a:t>Acceptance Criteria</a:t>
+            </a:r>
+          </a:p>
+          <a:p>
+            <a:pPr marL="179388" indent="-179388">
+              <a:buFont typeface="Arial" pitchFamily="34" charset="0"/>
+              <a:buChar char="•"/>
+            </a:pPr>
+            <a:r>
+              <a:rPr lang="en-AU" sz="2000" dirty="0">
+                <a:solidFill>
+                  <a:schemeClr val="tx1"/>
+                </a:solidFill>
+              </a:rPr>
+              <a:t>Is there enough information?</a:t>
+            </a:r>
+          </a:p>
+          <a:p>
+            <a:pPr marL="179388" indent="-179388">
+              <a:buFont typeface="Arial" pitchFamily="34" charset="0"/>
+              <a:buChar char="•"/>
+            </a:pPr>
+            <a:r>
+              <a:rPr lang="en-US" sz="2000" dirty="0">
+                <a:solidFill>
+                  <a:schemeClr val="tx1"/>
+                </a:solidFill>
+              </a:rPr>
+              <a:t>Is the information presented well?</a:t>
+            </a:r>
+          </a:p>
+          <a:p>
+            <a:pPr marL="179388" indent="-179388">
+              <a:buFont typeface="Arial" pitchFamily="34" charset="0"/>
+              <a:buChar char="•"/>
+            </a:pPr>
+            <a:r>
+              <a:rPr lang="en-US" sz="2000" dirty="0">
+                <a:solidFill>
+                  <a:schemeClr val="tx1"/>
+                </a:solidFill>
+              </a:rPr>
+              <a:t>Can the tenant filter by categories?</a:t>
+            </a:r>
+            <a:endParaRPr lang="en-AU" sz="2000" dirty="0">
+              <a:solidFill>
+                <a:schemeClr val="tx1"/>
+              </a:solidFill>
+            </a:endParaRPr>
+          </a:p>
+        </p:txBody>
+      </p:sp>
+      <p:sp>
+        <p:nvSpPr>
+          <p:cNvPr id="11" name="Rectangle 10"/>
+          <p:cNvSpPr/>
+          <p:nvPr/>
+        </p:nvSpPr>
+        <p:spPr>
+          <a:xfrm>
+            <a:off x="9147153" y="109410"/>
+            <a:ext cx="720000" cy="540000"/>
+          </a:xfrm>
+          <a:prstGeom prst="rect">
+            <a:avLst/>
+          </a:prstGeom>
+          <a:solidFill>
+            <a:srgbClr val="CCF0CD">
+              <a:alpha val="20000"/>
+            </a:srgbClr>
+          </a:solidFill>
+          <a:ln>
+            <a:solidFill>
+              <a:schemeClr val="accent1">
+                <a:lumMod val="50000"/>
+              </a:schemeClr>
+            </a:solidFill>
+          </a:ln>
+        </p:spPr>
+        <p:style>
+          <a:lnRef idx="2">
+            <a:schemeClr val="accent1">
+              <a:shade val="50000"/>
+            </a:schemeClr>
+          </a:lnRef>
+          <a:fillRef idx="1">
+            <a:schemeClr val="accent1"/>
+          </a:fillRef>
+          <a:effectRef idx="0">
+            <a:schemeClr val="accent1"/>
+          </a:effectRef>
+          <a:fontRef idx="minor">
+            <a:schemeClr val="lt1"/>
+          </a:fontRef>
+        </p:style>
+        <p:txBody>
+          <a:bodyPr wrap="square" lIns="0" rIns="0" rtlCol="0" anchor="ctr"/>
+          <a:lstStyle/>
+          <a:p>
+            <a:pPr algn="ctr"/>
+            <a:r>
+              <a:rPr lang="en-AU" sz="2000" dirty="0">
+                <a:solidFill>
+                  <a:schemeClr val="tx1"/>
+                </a:solidFill>
+              </a:rPr>
+              <a:t>Story Points</a:t>
+            </a:r>
+          </a:p>
+        </p:txBody>
+      </p:sp>
+      <p:sp>
+        <p:nvSpPr>
+          <p:cNvPr id="12" name="Rectangle 11"/>
+          <p:cNvSpPr/>
+          <p:nvPr/>
+        </p:nvSpPr>
+        <p:spPr>
+          <a:xfrm>
+            <a:off x="8283153" y="109410"/>
+            <a:ext cx="792000" cy="540000"/>
+          </a:xfrm>
+          <a:prstGeom prst="rect">
+            <a:avLst/>
+          </a:prstGeom>
+          <a:solidFill>
+            <a:schemeClr val="accent4">
+              <a:lumMod val="20000"/>
+              <a:lumOff val="80000"/>
+            </a:schemeClr>
+          </a:solidFill>
+          <a:ln>
+            <a:solidFill>
+              <a:schemeClr val="accent1">
+                <a:lumMod val="50000"/>
+              </a:schemeClr>
+            </a:solidFill>
+          </a:ln>
+        </p:spPr>
+        <p:style>
+          <a:lnRef idx="2">
+            <a:schemeClr val="accent1">
+              <a:shade val="50000"/>
+            </a:schemeClr>
+          </a:lnRef>
+          <a:fillRef idx="1">
+            <a:schemeClr val="accent1"/>
+          </a:fillRef>
+          <a:effectRef idx="0">
+            <a:schemeClr val="accent1"/>
+          </a:effectRef>
+          <a:fontRef idx="minor">
+            <a:schemeClr val="lt1"/>
+          </a:fontRef>
+        </p:style>
+        <p:txBody>
+          <a:bodyPr wrap="none" lIns="0" rIns="0" rtlCol="0" anchor="ctr"/>
+          <a:lstStyle/>
+          <a:p>
+            <a:pPr algn="ctr"/>
+            <a:r>
+              <a:rPr lang="en-AU" sz="2000" dirty="0">
+                <a:solidFill>
+                  <a:schemeClr val="tx1"/>
+                </a:solidFill>
+              </a:rPr>
+              <a:t>HIGH</a:t>
+            </a:r>
+          </a:p>
+        </p:txBody>
+      </p:sp>
+      <p:sp>
+        <p:nvSpPr>
+          <p:cNvPr id="13" name="Rectangle 12"/>
+          <p:cNvSpPr/>
+          <p:nvPr/>
+        </p:nvSpPr>
+        <p:spPr>
+          <a:xfrm>
+            <a:off x="39153" y="5128590"/>
+            <a:ext cx="9828000" cy="1620000"/>
+          </a:xfrm>
+          <a:prstGeom prst="rect">
+            <a:avLst/>
+          </a:prstGeom>
+          <a:solidFill>
+            <a:schemeClr val="bg1"/>
+          </a:solidFill>
+          <a:ln>
+            <a:solidFill>
+              <a:schemeClr val="accent1">
+                <a:lumMod val="50000"/>
+              </a:schemeClr>
+            </a:solidFill>
+          </a:ln>
+        </p:spPr>
+        <p:style>
+          <a:lnRef idx="2">
+            <a:schemeClr val="accent1">
+              <a:shade val="50000"/>
+            </a:schemeClr>
+          </a:lnRef>
+          <a:fillRef idx="1">
+            <a:schemeClr val="accent1"/>
+          </a:fillRef>
+          <a:effectRef idx="0">
+            <a:schemeClr val="accent1"/>
+          </a:effectRef>
+          <a:fontRef idx="minor">
+            <a:schemeClr val="lt1"/>
+          </a:fontRef>
+        </p:style>
+        <p:txBody>
+          <a:bodyPr tIns="36000" rtlCol="0" anchor="t" anchorCtr="0"/>
+          <a:lstStyle/>
+          <a:p>
+            <a:r>
+              <a:rPr lang="en-AU" sz="2000" dirty="0">
+                <a:solidFill>
+                  <a:schemeClr val="tx1"/>
+                </a:solidFill>
+              </a:rPr>
+              <a:t>Notes</a:t>
+            </a:r>
+          </a:p>
+          <a:p>
+            <a:pPr marL="179388" indent="-179388">
+              <a:buFont typeface="Arial" pitchFamily="34" charset="0"/>
+              <a:buChar char="•"/>
+            </a:pPr>
+            <a:r>
+              <a:rPr lang="en-AU" sz="2000" dirty="0">
+                <a:solidFill>
+                  <a:schemeClr val="tx1"/>
+                </a:solidFill>
+              </a:rPr>
+              <a:t> Similar to 8, just needs differing access levels &amp; only David can add.</a:t>
+            </a:r>
+          </a:p>
+          <a:p>
+            <a:endParaRPr lang="en-AU" sz="2000" dirty="0">
+              <a:solidFill>
+                <a:schemeClr val="tx1"/>
+              </a:solidFill>
+            </a:endParaRPr>
+          </a:p>
+        </p:txBody>
+      </p:sp>
+    </p:spTree>
+    <p:extLst>
+      <p:ext uri="{BB962C8B-B14F-4D97-AF65-F5344CB8AC3E}">
+        <p14:creationId xmlns:p14="http://schemas.microsoft.com/office/powerpoint/2010/main" val="1880775220"/>
+      </p:ext>
+    </p:extLst>
+  </p:cSld>
+  <p:clrMapOvr>
+    <a:masterClrMapping/>
+  </p:clrMapOvr>
+</p:sld>
+</file>
+
+<file path=ppt/slides/slide14.xml><?xml version="1.0" encoding="utf-8"?>
+<p:sld xmlns:a="http://schemas.openxmlformats.org/drawingml/2006/main" xmlns:r="http://schemas.openxmlformats.org/officeDocument/2006/relationships" xmlns:p="http://schemas.openxmlformats.org/presentationml/2006/main">
+  <p:cSld>
+    <p:spTree>
+      <p:nvGrpSpPr>
+        <p:cNvPr id="1" name=""/>
+        <p:cNvGrpSpPr/>
+        <p:nvPr/>
+      </p:nvGrpSpPr>
+      <p:grpSpPr>
+        <a:xfrm>
+          <a:off x="0" y="0"/>
+          <a:ext cx="0" cy="0"/>
+          <a:chOff x="0" y="0"/>
+          <a:chExt cx="0" cy="0"/>
+        </a:xfrm>
+      </p:grpSpPr>
+      <p:sp>
+        <p:nvSpPr>
+          <p:cNvPr id="4" name="Rectangle 3"/>
+          <p:cNvSpPr/>
+          <p:nvPr/>
+        </p:nvSpPr>
+        <p:spPr>
+          <a:xfrm>
+            <a:off x="39153" y="109410"/>
+            <a:ext cx="720000" cy="540000"/>
+          </a:xfrm>
+          <a:prstGeom prst="rect">
+            <a:avLst/>
+          </a:prstGeom>
+          <a:solidFill>
+            <a:schemeClr val="accent1">
+              <a:lumMod val="40000"/>
+              <a:lumOff val="60000"/>
+            </a:schemeClr>
+          </a:solidFill>
+          <a:ln>
+            <a:solidFill>
+              <a:schemeClr val="accent1">
+                <a:lumMod val="50000"/>
+              </a:schemeClr>
+            </a:solidFill>
+          </a:ln>
+        </p:spPr>
+        <p:style>
+          <a:lnRef idx="2">
+            <a:schemeClr val="accent1">
+              <a:shade val="50000"/>
+            </a:schemeClr>
+          </a:lnRef>
+          <a:fillRef idx="1">
+            <a:schemeClr val="accent1"/>
+          </a:fillRef>
+          <a:effectRef idx="0">
+            <a:schemeClr val="accent1"/>
+          </a:effectRef>
+          <a:fontRef idx="minor">
+            <a:schemeClr val="lt1"/>
+          </a:fontRef>
+        </p:style>
+        <p:txBody>
+          <a:bodyPr wrap="square" lIns="0" rIns="0" rtlCol="0" anchor="ctr"/>
+          <a:lstStyle/>
+          <a:p>
+            <a:pPr algn="ctr"/>
+            <a:r>
+              <a:rPr lang="en-US" sz="2000" dirty="0">
+                <a:solidFill>
+                  <a:schemeClr val="tx1"/>
+                </a:solidFill>
+              </a:rPr>
+              <a:t>12</a:t>
+            </a:r>
+            <a:endParaRPr lang="en-AU" sz="2000" dirty="0">
+              <a:solidFill>
+                <a:schemeClr val="tx1"/>
+              </a:solidFill>
+            </a:endParaRPr>
+          </a:p>
+        </p:txBody>
+      </p:sp>
+      <p:sp>
+        <p:nvSpPr>
+          <p:cNvPr id="6" name="Rectangle 5"/>
+          <p:cNvSpPr/>
+          <p:nvPr/>
+        </p:nvSpPr>
+        <p:spPr>
+          <a:xfrm>
+            <a:off x="831153" y="109410"/>
+            <a:ext cx="7380000" cy="540000"/>
+          </a:xfrm>
+          <a:prstGeom prst="rect">
+            <a:avLst/>
+          </a:prstGeom>
+          <a:ln>
+            <a:solidFill>
+              <a:schemeClr val="accent1">
+                <a:lumMod val="50000"/>
+              </a:schemeClr>
+            </a:solidFill>
+          </a:ln>
+        </p:spPr>
+        <p:style>
+          <a:lnRef idx="2">
+            <a:schemeClr val="accent1">
+              <a:shade val="50000"/>
+            </a:schemeClr>
+          </a:lnRef>
+          <a:fillRef idx="1">
+            <a:schemeClr val="accent1"/>
+          </a:fillRef>
+          <a:effectRef idx="0">
+            <a:schemeClr val="accent1"/>
+          </a:effectRef>
+          <a:fontRef idx="minor">
+            <a:schemeClr val="lt1"/>
+          </a:fontRef>
+        </p:style>
+        <p:txBody>
+          <a:bodyPr rtlCol="0" anchor="ctr"/>
+          <a:lstStyle/>
+          <a:p>
+            <a:pPr algn="ctr"/>
+            <a:r>
+              <a:rPr lang="en-AU" sz="2800" dirty="0"/>
+              <a:t>Guest Applications</a:t>
+            </a:r>
+          </a:p>
+        </p:txBody>
+      </p:sp>
+      <p:sp>
+        <p:nvSpPr>
+          <p:cNvPr id="7" name="Rectangle 6"/>
+          <p:cNvSpPr/>
+          <p:nvPr/>
+        </p:nvSpPr>
+        <p:spPr>
+          <a:xfrm>
+            <a:off x="0" y="822470"/>
+            <a:ext cx="9828000" cy="2340000"/>
+          </a:xfrm>
+          <a:prstGeom prst="rect">
+            <a:avLst/>
+          </a:prstGeom>
+          <a:solidFill>
+            <a:schemeClr val="tx2">
+              <a:lumMod val="20000"/>
+              <a:lumOff val="80000"/>
+            </a:schemeClr>
+          </a:solidFill>
+          <a:ln>
+            <a:solidFill>
+              <a:schemeClr val="accent1">
+                <a:lumMod val="50000"/>
+              </a:schemeClr>
+            </a:solidFill>
+          </a:ln>
+        </p:spPr>
+        <p:style>
+          <a:lnRef idx="2">
+            <a:schemeClr val="accent1">
+              <a:shade val="50000"/>
+            </a:schemeClr>
+          </a:lnRef>
+          <a:fillRef idx="1">
+            <a:schemeClr val="accent1"/>
+          </a:fillRef>
+          <a:effectRef idx="0">
+            <a:schemeClr val="accent1"/>
+          </a:effectRef>
+          <a:fontRef idx="minor">
+            <a:schemeClr val="lt1"/>
+          </a:fontRef>
+        </p:style>
+        <p:txBody>
+          <a:bodyPr rtlCol="0" anchor="t" anchorCtr="0"/>
+          <a:lstStyle/>
+          <a:p>
+            <a:r>
+              <a:rPr lang="en-AU" sz="2000" dirty="0">
+                <a:solidFill>
+                  <a:schemeClr val="tx1"/>
+                </a:solidFill>
+              </a:rPr>
+              <a:t>As a guest, I want to be able to book an inspection and apply for the house, so that I don't have to do things in real life.</a:t>
+            </a:r>
+            <a:endParaRPr lang="en-AU" sz="2800" dirty="0">
+              <a:solidFill>
+                <a:schemeClr val="tx1"/>
+              </a:solidFill>
+            </a:endParaRPr>
+          </a:p>
+        </p:txBody>
+      </p:sp>
+      <p:sp>
+        <p:nvSpPr>
+          <p:cNvPr id="8" name="Rectangle 7"/>
+          <p:cNvSpPr/>
+          <p:nvPr/>
+        </p:nvSpPr>
+        <p:spPr>
+          <a:xfrm>
+            <a:off x="39153" y="3335530"/>
+            <a:ext cx="9828000" cy="1620000"/>
+          </a:xfrm>
+          <a:prstGeom prst="rect">
+            <a:avLst/>
+          </a:prstGeom>
+          <a:solidFill>
+            <a:schemeClr val="accent1">
+              <a:lumMod val="20000"/>
+              <a:lumOff val="80000"/>
+            </a:schemeClr>
+          </a:solidFill>
+          <a:ln>
+            <a:solidFill>
+              <a:schemeClr val="accent1">
+                <a:lumMod val="50000"/>
+              </a:schemeClr>
+            </a:solidFill>
+          </a:ln>
+        </p:spPr>
+        <p:style>
+          <a:lnRef idx="2">
+            <a:schemeClr val="accent1">
+              <a:shade val="50000"/>
+            </a:schemeClr>
+          </a:lnRef>
+          <a:fillRef idx="1">
+            <a:schemeClr val="accent1"/>
+          </a:fillRef>
+          <a:effectRef idx="0">
+            <a:schemeClr val="accent1"/>
+          </a:effectRef>
+          <a:fontRef idx="minor">
+            <a:schemeClr val="lt1"/>
+          </a:fontRef>
+        </p:style>
+        <p:txBody>
+          <a:bodyPr tIns="36000" rtlCol="0" anchor="t" anchorCtr="0"/>
+          <a:lstStyle/>
+          <a:p>
+            <a:r>
+              <a:rPr lang="en-AU" sz="2000" dirty="0">
+                <a:solidFill>
+                  <a:schemeClr val="tx1"/>
+                </a:solidFill>
+              </a:rPr>
+              <a:t>Acceptance Criteria</a:t>
+            </a:r>
+          </a:p>
+          <a:p>
+            <a:pPr marL="179388" indent="-179388">
+              <a:buFont typeface="Arial" pitchFamily="34" charset="0"/>
+              <a:buChar char="•"/>
+            </a:pPr>
+            <a:r>
+              <a:rPr lang="en-AU" sz="2000" dirty="0">
+                <a:solidFill>
+                  <a:schemeClr val="tx1"/>
+                </a:solidFill>
+              </a:rPr>
+              <a:t>Will I be allowed to apply for the house/book an inspection.</a:t>
+            </a:r>
+          </a:p>
+          <a:p>
+            <a:pPr marL="179388" indent="-179388">
+              <a:buFont typeface="Arial" pitchFamily="34" charset="0"/>
+              <a:buChar char="•"/>
+            </a:pPr>
+            <a:r>
+              <a:rPr lang="en-US" sz="2000" dirty="0">
+                <a:solidFill>
+                  <a:schemeClr val="tx1"/>
+                </a:solidFill>
+              </a:rPr>
+              <a:t>How can I be accepted if there is no information on me as a guest?</a:t>
+            </a:r>
+          </a:p>
+          <a:p>
+            <a:pPr marL="179388" indent="-179388">
+              <a:buFont typeface="Arial" pitchFamily="34" charset="0"/>
+              <a:buChar char="•"/>
+            </a:pPr>
+            <a:endParaRPr lang="en-US" sz="2000" dirty="0">
+              <a:solidFill>
+                <a:schemeClr val="tx1"/>
+              </a:solidFill>
+            </a:endParaRPr>
+          </a:p>
+        </p:txBody>
+      </p:sp>
+      <p:sp>
+        <p:nvSpPr>
+          <p:cNvPr id="11" name="Rectangle 10"/>
+          <p:cNvSpPr/>
+          <p:nvPr/>
+        </p:nvSpPr>
+        <p:spPr>
+          <a:xfrm>
+            <a:off x="9147153" y="109410"/>
+            <a:ext cx="720000" cy="540000"/>
+          </a:xfrm>
+          <a:prstGeom prst="rect">
+            <a:avLst/>
+          </a:prstGeom>
+          <a:solidFill>
+            <a:srgbClr val="CCF0CD">
+              <a:alpha val="20000"/>
+            </a:srgbClr>
+          </a:solidFill>
+          <a:ln>
+            <a:solidFill>
+              <a:schemeClr val="accent1">
+                <a:lumMod val="50000"/>
+              </a:schemeClr>
+            </a:solidFill>
+          </a:ln>
+        </p:spPr>
+        <p:style>
+          <a:lnRef idx="2">
+            <a:schemeClr val="accent1">
+              <a:shade val="50000"/>
+            </a:schemeClr>
+          </a:lnRef>
+          <a:fillRef idx="1">
+            <a:schemeClr val="accent1"/>
+          </a:fillRef>
+          <a:effectRef idx="0">
+            <a:schemeClr val="accent1"/>
+          </a:effectRef>
+          <a:fontRef idx="minor">
+            <a:schemeClr val="lt1"/>
+          </a:fontRef>
+        </p:style>
+        <p:txBody>
+          <a:bodyPr wrap="square" lIns="0" rIns="0" rtlCol="0" anchor="ctr"/>
+          <a:lstStyle/>
+          <a:p>
+            <a:pPr algn="ctr"/>
+            <a:r>
+              <a:rPr lang="en-AU" sz="2000" dirty="0">
+                <a:solidFill>
+                  <a:schemeClr val="tx1"/>
+                </a:solidFill>
+              </a:rPr>
+              <a:t>Story Points</a:t>
+            </a:r>
+          </a:p>
+        </p:txBody>
+      </p:sp>
+      <p:sp>
+        <p:nvSpPr>
+          <p:cNvPr id="12" name="Rectangle 11"/>
+          <p:cNvSpPr/>
+          <p:nvPr/>
+        </p:nvSpPr>
+        <p:spPr>
+          <a:xfrm>
+            <a:off x="8283153" y="109410"/>
+            <a:ext cx="792000" cy="540000"/>
+          </a:xfrm>
+          <a:prstGeom prst="rect">
+            <a:avLst/>
+          </a:prstGeom>
+          <a:solidFill>
+            <a:schemeClr val="accent4">
+              <a:lumMod val="20000"/>
+              <a:lumOff val="80000"/>
+            </a:schemeClr>
+          </a:solidFill>
+          <a:ln>
+            <a:solidFill>
+              <a:schemeClr val="accent1">
+                <a:lumMod val="50000"/>
+              </a:schemeClr>
+            </a:solidFill>
+          </a:ln>
+        </p:spPr>
+        <p:style>
+          <a:lnRef idx="2">
+            <a:schemeClr val="accent1">
+              <a:shade val="50000"/>
+            </a:schemeClr>
+          </a:lnRef>
+          <a:fillRef idx="1">
+            <a:schemeClr val="accent1"/>
+          </a:fillRef>
+          <a:effectRef idx="0">
+            <a:schemeClr val="accent1"/>
+          </a:effectRef>
+          <a:fontRef idx="minor">
+            <a:schemeClr val="lt1"/>
+          </a:fontRef>
+        </p:style>
+        <p:txBody>
+          <a:bodyPr wrap="none" lIns="0" rIns="0" rtlCol="0" anchor="ctr"/>
+          <a:lstStyle/>
+          <a:p>
+            <a:pPr algn="ctr"/>
+            <a:r>
+              <a:rPr lang="en-AU" sz="2000" dirty="0">
+                <a:solidFill>
+                  <a:schemeClr val="tx1"/>
+                </a:solidFill>
+              </a:rPr>
+              <a:t>HIGH</a:t>
+            </a:r>
+          </a:p>
+        </p:txBody>
+      </p:sp>
+      <p:sp>
+        <p:nvSpPr>
+          <p:cNvPr id="13" name="Rectangle 12"/>
+          <p:cNvSpPr/>
+          <p:nvPr/>
+        </p:nvSpPr>
+        <p:spPr>
+          <a:xfrm>
+            <a:off x="39153" y="5128590"/>
+            <a:ext cx="9828000" cy="1620000"/>
+          </a:xfrm>
+          <a:prstGeom prst="rect">
+            <a:avLst/>
+          </a:prstGeom>
+          <a:solidFill>
+            <a:schemeClr val="bg1"/>
+          </a:solidFill>
+          <a:ln>
+            <a:solidFill>
+              <a:schemeClr val="accent1">
+                <a:lumMod val="50000"/>
+              </a:schemeClr>
+            </a:solidFill>
+          </a:ln>
+        </p:spPr>
+        <p:style>
+          <a:lnRef idx="2">
+            <a:schemeClr val="accent1">
+              <a:shade val="50000"/>
+            </a:schemeClr>
+          </a:lnRef>
+          <a:fillRef idx="1">
+            <a:schemeClr val="accent1"/>
+          </a:fillRef>
+          <a:effectRef idx="0">
+            <a:schemeClr val="accent1"/>
+          </a:effectRef>
+          <a:fontRef idx="minor">
+            <a:schemeClr val="lt1"/>
+          </a:fontRef>
+        </p:style>
+        <p:txBody>
+          <a:bodyPr tIns="36000" rtlCol="0" anchor="t" anchorCtr="0"/>
+          <a:lstStyle/>
+          <a:p>
+            <a:r>
+              <a:rPr lang="en-AU" sz="2000" dirty="0">
+                <a:solidFill>
+                  <a:schemeClr val="tx1"/>
+                </a:solidFill>
+              </a:rPr>
+              <a:t>Notes</a:t>
+            </a:r>
+          </a:p>
+          <a:p>
+            <a:pPr marL="179388" indent="-179388">
+              <a:buFont typeface="Arial" pitchFamily="34" charset="0"/>
+              <a:buChar char="•"/>
+            </a:pPr>
+            <a:r>
+              <a:rPr lang="en-AU" sz="2000" dirty="0">
+                <a:solidFill>
+                  <a:schemeClr val="tx1"/>
+                </a:solidFill>
+              </a:rPr>
+              <a:t> Guests might have to create an account to apply for a property.</a:t>
+            </a:r>
+          </a:p>
+          <a:p>
+            <a:endParaRPr lang="en-AU" sz="2000" dirty="0">
+              <a:solidFill>
+                <a:schemeClr val="tx1"/>
+              </a:solidFill>
+            </a:endParaRPr>
+          </a:p>
+        </p:txBody>
+      </p:sp>
+    </p:spTree>
+    <p:extLst>
+      <p:ext uri="{BB962C8B-B14F-4D97-AF65-F5344CB8AC3E}">
+        <p14:creationId xmlns:p14="http://schemas.microsoft.com/office/powerpoint/2010/main" val="3115296455"/>
+      </p:ext>
+    </p:extLst>
+  </p:cSld>
+  <p:clrMapOvr>
+    <a:masterClrMapping/>
+  </p:clrMapOvr>
+</p:sld>
+</file>
+
+<file path=ppt/slides/slide15.xml><?xml version="1.0" encoding="utf-8"?>
+<p:sld xmlns:a="http://schemas.openxmlformats.org/drawingml/2006/main" xmlns:r="http://schemas.openxmlformats.org/officeDocument/2006/relationships" xmlns:p="http://schemas.openxmlformats.org/presentationml/2006/main">
+  <p:cSld>
+    <p:spTree>
+      <p:nvGrpSpPr>
+        <p:cNvPr id="1" name=""/>
+        <p:cNvGrpSpPr/>
+        <p:nvPr/>
+      </p:nvGrpSpPr>
+      <p:grpSpPr>
+        <a:xfrm>
+          <a:off x="0" y="0"/>
+          <a:ext cx="0" cy="0"/>
+          <a:chOff x="0" y="0"/>
+          <a:chExt cx="0" cy="0"/>
+        </a:xfrm>
+      </p:grpSpPr>
+      <p:sp>
+        <p:nvSpPr>
+          <p:cNvPr id="4" name="Rectangle 3"/>
+          <p:cNvSpPr/>
+          <p:nvPr/>
+        </p:nvSpPr>
+        <p:spPr>
+          <a:xfrm>
+            <a:off x="39153" y="109410"/>
+            <a:ext cx="720000" cy="540000"/>
+          </a:xfrm>
+          <a:prstGeom prst="rect">
+            <a:avLst/>
+          </a:prstGeom>
+          <a:solidFill>
+            <a:schemeClr val="accent1">
+              <a:lumMod val="40000"/>
+              <a:lumOff val="60000"/>
+            </a:schemeClr>
+          </a:solidFill>
+          <a:ln>
+            <a:solidFill>
+              <a:schemeClr val="accent1">
+                <a:lumMod val="50000"/>
+              </a:schemeClr>
+            </a:solidFill>
+          </a:ln>
+        </p:spPr>
+        <p:style>
+          <a:lnRef idx="2">
+            <a:schemeClr val="accent1">
+              <a:shade val="50000"/>
+            </a:schemeClr>
+          </a:lnRef>
+          <a:fillRef idx="1">
+            <a:schemeClr val="accent1"/>
+          </a:fillRef>
+          <a:effectRef idx="0">
+            <a:schemeClr val="accent1"/>
+          </a:effectRef>
+          <a:fontRef idx="minor">
+            <a:schemeClr val="lt1"/>
+          </a:fontRef>
+        </p:style>
+        <p:txBody>
+          <a:bodyPr wrap="square" lIns="0" rIns="0" rtlCol="0" anchor="ctr"/>
+          <a:lstStyle/>
+          <a:p>
+            <a:pPr algn="ctr"/>
+            <a:r>
+              <a:rPr lang="en-US" sz="2000" dirty="0">
+                <a:solidFill>
+                  <a:schemeClr val="tx1"/>
+                </a:solidFill>
+              </a:rPr>
+              <a:t>14/15</a:t>
+            </a:r>
+            <a:endParaRPr lang="en-AU" sz="2000" dirty="0">
+              <a:solidFill>
+                <a:schemeClr val="tx1"/>
+              </a:solidFill>
+            </a:endParaRPr>
+          </a:p>
+        </p:txBody>
+      </p:sp>
+      <p:sp>
+        <p:nvSpPr>
+          <p:cNvPr id="6" name="Rectangle 5"/>
+          <p:cNvSpPr/>
+          <p:nvPr/>
+        </p:nvSpPr>
+        <p:spPr>
+          <a:xfrm>
+            <a:off x="831153" y="109410"/>
+            <a:ext cx="7380000" cy="540000"/>
+          </a:xfrm>
+          <a:prstGeom prst="rect">
+            <a:avLst/>
+          </a:prstGeom>
+          <a:ln>
+            <a:solidFill>
+              <a:schemeClr val="accent1">
+                <a:lumMod val="50000"/>
+              </a:schemeClr>
+            </a:solidFill>
+          </a:ln>
+        </p:spPr>
+        <p:style>
+          <a:lnRef idx="2">
+            <a:schemeClr val="accent1">
+              <a:shade val="50000"/>
+            </a:schemeClr>
+          </a:lnRef>
+          <a:fillRef idx="1">
+            <a:schemeClr val="accent1"/>
+          </a:fillRef>
+          <a:effectRef idx="0">
+            <a:schemeClr val="accent1"/>
+          </a:effectRef>
+          <a:fontRef idx="minor">
+            <a:schemeClr val="lt1"/>
+          </a:fontRef>
+        </p:style>
+        <p:txBody>
+          <a:bodyPr rtlCol="0" anchor="ctr"/>
+          <a:lstStyle/>
+          <a:p>
+            <a:pPr algn="ctr"/>
+            <a:r>
+              <a:rPr lang="en-AU" sz="2800" dirty="0"/>
+              <a:t>Contact Staff</a:t>
+            </a:r>
+          </a:p>
+        </p:txBody>
+      </p:sp>
+      <p:sp>
+        <p:nvSpPr>
+          <p:cNvPr id="7" name="Rectangle 6"/>
+          <p:cNvSpPr/>
+          <p:nvPr/>
+        </p:nvSpPr>
+        <p:spPr>
+          <a:xfrm>
+            <a:off x="0" y="822470"/>
+            <a:ext cx="9828000" cy="2340000"/>
+          </a:xfrm>
+          <a:prstGeom prst="rect">
+            <a:avLst/>
+          </a:prstGeom>
+          <a:solidFill>
+            <a:schemeClr val="tx2">
+              <a:lumMod val="20000"/>
+              <a:lumOff val="80000"/>
+            </a:schemeClr>
+          </a:solidFill>
+          <a:ln>
+            <a:solidFill>
+              <a:schemeClr val="accent1">
+                <a:lumMod val="50000"/>
+              </a:schemeClr>
+            </a:solidFill>
+          </a:ln>
+        </p:spPr>
+        <p:style>
+          <a:lnRef idx="2">
+            <a:schemeClr val="accent1">
+              <a:shade val="50000"/>
+            </a:schemeClr>
+          </a:lnRef>
+          <a:fillRef idx="1">
+            <a:schemeClr val="accent1"/>
+          </a:fillRef>
+          <a:effectRef idx="0">
+            <a:schemeClr val="accent1"/>
+          </a:effectRef>
+          <a:fontRef idx="minor">
+            <a:schemeClr val="lt1"/>
+          </a:fontRef>
+        </p:style>
+        <p:txBody>
+          <a:bodyPr rtlCol="0" anchor="t" anchorCtr="0"/>
+          <a:lstStyle/>
+          <a:p>
+            <a:r>
+              <a:rPr lang="en-AU" sz="2000" dirty="0">
+                <a:solidFill>
+                  <a:schemeClr val="tx1"/>
+                </a:solidFill>
+              </a:rPr>
+              <a:t>As a website user, I want to be able to contact the staff, so that I can say hi to them.</a:t>
+            </a:r>
+            <a:endParaRPr lang="en-AU" sz="2800" dirty="0">
+              <a:solidFill>
+                <a:schemeClr val="tx1"/>
+              </a:solidFill>
+            </a:endParaRPr>
+          </a:p>
+        </p:txBody>
+      </p:sp>
+      <p:sp>
+        <p:nvSpPr>
+          <p:cNvPr id="8" name="Rectangle 7"/>
+          <p:cNvSpPr/>
+          <p:nvPr/>
+        </p:nvSpPr>
+        <p:spPr>
+          <a:xfrm>
+            <a:off x="39153" y="3335530"/>
+            <a:ext cx="9828000" cy="1620000"/>
+          </a:xfrm>
+          <a:prstGeom prst="rect">
+            <a:avLst/>
+          </a:prstGeom>
+          <a:solidFill>
+            <a:schemeClr val="accent1">
+              <a:lumMod val="20000"/>
+              <a:lumOff val="80000"/>
+            </a:schemeClr>
+          </a:solidFill>
+          <a:ln>
+            <a:solidFill>
+              <a:schemeClr val="accent1">
+                <a:lumMod val="50000"/>
+              </a:schemeClr>
+            </a:solidFill>
+          </a:ln>
+        </p:spPr>
+        <p:style>
+          <a:lnRef idx="2">
+            <a:schemeClr val="accent1">
+              <a:shade val="50000"/>
+            </a:schemeClr>
+          </a:lnRef>
+          <a:fillRef idx="1">
+            <a:schemeClr val="accent1"/>
+          </a:fillRef>
+          <a:effectRef idx="0">
+            <a:schemeClr val="accent1"/>
+          </a:effectRef>
+          <a:fontRef idx="minor">
+            <a:schemeClr val="lt1"/>
+          </a:fontRef>
+        </p:style>
+        <p:txBody>
+          <a:bodyPr tIns="36000" rtlCol="0" anchor="t" anchorCtr="0"/>
+          <a:lstStyle/>
+          <a:p>
+            <a:r>
+              <a:rPr lang="en-AU" sz="2000" dirty="0">
+                <a:solidFill>
+                  <a:schemeClr val="tx1"/>
+                </a:solidFill>
+              </a:rPr>
+              <a:t>Acceptance Criteria</a:t>
+            </a:r>
+          </a:p>
+          <a:p>
+            <a:pPr marL="179388" indent="-179388">
+              <a:buFont typeface="Arial" pitchFamily="34" charset="0"/>
+              <a:buChar char="•"/>
+            </a:pPr>
+            <a:r>
+              <a:rPr lang="en-AU" sz="2000" dirty="0">
+                <a:solidFill>
+                  <a:schemeClr val="tx1"/>
+                </a:solidFill>
+              </a:rPr>
+              <a:t>Can you get their details from the website?</a:t>
+            </a:r>
+          </a:p>
+          <a:p>
+            <a:pPr marL="179388" indent="-179388">
+              <a:buFont typeface="Arial" pitchFamily="34" charset="0"/>
+              <a:buChar char="•"/>
+            </a:pPr>
+            <a:r>
+              <a:rPr lang="en-US" sz="2000" dirty="0">
+                <a:solidFill>
+                  <a:schemeClr val="tx1"/>
+                </a:solidFill>
+              </a:rPr>
+              <a:t>Do you need to attach your contact information?</a:t>
+            </a:r>
+          </a:p>
+          <a:p>
+            <a:pPr marL="179388" indent="-179388">
+              <a:buFont typeface="Arial" pitchFamily="34" charset="0"/>
+              <a:buChar char="•"/>
+            </a:pPr>
+            <a:r>
+              <a:rPr lang="en-US" sz="2000" dirty="0">
+                <a:solidFill>
+                  <a:schemeClr val="tx1"/>
+                </a:solidFill>
+              </a:rPr>
+              <a:t>Are staff available to reply?</a:t>
+            </a:r>
+          </a:p>
+          <a:p>
+            <a:pPr marL="179388" indent="-179388">
+              <a:buFont typeface="Arial" pitchFamily="34" charset="0"/>
+              <a:buChar char="•"/>
+            </a:pPr>
+            <a:endParaRPr lang="en-US" sz="2000" dirty="0">
+              <a:solidFill>
+                <a:schemeClr val="tx1"/>
+              </a:solidFill>
+            </a:endParaRPr>
+          </a:p>
+          <a:p>
+            <a:pPr marL="179388" indent="-179388">
+              <a:buFont typeface="Arial" pitchFamily="34" charset="0"/>
+              <a:buChar char="•"/>
+            </a:pPr>
+            <a:endParaRPr lang="en-US" sz="2000" dirty="0">
+              <a:solidFill>
+                <a:schemeClr val="tx1"/>
+              </a:solidFill>
+            </a:endParaRPr>
+          </a:p>
+        </p:txBody>
+      </p:sp>
+      <p:sp>
+        <p:nvSpPr>
+          <p:cNvPr id="11" name="Rectangle 10"/>
+          <p:cNvSpPr/>
+          <p:nvPr/>
+        </p:nvSpPr>
+        <p:spPr>
+          <a:xfrm>
+            <a:off x="9147153" y="109410"/>
+            <a:ext cx="720000" cy="540000"/>
+          </a:xfrm>
+          <a:prstGeom prst="rect">
+            <a:avLst/>
+          </a:prstGeom>
+          <a:solidFill>
+            <a:srgbClr val="CCF0CD">
+              <a:alpha val="20000"/>
+            </a:srgbClr>
+          </a:solidFill>
+          <a:ln>
+            <a:solidFill>
+              <a:schemeClr val="accent1">
+                <a:lumMod val="50000"/>
+              </a:schemeClr>
+            </a:solidFill>
+          </a:ln>
+        </p:spPr>
+        <p:style>
+          <a:lnRef idx="2">
+            <a:schemeClr val="accent1">
+              <a:shade val="50000"/>
+            </a:schemeClr>
+          </a:lnRef>
+          <a:fillRef idx="1">
+            <a:schemeClr val="accent1"/>
+          </a:fillRef>
+          <a:effectRef idx="0">
+            <a:schemeClr val="accent1"/>
+          </a:effectRef>
+          <a:fontRef idx="minor">
+            <a:schemeClr val="lt1"/>
+          </a:fontRef>
+        </p:style>
+        <p:txBody>
+          <a:bodyPr wrap="square" lIns="0" rIns="0" rtlCol="0" anchor="ctr"/>
+          <a:lstStyle/>
+          <a:p>
+            <a:pPr algn="ctr"/>
+            <a:r>
+              <a:rPr lang="en-AU" sz="2000" dirty="0">
+                <a:solidFill>
+                  <a:schemeClr val="tx1"/>
+                </a:solidFill>
+              </a:rPr>
+              <a:t>Story Points</a:t>
+            </a:r>
+          </a:p>
+        </p:txBody>
+      </p:sp>
+      <p:sp>
+        <p:nvSpPr>
+          <p:cNvPr id="12" name="Rectangle 11"/>
+          <p:cNvSpPr/>
+          <p:nvPr/>
+        </p:nvSpPr>
+        <p:spPr>
+          <a:xfrm>
+            <a:off x="8283153" y="109410"/>
+            <a:ext cx="792000" cy="540000"/>
+          </a:xfrm>
+          <a:prstGeom prst="rect">
+            <a:avLst/>
+          </a:prstGeom>
+          <a:solidFill>
+            <a:schemeClr val="accent4">
+              <a:lumMod val="20000"/>
+              <a:lumOff val="80000"/>
+            </a:schemeClr>
+          </a:solidFill>
+          <a:ln>
+            <a:solidFill>
+              <a:schemeClr val="accent1">
+                <a:lumMod val="50000"/>
+              </a:schemeClr>
+            </a:solidFill>
+          </a:ln>
+        </p:spPr>
+        <p:style>
+          <a:lnRef idx="2">
+            <a:schemeClr val="accent1">
+              <a:shade val="50000"/>
+            </a:schemeClr>
+          </a:lnRef>
+          <a:fillRef idx="1">
+            <a:schemeClr val="accent1"/>
+          </a:fillRef>
+          <a:effectRef idx="0">
+            <a:schemeClr val="accent1"/>
+          </a:effectRef>
+          <a:fontRef idx="minor">
+            <a:schemeClr val="lt1"/>
+          </a:fontRef>
+        </p:style>
+        <p:txBody>
+          <a:bodyPr wrap="none" lIns="0" rIns="0" rtlCol="0" anchor="ctr"/>
+          <a:lstStyle/>
+          <a:p>
+            <a:pPr algn="ctr"/>
+            <a:r>
+              <a:rPr lang="en-AU" sz="2000" dirty="0">
+                <a:solidFill>
+                  <a:schemeClr val="tx1"/>
+                </a:solidFill>
+              </a:rPr>
+              <a:t>HIGH</a:t>
+            </a:r>
+          </a:p>
+        </p:txBody>
+      </p:sp>
+      <p:sp>
+        <p:nvSpPr>
+          <p:cNvPr id="13" name="Rectangle 12"/>
+          <p:cNvSpPr/>
+          <p:nvPr/>
+        </p:nvSpPr>
+        <p:spPr>
+          <a:xfrm>
+            <a:off x="39153" y="5128590"/>
+            <a:ext cx="9828000" cy="1620000"/>
+          </a:xfrm>
+          <a:prstGeom prst="rect">
+            <a:avLst/>
+          </a:prstGeom>
+          <a:solidFill>
+            <a:schemeClr val="bg1"/>
+          </a:solidFill>
+          <a:ln>
+            <a:solidFill>
+              <a:schemeClr val="accent1">
+                <a:lumMod val="50000"/>
+              </a:schemeClr>
+            </a:solidFill>
+          </a:ln>
+        </p:spPr>
+        <p:style>
+          <a:lnRef idx="2">
+            <a:schemeClr val="accent1">
+              <a:shade val="50000"/>
+            </a:schemeClr>
+          </a:lnRef>
+          <a:fillRef idx="1">
+            <a:schemeClr val="accent1"/>
+          </a:fillRef>
+          <a:effectRef idx="0">
+            <a:schemeClr val="accent1"/>
+          </a:effectRef>
+          <a:fontRef idx="minor">
+            <a:schemeClr val="lt1"/>
+          </a:fontRef>
+        </p:style>
+        <p:txBody>
+          <a:bodyPr tIns="36000" rtlCol="0" anchor="t" anchorCtr="0"/>
+          <a:lstStyle/>
+          <a:p>
+            <a:r>
+              <a:rPr lang="en-AU" sz="2000" dirty="0">
+                <a:solidFill>
+                  <a:schemeClr val="tx1"/>
+                </a:solidFill>
+              </a:rPr>
+              <a:t>Notes</a:t>
+            </a:r>
+          </a:p>
+          <a:p>
+            <a:pPr marL="179388" indent="-179388">
+              <a:buFont typeface="Arial" pitchFamily="34" charset="0"/>
+              <a:buChar char="•"/>
+            </a:pPr>
+            <a:r>
+              <a:rPr lang="en-AU" sz="2000" dirty="0">
+                <a:solidFill>
+                  <a:schemeClr val="tx1"/>
+                </a:solidFill>
+              </a:rPr>
+              <a:t>Contact information for each staff member should be available.</a:t>
+            </a:r>
+          </a:p>
+          <a:p>
+            <a:endParaRPr lang="en-AU" sz="2000" dirty="0">
+              <a:solidFill>
+                <a:schemeClr val="tx1"/>
+              </a:solidFill>
+            </a:endParaRPr>
+          </a:p>
+        </p:txBody>
+      </p:sp>
+    </p:spTree>
+    <p:extLst>
+      <p:ext uri="{BB962C8B-B14F-4D97-AF65-F5344CB8AC3E}">
+        <p14:creationId xmlns:p14="http://schemas.microsoft.com/office/powerpoint/2010/main" val="2094226688"/>
+      </p:ext>
+    </p:extLst>
+  </p:cSld>
+  <p:clrMapOvr>
+    <a:masterClrMapping/>
+  </p:clrMapOvr>
+</p:sld>
+</file>
+
+<file path=ppt/slides/slide16.xml><?xml version="1.0" encoding="utf-8"?>
+<p:sld xmlns:a="http://schemas.openxmlformats.org/drawingml/2006/main" xmlns:r="http://schemas.openxmlformats.org/officeDocument/2006/relationships" xmlns:p="http://schemas.openxmlformats.org/presentationml/2006/main">
+  <p:cSld>
+    <p:spTree>
+      <p:nvGrpSpPr>
+        <p:cNvPr id="1" name=""/>
+        <p:cNvGrpSpPr/>
+        <p:nvPr/>
+      </p:nvGrpSpPr>
+      <p:grpSpPr>
+        <a:xfrm>
+          <a:off x="0" y="0"/>
+          <a:ext cx="0" cy="0"/>
+          <a:chOff x="0" y="0"/>
+          <a:chExt cx="0" cy="0"/>
+        </a:xfrm>
+      </p:grpSpPr>
+      <p:sp>
+        <p:nvSpPr>
+          <p:cNvPr id="4" name="Rectangle 3"/>
+          <p:cNvSpPr/>
+          <p:nvPr/>
+        </p:nvSpPr>
+        <p:spPr>
+          <a:xfrm>
+            <a:off x="39153" y="109410"/>
+            <a:ext cx="720000" cy="540000"/>
+          </a:xfrm>
+          <a:prstGeom prst="rect">
+            <a:avLst/>
+          </a:prstGeom>
+          <a:solidFill>
+            <a:schemeClr val="accent1">
+              <a:lumMod val="40000"/>
+              <a:lumOff val="60000"/>
+            </a:schemeClr>
+          </a:solidFill>
+          <a:ln>
+            <a:solidFill>
+              <a:schemeClr val="accent1">
+                <a:lumMod val="50000"/>
+              </a:schemeClr>
+            </a:solidFill>
+          </a:ln>
+        </p:spPr>
+        <p:style>
+          <a:lnRef idx="2">
+            <a:schemeClr val="accent1">
+              <a:shade val="50000"/>
+            </a:schemeClr>
+          </a:lnRef>
+          <a:fillRef idx="1">
+            <a:schemeClr val="accent1"/>
+          </a:fillRef>
+          <a:effectRef idx="0">
+            <a:schemeClr val="accent1"/>
+          </a:effectRef>
+          <a:fontRef idx="minor">
+            <a:schemeClr val="lt1"/>
+          </a:fontRef>
+        </p:style>
+        <p:txBody>
+          <a:bodyPr wrap="square" lIns="0" rIns="0" rtlCol="0" anchor="ctr"/>
+          <a:lstStyle/>
+          <a:p>
+            <a:pPr algn="ctr"/>
+            <a:r>
+              <a:rPr lang="en-AU" sz="2000" dirty="0">
+                <a:solidFill>
+                  <a:schemeClr val="tx1"/>
+                </a:solidFill>
+              </a:rPr>
+              <a:t>16</a:t>
+            </a:r>
+          </a:p>
+        </p:txBody>
+      </p:sp>
+      <p:sp>
+        <p:nvSpPr>
+          <p:cNvPr id="6" name="Rectangle 5"/>
+          <p:cNvSpPr/>
+          <p:nvPr/>
+        </p:nvSpPr>
+        <p:spPr>
+          <a:xfrm>
+            <a:off x="831153" y="109410"/>
+            <a:ext cx="7380000" cy="540000"/>
+          </a:xfrm>
+          <a:prstGeom prst="rect">
+            <a:avLst/>
+          </a:prstGeom>
+          <a:ln>
+            <a:solidFill>
+              <a:schemeClr val="accent1">
+                <a:lumMod val="50000"/>
+              </a:schemeClr>
+            </a:solidFill>
+          </a:ln>
+        </p:spPr>
+        <p:style>
+          <a:lnRef idx="2">
+            <a:schemeClr val="accent1">
+              <a:shade val="50000"/>
+            </a:schemeClr>
+          </a:lnRef>
+          <a:fillRef idx="1">
+            <a:schemeClr val="accent1"/>
+          </a:fillRef>
+          <a:effectRef idx="0">
+            <a:schemeClr val="accent1"/>
+          </a:effectRef>
+          <a:fontRef idx="minor">
+            <a:schemeClr val="lt1"/>
+          </a:fontRef>
+        </p:style>
+        <p:txBody>
+          <a:bodyPr rtlCol="0" anchor="ctr"/>
+          <a:lstStyle/>
+          <a:p>
+            <a:pPr algn="ctr"/>
+            <a:r>
+              <a:rPr lang="en-AU" sz="2800" dirty="0"/>
+              <a:t>Staff Sign-up</a:t>
+            </a:r>
+          </a:p>
+        </p:txBody>
+      </p:sp>
+      <p:sp>
+        <p:nvSpPr>
+          <p:cNvPr id="7" name="Rectangle 6"/>
+          <p:cNvSpPr/>
+          <p:nvPr/>
+        </p:nvSpPr>
+        <p:spPr>
+          <a:xfrm>
+            <a:off x="0" y="822470"/>
+            <a:ext cx="9828000" cy="2340000"/>
+          </a:xfrm>
+          <a:prstGeom prst="rect">
+            <a:avLst/>
+          </a:prstGeom>
+          <a:solidFill>
+            <a:schemeClr val="tx2">
+              <a:lumMod val="20000"/>
+              <a:lumOff val="80000"/>
+            </a:schemeClr>
+          </a:solidFill>
+          <a:ln>
+            <a:solidFill>
+              <a:schemeClr val="accent1">
+                <a:lumMod val="50000"/>
+              </a:schemeClr>
+            </a:solidFill>
+          </a:ln>
+        </p:spPr>
+        <p:style>
+          <a:lnRef idx="2">
+            <a:schemeClr val="accent1">
+              <a:shade val="50000"/>
+            </a:schemeClr>
+          </a:lnRef>
+          <a:fillRef idx="1">
+            <a:schemeClr val="accent1"/>
+          </a:fillRef>
+          <a:effectRef idx="0">
+            <a:schemeClr val="accent1"/>
+          </a:effectRef>
+          <a:fontRef idx="minor">
+            <a:schemeClr val="lt1"/>
+          </a:fontRef>
+        </p:style>
+        <p:txBody>
+          <a:bodyPr rtlCol="0" anchor="t" anchorCtr="0"/>
+          <a:lstStyle/>
+          <a:p>
+            <a:r>
+              <a:rPr lang="en-AU" sz="2000" dirty="0">
+                <a:solidFill>
+                  <a:schemeClr val="tx1"/>
+                </a:solidFill>
+              </a:rPr>
+              <a:t>As a David, I want there to be 5 different access controls for the website, so that I can control how much access people have over the website.</a:t>
+            </a:r>
+          </a:p>
+        </p:txBody>
+      </p:sp>
+      <p:sp>
+        <p:nvSpPr>
+          <p:cNvPr id="8" name="Rectangle 7"/>
+          <p:cNvSpPr/>
+          <p:nvPr/>
+        </p:nvSpPr>
+        <p:spPr>
+          <a:xfrm>
+            <a:off x="39153" y="3335530"/>
+            <a:ext cx="9828000" cy="1620000"/>
+          </a:xfrm>
+          <a:prstGeom prst="rect">
+            <a:avLst/>
+          </a:prstGeom>
+          <a:solidFill>
+            <a:schemeClr val="accent1">
+              <a:lumMod val="20000"/>
+              <a:lumOff val="80000"/>
+            </a:schemeClr>
+          </a:solidFill>
+          <a:ln>
+            <a:solidFill>
+              <a:schemeClr val="accent1">
+                <a:lumMod val="50000"/>
+              </a:schemeClr>
+            </a:solidFill>
+          </a:ln>
+        </p:spPr>
+        <p:style>
+          <a:lnRef idx="2">
+            <a:schemeClr val="accent1">
+              <a:shade val="50000"/>
+            </a:schemeClr>
+          </a:lnRef>
+          <a:fillRef idx="1">
+            <a:schemeClr val="accent1"/>
+          </a:fillRef>
+          <a:effectRef idx="0">
+            <a:schemeClr val="accent1"/>
+          </a:effectRef>
+          <a:fontRef idx="minor">
+            <a:schemeClr val="lt1"/>
+          </a:fontRef>
+        </p:style>
+        <p:txBody>
+          <a:bodyPr tIns="36000" rtlCol="0" anchor="t" anchorCtr="0"/>
+          <a:lstStyle/>
+          <a:p>
+            <a:r>
+              <a:rPr lang="en-AU" sz="2000" dirty="0">
+                <a:solidFill>
+                  <a:schemeClr val="tx1"/>
+                </a:solidFill>
+              </a:rPr>
+              <a:t>Acceptance Criteria</a:t>
+            </a:r>
+          </a:p>
+          <a:p>
+            <a:pPr marL="179388" indent="-179388">
+              <a:buFont typeface="Arial" pitchFamily="34" charset="0"/>
+              <a:buChar char="•"/>
+            </a:pPr>
+            <a:r>
+              <a:rPr lang="en-AU" sz="2000" dirty="0">
+                <a:solidFill>
+                  <a:schemeClr val="tx1"/>
+                </a:solidFill>
+              </a:rPr>
+              <a:t>Is David able to change people’s access?</a:t>
+            </a:r>
+          </a:p>
+          <a:p>
+            <a:pPr marL="179388" indent="-179388">
+              <a:buFont typeface="Arial" pitchFamily="34" charset="0"/>
+              <a:buChar char="•"/>
+            </a:pPr>
+            <a:r>
+              <a:rPr lang="en-AU" sz="2000" dirty="0">
+                <a:solidFill>
+                  <a:schemeClr val="tx1"/>
+                </a:solidFill>
+              </a:rPr>
+              <a:t>Can he view what access control levels people are on?</a:t>
+            </a:r>
+          </a:p>
+        </p:txBody>
+      </p:sp>
+      <p:sp>
+        <p:nvSpPr>
+          <p:cNvPr id="11" name="Rectangle 10"/>
+          <p:cNvSpPr/>
+          <p:nvPr/>
+        </p:nvSpPr>
+        <p:spPr>
+          <a:xfrm>
+            <a:off x="9147153" y="109410"/>
+            <a:ext cx="720000" cy="540000"/>
+          </a:xfrm>
+          <a:prstGeom prst="rect">
+            <a:avLst/>
+          </a:prstGeom>
+          <a:solidFill>
+            <a:srgbClr val="CCF0CD">
+              <a:alpha val="20000"/>
+            </a:srgbClr>
+          </a:solidFill>
+          <a:ln>
+            <a:solidFill>
+              <a:schemeClr val="accent1">
+                <a:lumMod val="50000"/>
+              </a:schemeClr>
+            </a:solidFill>
+          </a:ln>
+        </p:spPr>
+        <p:style>
+          <a:lnRef idx="2">
+            <a:schemeClr val="accent1">
+              <a:shade val="50000"/>
+            </a:schemeClr>
+          </a:lnRef>
+          <a:fillRef idx="1">
+            <a:schemeClr val="accent1"/>
+          </a:fillRef>
+          <a:effectRef idx="0">
+            <a:schemeClr val="accent1"/>
+          </a:effectRef>
+          <a:fontRef idx="minor">
+            <a:schemeClr val="lt1"/>
+          </a:fontRef>
+        </p:style>
+        <p:txBody>
+          <a:bodyPr wrap="square" lIns="0" rIns="0" rtlCol="0" anchor="ctr"/>
+          <a:lstStyle/>
+          <a:p>
+            <a:pPr algn="ctr"/>
+            <a:r>
+              <a:rPr lang="en-AU" sz="2000" dirty="0">
+                <a:solidFill>
+                  <a:schemeClr val="tx1"/>
+                </a:solidFill>
+              </a:rPr>
+              <a:t>Story Points</a:t>
+            </a:r>
+          </a:p>
+        </p:txBody>
+      </p:sp>
+      <p:sp>
+        <p:nvSpPr>
+          <p:cNvPr id="12" name="Rectangle 11"/>
+          <p:cNvSpPr/>
+          <p:nvPr/>
+        </p:nvSpPr>
+        <p:spPr>
+          <a:xfrm>
+            <a:off x="8283153" y="109410"/>
+            <a:ext cx="792000" cy="540000"/>
+          </a:xfrm>
+          <a:prstGeom prst="rect">
+            <a:avLst/>
+          </a:prstGeom>
+          <a:solidFill>
+            <a:schemeClr val="accent4">
+              <a:lumMod val="20000"/>
+              <a:lumOff val="80000"/>
+            </a:schemeClr>
+          </a:solidFill>
+          <a:ln>
+            <a:solidFill>
+              <a:schemeClr val="accent1">
+                <a:lumMod val="50000"/>
+              </a:schemeClr>
+            </a:solidFill>
+          </a:ln>
+        </p:spPr>
+        <p:style>
+          <a:lnRef idx="2">
+            <a:schemeClr val="accent1">
+              <a:shade val="50000"/>
+            </a:schemeClr>
+          </a:lnRef>
+          <a:fillRef idx="1">
+            <a:schemeClr val="accent1"/>
+          </a:fillRef>
+          <a:effectRef idx="0">
+            <a:schemeClr val="accent1"/>
+          </a:effectRef>
+          <a:fontRef idx="minor">
+            <a:schemeClr val="lt1"/>
+          </a:fontRef>
+        </p:style>
+        <p:txBody>
+          <a:bodyPr wrap="none" lIns="0" rIns="0" rtlCol="0" anchor="ctr"/>
+          <a:lstStyle/>
+          <a:p>
+            <a:pPr algn="ctr"/>
+            <a:r>
+              <a:rPr lang="en-AU" sz="2000" dirty="0">
+                <a:solidFill>
+                  <a:schemeClr val="tx1"/>
+                </a:solidFill>
+              </a:rPr>
+              <a:t>HIGH</a:t>
+            </a:r>
+          </a:p>
+        </p:txBody>
+      </p:sp>
+      <p:sp>
+        <p:nvSpPr>
+          <p:cNvPr id="13" name="Rectangle 12"/>
+          <p:cNvSpPr/>
+          <p:nvPr/>
+        </p:nvSpPr>
+        <p:spPr>
+          <a:xfrm>
+            <a:off x="39153" y="5128590"/>
+            <a:ext cx="9828000" cy="1620000"/>
+          </a:xfrm>
+          <a:prstGeom prst="rect">
+            <a:avLst/>
+          </a:prstGeom>
+          <a:solidFill>
+            <a:schemeClr val="bg1"/>
+          </a:solidFill>
+          <a:ln>
+            <a:solidFill>
+              <a:schemeClr val="accent1">
+                <a:lumMod val="50000"/>
+              </a:schemeClr>
+            </a:solidFill>
+          </a:ln>
+        </p:spPr>
+        <p:style>
+          <a:lnRef idx="2">
+            <a:schemeClr val="accent1">
+              <a:shade val="50000"/>
+            </a:schemeClr>
+          </a:lnRef>
+          <a:fillRef idx="1">
+            <a:schemeClr val="accent1"/>
+          </a:fillRef>
+          <a:effectRef idx="0">
+            <a:schemeClr val="accent1"/>
+          </a:effectRef>
+          <a:fontRef idx="minor">
+            <a:schemeClr val="lt1"/>
+          </a:fontRef>
+        </p:style>
+        <p:txBody>
+          <a:bodyPr tIns="36000" rtlCol="0" anchor="t" anchorCtr="0"/>
+          <a:lstStyle/>
+          <a:p>
+            <a:r>
+              <a:rPr lang="en-AU" sz="2000" dirty="0">
+                <a:solidFill>
+                  <a:schemeClr val="tx1"/>
+                </a:solidFill>
+              </a:rPr>
+              <a:t>Notes</a:t>
+            </a:r>
+          </a:p>
+          <a:p>
+            <a:pPr marL="179388" indent="-179388">
+              <a:buFont typeface="Arial" pitchFamily="34" charset="0"/>
+              <a:buChar char="•"/>
+            </a:pPr>
+            <a:r>
+              <a:rPr lang="en-AU" sz="2000" dirty="0">
+                <a:solidFill>
+                  <a:schemeClr val="tx1"/>
+                </a:solidFill>
+              </a:rPr>
+              <a:t> Needs to be able to view what control levels all members are on. </a:t>
+            </a:r>
+          </a:p>
+          <a:p>
+            <a:endParaRPr lang="en-AU" sz="2000" dirty="0">
+              <a:solidFill>
+                <a:schemeClr val="tx1"/>
+              </a:solidFill>
+            </a:endParaRPr>
+          </a:p>
+        </p:txBody>
+      </p:sp>
+    </p:spTree>
+    <p:extLst>
+      <p:ext uri="{BB962C8B-B14F-4D97-AF65-F5344CB8AC3E}">
+        <p14:creationId xmlns:p14="http://schemas.microsoft.com/office/powerpoint/2010/main" val="1936715470"/>
       </p:ext>
     </p:extLst>
   </p:cSld>
@@ -7556,10 +10036,9 @@
           <a:p>
             <a:pPr algn="ctr"/>
             <a:r>
-              <a:rPr lang="en-AU" sz="2800" dirty="0" smtClean="0"/>
+              <a:rPr lang="en-AU" sz="2800" dirty="0"/>
               <a:t>Property view calendar</a:t>
             </a:r>
-            <a:endParaRPr lang="en-AU" sz="2800" dirty="0"/>
           </a:p>
         </p:txBody>
       </p:sp>
@@ -7617,23 +10096,7 @@
                   <a:schemeClr val="tx1"/>
                 </a:solidFill>
               </a:rPr>
-              <a:t>As a tenant, I want to </a:t>
-            </a:r>
-            <a:r>
-              <a:rPr lang="en-US" sz="2400" dirty="0" smtClean="0">
-                <a:solidFill>
-                  <a:schemeClr val="tx1"/>
-                </a:solidFill>
-              </a:rPr>
-              <a:t>be </a:t>
-            </a:r>
-            <a:r>
-              <a:rPr lang="en-US" sz="2400" dirty="0">
-                <a:solidFill>
-                  <a:schemeClr val="tx1"/>
-                </a:solidFill>
-              </a:rPr>
-              <a:t>able to view a calendar, so that I can see what inspection times are available.</a:t>
+              <a:t>As a tenant, I want to be able to view a calendar, so that I can see what inspection times are available.</a:t>
             </a:r>
             <a:endParaRPr lang="en-AU" sz="2400" dirty="0">
               <a:solidFill>
@@ -7706,28 +10169,12 @@
               <a:buChar char="•"/>
             </a:pPr>
             <a:r>
-              <a:rPr lang="en-US" sz="2000" dirty="0" smtClean="0">
-                <a:solidFill>
-                  <a:schemeClr val="tx1"/>
-                </a:solidFill>
-              </a:rPr>
-              <a:t>Can </a:t>
-            </a:r>
-            <a:r>
               <a:rPr lang="en-US" sz="2000" dirty="0">
                 <a:solidFill>
                   <a:schemeClr val="tx1"/>
                 </a:solidFill>
               </a:rPr>
-              <a:t>website users easily </a:t>
-            </a:r>
-            <a:r>
-              <a:rPr lang="en-US" sz="2000" dirty="0" smtClean="0">
-                <a:solidFill>
-                  <a:schemeClr val="tx1"/>
-                </a:solidFill>
-              </a:rPr>
-              <a:t>launch a calendar with available viewing times listed?</a:t>
+              <a:t>Can website users easily launch a calendar with available viewing times listed?</a:t>
             </a:r>
           </a:p>
           <a:p>
@@ -7736,7 +10183,7 @@
               <a:buChar char="•"/>
             </a:pPr>
             <a:r>
-              <a:rPr lang="en-US" sz="2000" dirty="0" smtClean="0">
+              <a:rPr lang="en-US" sz="2000" dirty="0">
                 <a:solidFill>
                   <a:schemeClr val="tx1"/>
                 </a:solidFill>
@@ -7750,18 +10197,13 @@
               <a:buChar char="•"/>
             </a:pPr>
             <a:r>
-              <a:rPr lang="en-US" sz="2000" dirty="0" smtClean="0">
+              <a:rPr lang="en-US" sz="2000" dirty="0">
                 <a:solidFill>
                   <a:schemeClr val="tx1"/>
                 </a:solidFill>
               </a:rPr>
               <a:t>Is it clear which times are booked/still available?</a:t>
             </a:r>
-            <a:endParaRPr lang="en-US" sz="2000" dirty="0">
-              <a:solidFill>
-                <a:schemeClr val="tx1"/>
-              </a:solidFill>
-            </a:endParaRPr>
           </a:p>
         </p:txBody>
       </p:sp>
@@ -7874,18 +10316,13 @@
           <a:p>
             <a:pPr algn="ctr"/>
             <a:r>
-              <a:rPr lang="en-AU" sz="2000" dirty="0" smtClean="0">
+              <a:rPr lang="en-AU" sz="2000" dirty="0">
                 <a:solidFill>
                   <a:schemeClr val="tx1"/>
                 </a:solidFill>
               </a:rPr>
               <a:t>medium</a:t>
             </a:r>
-            <a:endParaRPr lang="en-AU" sz="2000" dirty="0">
-              <a:solidFill>
-                <a:schemeClr val="tx1"/>
-              </a:solidFill>
-            </a:endParaRPr>
           </a:p>
         </p:txBody>
       </p:sp>
@@ -8091,10 +10528,9 @@
           <a:p>
             <a:pPr algn="ctr"/>
             <a:r>
-              <a:rPr lang="en-AU" sz="2800" dirty="0" smtClean="0"/>
+              <a:rPr lang="en-AU" sz="2800" dirty="0"/>
               <a:t>Property Id search</a:t>
             </a:r>
-            <a:endParaRPr lang="en-AU" sz="2800" dirty="0"/>
           </a:p>
         </p:txBody>
       </p:sp>
@@ -8211,7 +10647,7 @@
           <a:lstStyle/>
           <a:p>
             <a:r>
-              <a:rPr lang="en-AU" sz="2000" dirty="0" smtClean="0">
+              <a:rPr lang="en-AU" sz="2000" dirty="0">
                 <a:solidFill>
                   <a:schemeClr val="tx1"/>
                 </a:solidFill>
@@ -8225,28 +10661,12 @@
               <a:buChar char="•"/>
             </a:pPr>
             <a:r>
-              <a:rPr lang="en-AU" sz="2000" dirty="0" smtClean="0">
-                <a:solidFill>
-                  <a:schemeClr val="tx1"/>
-                </a:solidFill>
-              </a:rPr>
-              <a:t> </a:t>
-            </a:r>
-            <a:r>
               <a:rPr lang="en-AU" sz="2000" dirty="0">
                 <a:solidFill>
                   <a:schemeClr val="tx1"/>
                 </a:solidFill>
               </a:rPr>
-              <a:t>I</a:t>
-            </a:r>
-            <a:r>
-              <a:rPr lang="en-AU" sz="2000" dirty="0" smtClean="0">
-                <a:solidFill>
-                  <a:schemeClr val="tx1"/>
-                </a:solidFill>
-              </a:rPr>
-              <a:t>s the website searchable by property id?</a:t>
+              <a:t> Is the website searchable by property id?</a:t>
             </a:r>
           </a:p>
           <a:p>
@@ -8255,7 +10675,7 @@
               <a:buChar char="•"/>
             </a:pPr>
             <a:r>
-              <a:rPr lang="en-US" sz="2000" dirty="0" smtClean="0">
+              <a:rPr lang="en-US" sz="2000" dirty="0">
                 <a:solidFill>
                   <a:schemeClr val="tx1"/>
                 </a:solidFill>
@@ -8269,18 +10689,13 @@
               <a:buChar char="•"/>
             </a:pPr>
             <a:r>
-              <a:rPr lang="en-US" sz="2000" dirty="0" smtClean="0">
+              <a:rPr lang="en-US" sz="2000" dirty="0">
                 <a:solidFill>
                   <a:schemeClr val="tx1"/>
                 </a:solidFill>
               </a:rPr>
               <a:t>Is the property id unique?</a:t>
             </a:r>
-            <a:endParaRPr lang="en-US" sz="2000" dirty="0" smtClean="0">
-              <a:solidFill>
-                <a:schemeClr val="tx1"/>
-              </a:solidFill>
-            </a:endParaRPr>
           </a:p>
         </p:txBody>
       </p:sp>
